--- a/PredictionFeature/smart_reservoir(v0.5).pptx
+++ b/PredictionFeature/smart_reservoir(v0.5).pptx
@@ -5,29 +5,28 @@
     <p:sldMasterId id="2147483648" r:id="rId1"/>
   </p:sldMasterIdLst>
   <p:sldIdLst>
-    <p:sldId id="264" r:id="rId3"/>
-    <p:sldId id="265" r:id="rId4"/>
-    <p:sldId id="274" r:id="rId5"/>
-    <p:sldId id="277" r:id="rId6"/>
-    <p:sldId id="289" r:id="rId7"/>
-    <p:sldId id="304" r:id="rId8"/>
-    <p:sldId id="276" r:id="rId9"/>
-    <p:sldId id="280" r:id="rId10"/>
-    <p:sldId id="257" r:id="rId11"/>
-    <p:sldId id="290" r:id="rId12"/>
-    <p:sldId id="288" r:id="rId13"/>
-    <p:sldId id="301" r:id="rId14"/>
-    <p:sldId id="302" r:id="rId15"/>
-    <p:sldId id="303" r:id="rId16"/>
-    <p:sldId id="260" r:id="rId17"/>
-    <p:sldId id="266" r:id="rId18"/>
-    <p:sldId id="261" r:id="rId19"/>
-    <p:sldId id="287" r:id="rId20"/>
-    <p:sldId id="263" r:id="rId21"/>
-    <p:sldId id="284" r:id="rId22"/>
+    <p:sldId id="264" r:id="rId2"/>
+    <p:sldId id="265" r:id="rId3"/>
+    <p:sldId id="274" r:id="rId4"/>
+    <p:sldId id="277" r:id="rId5"/>
+    <p:sldId id="304" r:id="rId6"/>
+    <p:sldId id="276" r:id="rId7"/>
+    <p:sldId id="280" r:id="rId8"/>
+    <p:sldId id="257" r:id="rId9"/>
+    <p:sldId id="290" r:id="rId10"/>
+    <p:sldId id="288" r:id="rId11"/>
+    <p:sldId id="301" r:id="rId12"/>
+    <p:sldId id="302" r:id="rId13"/>
+    <p:sldId id="303" r:id="rId14"/>
+    <p:sldId id="260" r:id="rId15"/>
+    <p:sldId id="266" r:id="rId16"/>
+    <p:sldId id="261" r:id="rId17"/>
+    <p:sldId id="287" r:id="rId18"/>
+    <p:sldId id="263" r:id="rId19"/>
+    <p:sldId id="284" r:id="rId20"/>
   </p:sldIdLst>
   <p:sldSz cx="12192000" cy="6858000"/>
-  <p:notesSz cx="7103745" cy="10234295"/>
+  <p:notesSz cx="7104063" cy="10234613"/>
   <p:defaultTextStyle>
     <a:defPPr>
       <a:defRPr lang="en-US"/>
@@ -123,6 +122,14 @@
       </a:defRPr>
     </a:lvl9pPr>
   </p:defaultTextStyle>
+  <p:extLst>
+    <p:ext uri="{EFAFB233-063F-42B5-8137-9DF3F51BA10A}">
+      <p15:sldGuideLst xmlns:p15="http://schemas.microsoft.com/office/powerpoint/2012/main"/>
+    </p:ext>
+    <p:ext uri="{2D200454-40CA-4A62-9FC3-DE9A4176ACB9}">
+      <p15:notesGuideLst xmlns:p15="http://schemas.microsoft.com/office/powerpoint/2012/main"/>
+    </p:ext>
+  </p:extLst>
 </p:presentation>
 </file>
 
@@ -257,6 +264,7 @@
           <a:p>
             <a:fld id="{FDE934FF-F4E1-47C5-9CA5-30A81DDE2BE4}" type="datetimeFigureOut">
               <a:rPr lang="en-US" smtClean="0"/>
+              <a:t>5/30/2018</a:t>
             </a:fld>
             <a:endParaRPr lang="en-US"/>
           </a:p>
@@ -298,6 +306,7 @@
           <a:p>
             <a:fld id="{B3561BA9-CDCF-4958-B8AB-66F3BF063E13}" type="slidenum">
               <a:rPr lang="en-US" smtClean="0"/>
+              <a:t>‹#›</a:t>
             </a:fld>
             <a:endParaRPr lang="en-US"/>
           </a:p>
@@ -353,7 +362,6 @@
               <a:rPr lang="en-US" smtClean="0"/>
               <a:t>Click to edit Master text styles</a:t>
             </a:r>
-            <a:endParaRPr lang="en-US" smtClean="0"/>
           </a:p>
           <a:p>
             <a:pPr lvl="1"/>
@@ -361,7 +369,6 @@
               <a:rPr lang="en-US" smtClean="0"/>
               <a:t>Second level</a:t>
             </a:r>
-            <a:endParaRPr lang="en-US" smtClean="0"/>
           </a:p>
           <a:p>
             <a:pPr lvl="2"/>
@@ -369,7 +376,6 @@
               <a:rPr lang="en-US" smtClean="0"/>
               <a:t>Third level</a:t>
             </a:r>
-            <a:endParaRPr lang="en-US" smtClean="0"/>
           </a:p>
           <a:p>
             <a:pPr lvl="3"/>
@@ -377,7 +383,6 @@
               <a:rPr lang="en-US" smtClean="0"/>
               <a:t>Fourth level</a:t>
             </a:r>
-            <a:endParaRPr lang="en-US" smtClean="0"/>
           </a:p>
           <a:p>
             <a:pPr lvl="4"/>
@@ -406,6 +411,7 @@
           <a:p>
             <a:fld id="{FDE934FF-F4E1-47C5-9CA5-30A81DDE2BE4}" type="datetimeFigureOut">
               <a:rPr lang="en-US" smtClean="0"/>
+              <a:t>5/30/2018</a:t>
             </a:fld>
             <a:endParaRPr lang="en-US"/>
           </a:p>
@@ -447,6 +453,7 @@
           <a:p>
             <a:fld id="{B3561BA9-CDCF-4958-B8AB-66F3BF063E13}" type="slidenum">
               <a:rPr lang="en-US" smtClean="0"/>
+              <a:t>‹#›</a:t>
             </a:fld>
             <a:endParaRPr lang="en-US"/>
           </a:p>
@@ -520,7 +527,6 @@
               <a:rPr lang="en-US" smtClean="0"/>
               <a:t>Click to edit Master text styles</a:t>
             </a:r>
-            <a:endParaRPr lang="en-US" smtClean="0"/>
           </a:p>
           <a:p>
             <a:pPr lvl="1"/>
@@ -528,7 +534,6 @@
               <a:rPr lang="en-US" smtClean="0"/>
               <a:t>Second level</a:t>
             </a:r>
-            <a:endParaRPr lang="en-US" smtClean="0"/>
           </a:p>
           <a:p>
             <a:pPr lvl="2"/>
@@ -536,7 +541,6 @@
               <a:rPr lang="en-US" smtClean="0"/>
               <a:t>Third level</a:t>
             </a:r>
-            <a:endParaRPr lang="en-US" smtClean="0"/>
           </a:p>
           <a:p>
             <a:pPr lvl="3"/>
@@ -544,7 +548,6 @@
               <a:rPr lang="en-US" smtClean="0"/>
               <a:t>Fourth level</a:t>
             </a:r>
-            <a:endParaRPr lang="en-US" smtClean="0"/>
           </a:p>
           <a:p>
             <a:pPr lvl="4"/>
@@ -573,6 +576,7 @@
           <a:p>
             <a:fld id="{FDE934FF-F4E1-47C5-9CA5-30A81DDE2BE4}" type="datetimeFigureOut">
               <a:rPr lang="en-US" smtClean="0"/>
+              <a:t>5/30/2018</a:t>
             </a:fld>
             <a:endParaRPr lang="en-US"/>
           </a:p>
@@ -614,6 +618,7 @@
           <a:p>
             <a:fld id="{B3561BA9-CDCF-4958-B8AB-66F3BF063E13}" type="slidenum">
               <a:rPr lang="en-US" smtClean="0"/>
+              <a:t>‹#›</a:t>
             </a:fld>
             <a:endParaRPr lang="en-US"/>
           </a:p>
@@ -792,7 +797,6 @@
               <a:rPr lang="en-US" smtClean="0"/>
               <a:t>Click to edit Master text styles</a:t>
             </a:r>
-            <a:endParaRPr lang="en-US" smtClean="0"/>
           </a:p>
         </p:txBody>
       </p:sp>
@@ -813,6 +817,7 @@
           <a:p>
             <a:fld id="{FDE934FF-F4E1-47C5-9CA5-30A81DDE2BE4}" type="datetimeFigureOut">
               <a:rPr lang="en-US" smtClean="0"/>
+              <a:t>5/30/2018</a:t>
             </a:fld>
             <a:endParaRPr lang="en-US"/>
           </a:p>
@@ -854,6 +859,7 @@
           <a:p>
             <a:fld id="{B3561BA9-CDCF-4958-B8AB-66F3BF063E13}" type="slidenum">
               <a:rPr lang="en-US" smtClean="0"/>
+              <a:t>‹#›</a:t>
             </a:fld>
             <a:endParaRPr lang="en-US"/>
           </a:p>
@@ -932,7 +938,6 @@
               <a:rPr lang="en-US" smtClean="0"/>
               <a:t>Click to edit Master text styles</a:t>
             </a:r>
-            <a:endParaRPr lang="en-US" smtClean="0"/>
           </a:p>
           <a:p>
             <a:pPr lvl="1"/>
@@ -940,7 +945,6 @@
               <a:rPr lang="en-US" smtClean="0"/>
               <a:t>Second level</a:t>
             </a:r>
-            <a:endParaRPr lang="en-US" smtClean="0"/>
           </a:p>
           <a:p>
             <a:pPr lvl="2"/>
@@ -948,7 +952,6 @@
               <a:rPr lang="en-US" smtClean="0"/>
               <a:t>Third level</a:t>
             </a:r>
-            <a:endParaRPr lang="en-US" smtClean="0"/>
           </a:p>
           <a:p>
             <a:pPr lvl="3"/>
@@ -956,7 +959,6 @@
               <a:rPr lang="en-US" smtClean="0"/>
               <a:t>Fourth level</a:t>
             </a:r>
-            <a:endParaRPr lang="en-US" smtClean="0"/>
           </a:p>
           <a:p>
             <a:pPr lvl="4"/>
@@ -993,7 +995,6 @@
               <a:rPr lang="en-US" smtClean="0"/>
               <a:t>Click to edit Master text styles</a:t>
             </a:r>
-            <a:endParaRPr lang="en-US" smtClean="0"/>
           </a:p>
           <a:p>
             <a:pPr lvl="1"/>
@@ -1001,7 +1002,6 @@
               <a:rPr lang="en-US" smtClean="0"/>
               <a:t>Second level</a:t>
             </a:r>
-            <a:endParaRPr lang="en-US" smtClean="0"/>
           </a:p>
           <a:p>
             <a:pPr lvl="2"/>
@@ -1009,7 +1009,6 @@
               <a:rPr lang="en-US" smtClean="0"/>
               <a:t>Third level</a:t>
             </a:r>
-            <a:endParaRPr lang="en-US" smtClean="0"/>
           </a:p>
           <a:p>
             <a:pPr lvl="3"/>
@@ -1017,7 +1016,6 @@
               <a:rPr lang="en-US" smtClean="0"/>
               <a:t>Fourth level</a:t>
             </a:r>
-            <a:endParaRPr lang="en-US" smtClean="0"/>
           </a:p>
           <a:p>
             <a:pPr lvl="4"/>
@@ -1046,6 +1044,7 @@
           <a:p>
             <a:fld id="{FDE934FF-F4E1-47C5-9CA5-30A81DDE2BE4}" type="datetimeFigureOut">
               <a:rPr lang="en-US" smtClean="0"/>
+              <a:t>5/30/2018</a:t>
             </a:fld>
             <a:endParaRPr lang="en-US"/>
           </a:p>
@@ -1087,6 +1086,7 @@
           <a:p>
             <a:fld id="{B3561BA9-CDCF-4958-B8AB-66F3BF063E13}" type="slidenum">
               <a:rPr lang="en-US" smtClean="0"/>
+              <a:t>‹#›</a:t>
             </a:fld>
             <a:endParaRPr lang="en-US"/>
           </a:p>
@@ -1207,7 +1207,6 @@
               <a:rPr lang="en-US" smtClean="0"/>
               <a:t>Click to edit Master text styles</a:t>
             </a:r>
-            <a:endParaRPr lang="en-US" smtClean="0"/>
           </a:p>
         </p:txBody>
       </p:sp>
@@ -1236,7 +1235,6 @@
               <a:rPr lang="en-US" smtClean="0"/>
               <a:t>Click to edit Master text styles</a:t>
             </a:r>
-            <a:endParaRPr lang="en-US" smtClean="0"/>
           </a:p>
           <a:p>
             <a:pPr lvl="1"/>
@@ -1244,7 +1242,6 @@
               <a:rPr lang="en-US" smtClean="0"/>
               <a:t>Second level</a:t>
             </a:r>
-            <a:endParaRPr lang="en-US" smtClean="0"/>
           </a:p>
           <a:p>
             <a:pPr lvl="2"/>
@@ -1252,7 +1249,6 @@
               <a:rPr lang="en-US" smtClean="0"/>
               <a:t>Third level</a:t>
             </a:r>
-            <a:endParaRPr lang="en-US" smtClean="0"/>
           </a:p>
           <a:p>
             <a:pPr lvl="3"/>
@@ -1260,7 +1256,6 @@
               <a:rPr lang="en-US" smtClean="0"/>
               <a:t>Fourth level</a:t>
             </a:r>
-            <a:endParaRPr lang="en-US" smtClean="0"/>
           </a:p>
           <a:p>
             <a:pPr lvl="4"/>
@@ -1334,7 +1329,6 @@
               <a:rPr lang="en-US" smtClean="0"/>
               <a:t>Click to edit Master text styles</a:t>
             </a:r>
-            <a:endParaRPr lang="en-US" smtClean="0"/>
           </a:p>
         </p:txBody>
       </p:sp>
@@ -1363,7 +1357,6 @@
               <a:rPr lang="en-US" smtClean="0"/>
               <a:t>Click to edit Master text styles</a:t>
             </a:r>
-            <a:endParaRPr lang="en-US" smtClean="0"/>
           </a:p>
           <a:p>
             <a:pPr lvl="1"/>
@@ -1371,7 +1364,6 @@
               <a:rPr lang="en-US" smtClean="0"/>
               <a:t>Second level</a:t>
             </a:r>
-            <a:endParaRPr lang="en-US" smtClean="0"/>
           </a:p>
           <a:p>
             <a:pPr lvl="2"/>
@@ -1379,7 +1371,6 @@
               <a:rPr lang="en-US" smtClean="0"/>
               <a:t>Third level</a:t>
             </a:r>
-            <a:endParaRPr lang="en-US" smtClean="0"/>
           </a:p>
           <a:p>
             <a:pPr lvl="3"/>
@@ -1387,7 +1378,6 @@
               <a:rPr lang="en-US" smtClean="0"/>
               <a:t>Fourth level</a:t>
             </a:r>
-            <a:endParaRPr lang="en-US" smtClean="0"/>
           </a:p>
           <a:p>
             <a:pPr lvl="4"/>
@@ -1416,6 +1406,7 @@
           <a:p>
             <a:fld id="{FDE934FF-F4E1-47C5-9CA5-30A81DDE2BE4}" type="datetimeFigureOut">
               <a:rPr lang="en-US" smtClean="0"/>
+              <a:t>5/30/2018</a:t>
             </a:fld>
             <a:endParaRPr lang="en-US"/>
           </a:p>
@@ -1457,6 +1448,7 @@
           <a:p>
             <a:fld id="{B3561BA9-CDCF-4958-B8AB-66F3BF063E13}" type="slidenum">
               <a:rPr lang="en-US" smtClean="0"/>
+              <a:t>‹#›</a:t>
             </a:fld>
             <a:endParaRPr lang="en-US"/>
           </a:p>
@@ -1527,6 +1519,7 @@
           <a:p>
             <a:fld id="{FDE934FF-F4E1-47C5-9CA5-30A81DDE2BE4}" type="datetimeFigureOut">
               <a:rPr lang="en-US" smtClean="0"/>
+              <a:t>5/30/2018</a:t>
             </a:fld>
             <a:endParaRPr lang="en-US"/>
           </a:p>
@@ -1568,6 +1561,7 @@
           <a:p>
             <a:fld id="{B3561BA9-CDCF-4958-B8AB-66F3BF063E13}" type="slidenum">
               <a:rPr lang="en-US" smtClean="0"/>
+              <a:t>‹#›</a:t>
             </a:fld>
             <a:endParaRPr lang="en-US"/>
           </a:p>
@@ -1615,6 +1609,7 @@
           <a:p>
             <a:fld id="{FDE934FF-F4E1-47C5-9CA5-30A81DDE2BE4}" type="datetimeFigureOut">
               <a:rPr lang="en-US" smtClean="0"/>
+              <a:t>5/30/2018</a:t>
             </a:fld>
             <a:endParaRPr lang="en-US"/>
           </a:p>
@@ -1656,6 +1651,7 @@
           <a:p>
             <a:fld id="{B3561BA9-CDCF-4958-B8AB-66F3BF063E13}" type="slidenum">
               <a:rPr lang="en-US" smtClean="0"/>
+              <a:t>‹#›</a:t>
             </a:fld>
             <a:endParaRPr lang="en-US"/>
           </a:p>
@@ -1841,7 +1837,6 @@
               <a:rPr lang="en-US" smtClean="0"/>
               <a:t>Click to edit Master text styles</a:t>
             </a:r>
-            <a:endParaRPr lang="en-US" smtClean="0"/>
           </a:p>
         </p:txBody>
       </p:sp>
@@ -1862,6 +1857,7 @@
           <a:p>
             <a:fld id="{FDE934FF-F4E1-47C5-9CA5-30A81DDE2BE4}" type="datetimeFigureOut">
               <a:rPr lang="en-US" smtClean="0"/>
+              <a:t>5/30/2018</a:t>
             </a:fld>
             <a:endParaRPr lang="en-US"/>
           </a:p>
@@ -1903,6 +1899,7 @@
           <a:p>
             <a:fld id="{B3561BA9-CDCF-4958-B8AB-66F3BF063E13}" type="slidenum">
               <a:rPr lang="en-US" smtClean="0"/>
+              <a:t>‹#›</a:t>
             </a:fld>
             <a:endParaRPr lang="en-US"/>
           </a:p>
@@ -1993,7 +1990,6 @@
               <a:rPr lang="en-US" smtClean="0"/>
               <a:t>Click to edit Master text styles</a:t>
             </a:r>
-            <a:endParaRPr lang="en-US" smtClean="0"/>
           </a:p>
           <a:p>
             <a:pPr lvl="1"/>
@@ -2001,7 +1997,6 @@
               <a:rPr lang="en-US" smtClean="0"/>
               <a:t>Second level</a:t>
             </a:r>
-            <a:endParaRPr lang="en-US" smtClean="0"/>
           </a:p>
           <a:p>
             <a:pPr lvl="2"/>
@@ -2009,7 +2004,6 @@
               <a:rPr lang="en-US" smtClean="0"/>
               <a:t>Third level</a:t>
             </a:r>
-            <a:endParaRPr lang="en-US" smtClean="0"/>
           </a:p>
           <a:p>
             <a:pPr lvl="3"/>
@@ -2017,7 +2011,6 @@
               <a:rPr lang="en-US" smtClean="0"/>
               <a:t>Fourth level</a:t>
             </a:r>
-            <a:endParaRPr lang="en-US" smtClean="0"/>
           </a:p>
           <a:p>
             <a:pPr lvl="4"/>
@@ -2046,6 +2039,7 @@
           <a:p>
             <a:fld id="{FDE934FF-F4E1-47C5-9CA5-30A81DDE2BE4}" type="datetimeFigureOut">
               <a:rPr lang="en-US" smtClean="0"/>
+              <a:t>5/30/2018</a:t>
             </a:fld>
             <a:endParaRPr lang="en-US"/>
           </a:p>
@@ -2087,6 +2081,7 @@
           <a:p>
             <a:fld id="{B3561BA9-CDCF-4958-B8AB-66F3BF063E13}" type="slidenum">
               <a:rPr lang="en-US" smtClean="0"/>
+              <a:t>‹#›</a:t>
             </a:fld>
             <a:endParaRPr lang="en-US"/>
           </a:p>
@@ -2185,7 +2180,6 @@
               <a:rPr lang="en-US" smtClean="0"/>
               <a:t>Click to edit Master text styles</a:t>
             </a:r>
-            <a:endParaRPr lang="en-US" smtClean="0"/>
           </a:p>
           <a:p>
             <a:pPr lvl="1"/>
@@ -2193,7 +2187,6 @@
               <a:rPr lang="en-US" smtClean="0"/>
               <a:t>Second level</a:t>
             </a:r>
-            <a:endParaRPr lang="en-US" smtClean="0"/>
           </a:p>
           <a:p>
             <a:pPr lvl="2"/>
@@ -2201,7 +2194,6 @@
               <a:rPr lang="en-US" smtClean="0"/>
               <a:t>Third level</a:t>
             </a:r>
-            <a:endParaRPr lang="en-US" smtClean="0"/>
           </a:p>
           <a:p>
             <a:pPr lvl="3"/>
@@ -2209,7 +2201,6 @@
               <a:rPr lang="en-US" smtClean="0"/>
               <a:t>Fourth level</a:t>
             </a:r>
-            <a:endParaRPr lang="en-US" smtClean="0"/>
           </a:p>
           <a:p>
             <a:pPr lvl="4"/>
@@ -2256,6 +2247,7 @@
           <a:p>
             <a:fld id="{FDE934FF-F4E1-47C5-9CA5-30A81DDE2BE4}" type="datetimeFigureOut">
               <a:rPr lang="en-US" smtClean="0"/>
+              <a:t>5/30/2018</a:t>
             </a:fld>
             <a:endParaRPr lang="en-US"/>
           </a:p>
@@ -2333,6 +2325,7 @@
           <a:p>
             <a:fld id="{B3561BA9-CDCF-4958-B8AB-66F3BF063E13}" type="slidenum">
               <a:rPr lang="en-US" smtClean="0"/>
+              <a:t>‹#›</a:t>
             </a:fld>
             <a:endParaRPr lang="en-US"/>
           </a:p>
@@ -2645,7 +2638,14 @@
         <p:cNvGrpSpPr/>
         <p:nvPr/>
       </p:nvGrpSpPr>
-      <p:grpSpPr/>
+      <p:grpSpPr>
+        <a:xfrm>
+          <a:off x="0" y="0"/>
+          <a:ext cx="0" cy="0"/>
+          <a:chOff x="0" y="0"/>
+          <a:chExt cx="0" cy="0"/>
+        </a:xfrm>
+      </p:grpSpPr>
       <p:sp>
         <p:nvSpPr>
           <p:cNvPr id="4" name="Title 3"/>
@@ -2659,12 +2659,12 @@
         <p:spPr/>
         <p:txBody>
           <a:bodyPr/>
+          <a:lstStyle/>
           <a:p>
             <a:r>
               <a:rPr lang="en-US" altLang="uk-UA" b="1"/>
               <a:t>Smart Reservoir</a:t>
             </a:r>
-            <a:endParaRPr lang="en-US" altLang="uk-UA" b="1"/>
           </a:p>
         </p:txBody>
       </p:sp>
@@ -2681,12 +2681,12 @@
         <p:spPr/>
         <p:txBody>
           <a:bodyPr/>
+          <a:lstStyle/>
           <a:p>
             <a:r>
               <a:rPr lang="en-US" altLang="uk-UA" sz="3200"/>
               <a:t>Within e-advertisement app</a:t>
             </a:r>
-            <a:endParaRPr lang="en-US" altLang="uk-UA" sz="3200"/>
           </a:p>
         </p:txBody>
       </p:sp>
@@ -2707,7 +2707,14 @@
         <p:cNvGrpSpPr/>
         <p:nvPr/>
       </p:nvGrpSpPr>
-      <p:grpSpPr/>
+      <p:grpSpPr>
+        <a:xfrm>
+          <a:off x="0" y="0"/>
+          <a:ext cx="0" cy="0"/>
+          <a:chOff x="0" y="0"/>
+          <a:chExt cx="0" cy="0"/>
+        </a:xfrm>
+      </p:grpSpPr>
       <p:sp>
         <p:nvSpPr>
           <p:cNvPr id="2" name="Заголовок 1"/>
@@ -2721,122 +2728,110 @@
         <p:spPr/>
         <p:txBody>
           <a:bodyPr/>
+          <a:lstStyle/>
           <a:p>
             <a:pPr algn="ctr"/>
             <a:r>
-              <a:rPr lang="en-US" altLang="ru-RU" b="1"/>
-              <a:t>idea</a:t>
-            </a:r>
-            <a:endParaRPr lang="en-US" altLang="ru-RU" b="1"/>
-          </a:p>
-        </p:txBody>
-      </p:sp>
-      <p:sp>
-        <p:nvSpPr>
-          <p:cNvPr id="9" name="Content Placeholder 8"/>
-          <p:cNvSpPr>
-            <a:spLocks noGrp="1"/>
-          </p:cNvSpPr>
-          <p:nvPr>
-            <p:ph sz="half" idx="1"/>
-          </p:nvPr>
+              <a:rPr lang="en-US" altLang="ru-RU" b="1" dirty="0"/>
+              <a:t>Tests</a:t>
+            </a:r>
+          </a:p>
+        </p:txBody>
+      </p:sp>
+      <p:sp>
+        <p:nvSpPr>
+          <p:cNvPr id="5" name="Текстовое поле 4"/>
+          <p:cNvSpPr txBox="1"/>
+          <p:nvPr/>
         </p:nvSpPr>
         <p:spPr>
           <a:xfrm>
-            <a:off x="838200" y="1825625"/>
-            <a:ext cx="10515600" cy="1234440"/>
-          </a:xfrm>
-        </p:spPr>
-        <p:txBody>
-          <a:bodyPr>
-            <a:noAutofit/>
-          </a:bodyPr>
-          <a:p>
-            <a:pPr marL="0" indent="0" algn="ctr">
-              <a:buNone/>
-            </a:pPr>
-            <a:r>
-              <a:rPr lang="en-US" altLang="en-US" sz="3600"/>
-              <a:t>Encrypt communication chanel</a:t>
-            </a:r>
-            <a:endParaRPr lang="en-US" altLang="en-US" sz="3600"/>
-          </a:p>
-        </p:txBody>
-      </p:sp>
-      <p:sp>
-        <p:nvSpPr>
-          <p:cNvPr id="6" name="Title 1"/>
-          <p:cNvSpPr>
-            <a:spLocks noGrp="1"/>
-          </p:cNvSpPr>
-          <p:nvPr/>
-        </p:nvSpPr>
-        <p:spPr>
-          <a:xfrm>
-            <a:off x="838200" y="3338830"/>
-            <a:ext cx="10515600" cy="1325563"/>
+            <a:off x="838200" y="1690688"/>
+            <a:ext cx="8509000" cy="1569660"/>
           </a:xfrm>
           <a:prstGeom prst="rect">
             <a:avLst/>
           </a:prstGeom>
-        </p:spPr>
-        <p:txBody>
-          <a:bodyPr vert="horz" lIns="91440" tIns="45720" rIns="91440" bIns="45720" rtlCol="0" anchor="ctr">
-            <a:normAutofit/>
+          <a:noFill/>
+        </p:spPr>
+        <p:txBody>
+          <a:bodyPr wrap="square" rtlCol="0">
+            <a:spAutoFit/>
           </a:bodyPr>
-          <a:lstStyle>
-            <a:lvl1pPr algn="l" defTabSz="914400" rtl="0" eaLnBrk="1" latinLnBrk="0" hangingPunct="1">
-              <a:lnSpc>
-                <a:spcPct val="90000"/>
-              </a:lnSpc>
-              <a:spcBef>
-                <a:spcPct val="0"/>
-              </a:spcBef>
-              <a:buNone/>
-              <a:defRPr sz="4400" kern="1200">
-                <a:solidFill>
-                  <a:schemeClr val="tx1"/>
-                </a:solidFill>
-                <a:latin typeface="+mj-lt"/>
-                <a:ea typeface="+mj-ea"/>
-                <a:cs typeface="+mj-cs"/>
-              </a:defRPr>
-            </a:lvl1pPr>
-          </a:lstStyle>
-          <a:p>
-            <a:pPr algn="ctr"/>
-            <a:r>
-              <a:rPr lang="en-US" b="1"/>
-              <a:t>Technologies</a:t>
-            </a:r>
-            <a:endParaRPr lang="en-US" b="1"/>
+          <a:lstStyle/>
+          <a:p>
+            <a:r>
+              <a:rPr lang="en-US" altLang="uk-UA" sz="3200" dirty="0"/>
+              <a:t>For greater productivity, as well as avoiding errors, many tests have been written that involve a large number of cases.</a:t>
+            </a:r>
           </a:p>
         </p:txBody>
       </p:sp>
       <p:pic>
         <p:nvPicPr>
-          <p:cNvPr id="7" name="Замещающее содержимое 6"/>
+          <p:cNvPr id="6" name="Замещающее содержимое 5"/>
           <p:cNvPicPr>
-            <a:picLocks noChangeAspect="1"/>
+            <a:picLocks noGrp="1" noChangeAspect="1"/>
           </p:cNvPicPr>
           <p:nvPr>
-            <p:ph sz="half" idx="2"/>
+            <p:ph idx="1"/>
           </p:nvPr>
         </p:nvPicPr>
         <p:blipFill>
-          <a:blip r:embed="rId1"/>
+          <a:blip r:embed="rId2"/>
           <a:stretch>
             <a:fillRect/>
           </a:stretch>
         </p:blipFill>
         <p:spPr>
           <a:xfrm>
-            <a:off x="1326515" y="4254500"/>
-            <a:ext cx="2459990" cy="2604135"/>
+            <a:off x="1718945" y="3801745"/>
+            <a:ext cx="4673600" cy="2141220"/>
           </a:xfrm>
           <a:prstGeom prst="rect">
             <a:avLst/>
           </a:prstGeom>
+        </p:spPr>
+      </p:pic>
+      <p:pic>
+        <p:nvPicPr>
+          <p:cNvPr id="10242" name="Picture 2" descr="Ð ÐµÐ·ÑÐ»ÑÑÐ°Ñ Ð¿Ð¾ÑÑÐºÑ Ð·Ð¾Ð±ÑÐ°Ð¶ÐµÐ½Ñ Ð·Ð° Ð·Ð°Ð¿Ð¸ÑÐ¾Ð¼ &quot;QA&quot;"/>
+          <p:cNvPicPr>
+            <a:picLocks noChangeAspect="1" noChangeArrowheads="1"/>
+          </p:cNvPicPr>
+          <p:nvPr/>
+        </p:nvPicPr>
+        <p:blipFill>
+          <a:blip r:embed="rId3" cstate="print">
+            <a:extLst>
+              <a:ext uri="{28A0092B-C50C-407E-A947-70E740481C1C}">
+                <a14:useLocalDpi xmlns:a14="http://schemas.microsoft.com/office/drawing/2010/main" val="0"/>
+              </a:ext>
+            </a:extLst>
+          </a:blip>
+          <a:srcRect/>
+          <a:stretch>
+            <a:fillRect/>
+          </a:stretch>
+        </p:blipFill>
+        <p:spPr bwMode="auto">
+          <a:xfrm>
+            <a:off x="7264399" y="3630930"/>
+            <a:ext cx="3724275" cy="2482850"/>
+          </a:xfrm>
+          <a:prstGeom prst="rect">
+            <a:avLst/>
+          </a:prstGeom>
+          <a:noFill/>
+          <a:extLst>
+            <a:ext uri="{909E8E84-426E-40DD-AFC4-6F175D3DCCD1}">
+              <a14:hiddenFill xmlns:a14="http://schemas.microsoft.com/office/drawing/2010/main">
+                <a:solidFill>
+                  <a:srgbClr val="FFFFFF"/>
+                </a:solidFill>
+              </a14:hiddenFill>
+            </a:ext>
+          </a:extLst>
         </p:spPr>
       </p:pic>
     </p:spTree>
@@ -2856,7 +2851,14 @@
         <p:cNvGrpSpPr/>
         <p:nvPr/>
       </p:nvGrpSpPr>
-      <p:grpSpPr/>
+      <p:grpSpPr>
+        <a:xfrm>
+          <a:off x="0" y="0"/>
+          <a:ext cx="0" cy="0"/>
+          <a:chOff x="0" y="0"/>
+          <a:chExt cx="0" cy="0"/>
+        </a:xfrm>
+      </p:grpSpPr>
       <p:sp>
         <p:nvSpPr>
           <p:cNvPr id="2" name="Заголовок 1"/>
@@ -2870,69 +2872,111 @@
         <p:spPr/>
         <p:txBody>
           <a:bodyPr/>
+          <a:lstStyle/>
           <a:p>
             <a:pPr algn="ctr"/>
             <a:r>
-              <a:rPr lang="en-US" altLang="ru-RU" b="1"/>
-              <a:t>Tests</a:t>
-            </a:r>
-            <a:endParaRPr lang="en-US" altLang="ru-RU" b="1"/>
-          </a:p>
-        </p:txBody>
-      </p:sp>
-      <p:sp>
-        <p:nvSpPr>
-          <p:cNvPr id="5" name="Текстовое поле 4"/>
-          <p:cNvSpPr txBox="1"/>
-          <p:nvPr/>
+              <a:rPr lang="en-US" altLang="ru-RU"/>
+              <a:t>NodeMCU</a:t>
+            </a:r>
+          </a:p>
+        </p:txBody>
+      </p:sp>
+      <p:sp>
+        <p:nvSpPr>
+          <p:cNvPr id="3" name="Замещающее содержимое 2"/>
+          <p:cNvSpPr>
+            <a:spLocks noGrp="1"/>
+          </p:cNvSpPr>
+          <p:nvPr>
+            <p:ph sz="half" idx="1"/>
+          </p:nvPr>
         </p:nvSpPr>
         <p:spPr>
           <a:xfrm>
-            <a:off x="457200" y="1584960"/>
-            <a:ext cx="11673840" cy="368300"/>
-          </a:xfrm>
-          <a:prstGeom prst="rect">
-            <a:avLst/>
-          </a:prstGeom>
-          <a:noFill/>
-        </p:spPr>
-        <p:txBody>
-          <a:bodyPr wrap="square" rtlCol="0">
-            <a:spAutoFit/>
-          </a:bodyPr>
-          <a:p>
-            <a:r>
-              <a:rPr lang="en-US" altLang="uk-UA"/>
-              <a:t>For greater productivity, as well as avoiding errors, many tests have been written that involve a large number of cases.</a:t>
-            </a:r>
-            <a:endParaRPr lang="en-US" altLang="uk-UA"/>
+            <a:off x="838200" y="1825625"/>
+            <a:ext cx="10515600" cy="1546225"/>
+          </a:xfrm>
+        </p:spPr>
+        <p:txBody>
+          <a:bodyPr/>
+          <a:lstStyle/>
+          <a:p>
+            <a:pPr marL="0" indent="0">
+              <a:buNone/>
+            </a:pPr>
+            <a:r>
+              <a:rPr lang="en-US" altLang="ru-RU"/>
+              <a:t>To create out project was used NodeMCU microcontroller, so firmware was written from  zero. </a:t>
+            </a:r>
           </a:p>
         </p:txBody>
       </p:sp>
       <p:pic>
         <p:nvPicPr>
-          <p:cNvPr id="6" name="Замещающее содержимое 5"/>
+          <p:cNvPr id="4" name="Замещающее содержимое 3"/>
           <p:cNvPicPr>
-            <a:picLocks noChangeAspect="1"/>
+            <a:picLocks noGrp="1" noChangeAspect="1"/>
           </p:cNvPicPr>
           <p:nvPr>
-            <p:ph idx="1"/>
+            <p:ph sz="half" idx="2"/>
           </p:nvPr>
         </p:nvPicPr>
         <p:blipFill>
-          <a:blip r:embed="rId1"/>
+          <a:blip r:embed="rId2"/>
           <a:stretch>
             <a:fillRect/>
           </a:stretch>
         </p:blipFill>
         <p:spPr>
           <a:xfrm>
-            <a:off x="1731645" y="3306445"/>
-            <a:ext cx="4673600" cy="2141220"/>
+            <a:off x="2033270" y="3506787"/>
+            <a:ext cx="2678430" cy="2678430"/>
           </a:xfrm>
           <a:prstGeom prst="rect">
             <a:avLst/>
           </a:prstGeom>
+        </p:spPr>
+      </p:pic>
+      <p:pic>
+        <p:nvPicPr>
+          <p:cNvPr id="7170" name="Picture 2" descr="Ð ÐµÐ·ÑÐ»ÑÑÐ°Ñ Ð¿Ð¾ÑÑÐºÑ Ð·Ð¾Ð±ÑÐ°Ð¶ÐµÐ½Ñ Ð·Ð° Ð·Ð°Ð¿Ð¸ÑÐ¾Ð¼ &quot;microcontroller icon&quot;"/>
+          <p:cNvPicPr>
+            <a:picLocks noChangeAspect="1" noChangeArrowheads="1"/>
+          </p:cNvPicPr>
+          <p:nvPr/>
+        </p:nvPicPr>
+        <p:blipFill>
+          <a:blip r:embed="rId3">
+            <a:extLst>
+              <a:ext uri="{28A0092B-C50C-407E-A947-70E740481C1C}">
+                <a14:useLocalDpi xmlns:a14="http://schemas.microsoft.com/office/drawing/2010/main" val="0"/>
+              </a:ext>
+            </a:extLst>
+          </a:blip>
+          <a:srcRect/>
+          <a:stretch>
+            <a:fillRect/>
+          </a:stretch>
+        </p:blipFill>
+        <p:spPr bwMode="auto">
+          <a:xfrm>
+            <a:off x="7766050" y="3289616"/>
+            <a:ext cx="2895600" cy="2895601"/>
+          </a:xfrm>
+          <a:prstGeom prst="rect">
+            <a:avLst/>
+          </a:prstGeom>
+          <a:noFill/>
+          <a:extLst>
+            <a:ext uri="{909E8E84-426E-40DD-AFC4-6F175D3DCCD1}">
+              <a14:hiddenFill xmlns:a14="http://schemas.microsoft.com/office/drawing/2010/main">
+                <a:solidFill>
+                  <a:srgbClr val="FFFFFF"/>
+                </a:solidFill>
+              </a14:hiddenFill>
+            </a:ext>
+          </a:extLst>
         </p:spPr>
       </p:pic>
     </p:spTree>
@@ -2952,7 +2996,14 @@
         <p:cNvGrpSpPr/>
         <p:nvPr/>
       </p:nvGrpSpPr>
-      <p:grpSpPr/>
+      <p:grpSpPr>
+        <a:xfrm>
+          <a:off x="0" y="0"/>
+          <a:ext cx="0" cy="0"/>
+          <a:chOff x="0" y="0"/>
+          <a:chExt cx="0" cy="0"/>
+        </a:xfrm>
+      </p:grpSpPr>
       <p:sp>
         <p:nvSpPr>
           <p:cNvPr id="2" name="Заголовок 1"/>
@@ -2966,19 +3017,19 @@
         <p:spPr/>
         <p:txBody>
           <a:bodyPr/>
+          <a:lstStyle/>
           <a:p>
             <a:pPr algn="ctr"/>
             <a:r>
               <a:rPr lang="en-US" altLang="ru-RU"/>
-              <a:t>NodeMCU</a:t>
-            </a:r>
-            <a:endParaRPr lang="en-US" altLang="ru-RU"/>
-          </a:p>
-        </p:txBody>
-      </p:sp>
-      <p:sp>
-        <p:nvSpPr>
-          <p:cNvPr id="3" name="Замещающее содержимое 2"/>
+              <a:t>Message Broker(RabbitMQ)</a:t>
+            </a:r>
+          </a:p>
+        </p:txBody>
+      </p:sp>
+      <p:sp>
+        <p:nvSpPr>
+          <p:cNvPr id="5" name="Замещающее содержимое 4"/>
           <p:cNvSpPr>
             <a:spLocks noGrp="1"/>
           </p:cNvSpPr>
@@ -2994,42 +3045,99 @@
         </p:spPr>
         <p:txBody>
           <a:bodyPr/>
+          <a:lstStyle/>
           <a:p>
             <a:pPr marL="0" indent="0">
               <a:buNone/>
             </a:pPr>
             <a:r>
-              <a:rPr lang="en-US" altLang="ru-RU"/>
-              <a:t>To create out project was used NodeMCU microcontroller, so firmware was written from  zero. </a:t>
-            </a:r>
-            <a:endParaRPr lang="en-US" altLang="ru-RU"/>
+              <a:rPr lang="en-US" altLang="ru-RU" dirty="0"/>
+              <a:t>We used </a:t>
+            </a:r>
+            <a:r>
+              <a:rPr lang="en-US" altLang="ru-RU" dirty="0" err="1"/>
+              <a:t>RabbitMQ</a:t>
+            </a:r>
+            <a:r>
+              <a:rPr lang="en-US" altLang="ru-RU" dirty="0"/>
+              <a:t> to manage a workload </a:t>
+            </a:r>
+            <a:r>
+              <a:rPr lang="en-US" altLang="ru-RU" dirty="0" err="1"/>
+              <a:t>queue,providing</a:t>
+            </a:r>
+            <a:r>
+              <a:rPr lang="en-US" altLang="ru-RU" dirty="0"/>
+              <a:t> reliable storage and guaranteed message delivery.  </a:t>
+            </a:r>
           </a:p>
         </p:txBody>
       </p:sp>
       <p:pic>
         <p:nvPicPr>
-          <p:cNvPr id="4" name="Замещающее содержимое 3"/>
+          <p:cNvPr id="7" name="Замещающее содержимое 6"/>
           <p:cNvPicPr>
-            <a:picLocks noChangeAspect="1"/>
+            <a:picLocks noGrp="1" noChangeAspect="1"/>
           </p:cNvPicPr>
           <p:nvPr>
             <p:ph sz="half" idx="2"/>
           </p:nvPr>
         </p:nvPicPr>
         <p:blipFill>
-          <a:blip r:embed="rId1"/>
+          <a:blip r:embed="rId2"/>
           <a:stretch>
             <a:fillRect/>
           </a:stretch>
         </p:blipFill>
         <p:spPr>
           <a:xfrm>
-            <a:off x="2839720" y="3642995"/>
-            <a:ext cx="2678430" cy="2678430"/>
+            <a:off x="1143000" y="3805872"/>
+            <a:ext cx="1812290" cy="1918483"/>
           </a:xfrm>
           <a:prstGeom prst="rect">
             <a:avLst/>
           </a:prstGeom>
+        </p:spPr>
+      </p:pic>
+      <p:pic>
+        <p:nvPicPr>
+          <p:cNvPr id="6146" name="Picture 2" descr="Ð ÐµÐ·ÑÐ»ÑÑÐ°Ñ Ð¿Ð¾ÑÑÐºÑ Ð·Ð¾Ð±ÑÐ°Ð¶ÐµÐ½Ñ Ð·Ð° Ð·Ð°Ð¿Ð¸ÑÐ¾Ð¼ &quot;message broker icon&quot;"/>
+          <p:cNvPicPr>
+            <a:picLocks noChangeAspect="1" noChangeArrowheads="1"/>
+          </p:cNvPicPr>
+          <p:nvPr/>
+        </p:nvPicPr>
+        <p:blipFill>
+          <a:blip r:embed="rId3">
+            <a:extLst>
+              <a:ext uri="{28A0092B-C50C-407E-A947-70E740481C1C}">
+                <a14:useLocalDpi xmlns:a14="http://schemas.microsoft.com/office/drawing/2010/main" val="0"/>
+              </a:ext>
+            </a:extLst>
+          </a:blip>
+          <a:srcRect/>
+          <a:stretch>
+            <a:fillRect/>
+          </a:stretch>
+        </p:blipFill>
+        <p:spPr bwMode="auto">
+          <a:xfrm>
+            <a:off x="5775325" y="3805872"/>
+            <a:ext cx="5934075" cy="2305050"/>
+          </a:xfrm>
+          <a:prstGeom prst="rect">
+            <a:avLst/>
+          </a:prstGeom>
+          <a:noFill/>
+          <a:extLst>
+            <a:ext uri="{909E8E84-426E-40DD-AFC4-6F175D3DCCD1}">
+              <a14:hiddenFill xmlns:a14="http://schemas.microsoft.com/office/drawing/2010/main">
+                <a:solidFill>
+                  <a:srgbClr val="FFFFFF"/>
+                </a:solidFill>
+              </a14:hiddenFill>
+            </a:ext>
+          </a:extLst>
         </p:spPr>
       </p:pic>
     </p:spTree>
@@ -3049,7 +3157,14 @@
         <p:cNvGrpSpPr/>
         <p:nvPr/>
       </p:nvGrpSpPr>
-      <p:grpSpPr/>
+      <p:grpSpPr>
+        <a:xfrm>
+          <a:off x="0" y="0"/>
+          <a:ext cx="0" cy="0"/>
+          <a:chOff x="0" y="0"/>
+          <a:chExt cx="0" cy="0"/>
+        </a:xfrm>
+      </p:grpSpPr>
       <p:sp>
         <p:nvSpPr>
           <p:cNvPr id="2" name="Заголовок 1"/>
@@ -3063,72 +3178,35 @@
         <p:spPr/>
         <p:txBody>
           <a:bodyPr/>
+          <a:lstStyle/>
           <a:p>
             <a:pPr algn="ctr"/>
             <a:r>
-              <a:rPr lang="en-US" altLang="ru-RU"/>
-              <a:t>Message Broker(RabbitMQ)</a:t>
-            </a:r>
-            <a:endParaRPr lang="en-US" altLang="ru-RU"/>
-          </a:p>
-        </p:txBody>
-      </p:sp>
-      <p:sp>
-        <p:nvSpPr>
-          <p:cNvPr id="5" name="Замещающее содержимое 4"/>
-          <p:cNvSpPr>
-            <a:spLocks noGrp="1"/>
-          </p:cNvSpPr>
-          <p:nvPr>
-            <p:ph sz="half" idx="1"/>
-          </p:nvPr>
-        </p:nvSpPr>
-        <p:spPr>
-          <a:xfrm>
-            <a:off x="838200" y="1825625"/>
-            <a:ext cx="10515600" cy="1546225"/>
-          </a:xfrm>
-        </p:spPr>
-        <p:txBody>
-          <a:bodyPr/>
-          <a:p>
-            <a:pPr marL="0" indent="0">
-              <a:buNone/>
-            </a:pPr>
-            <a:r>
-              <a:rPr lang="en-US" altLang="ru-RU"/>
-              <a:t>We used RabbitMQ to manage a workload queue,providing reliable storage and guaranteed message delivery.  </a:t>
-            </a:r>
-            <a:endParaRPr lang="en-US" altLang="ru-RU"/>
-          </a:p>
-        </p:txBody>
-      </p:sp>
-      <p:pic>
-        <p:nvPicPr>
-          <p:cNvPr id="7" name="Замещающее содержимое 6"/>
-          <p:cNvPicPr>
-            <a:picLocks noChangeAspect="1"/>
-          </p:cNvPicPr>
-          <p:nvPr>
-            <p:ph sz="half" idx="2"/>
-          </p:nvPr>
-        </p:nvPicPr>
-        <p:blipFill>
-          <a:blip r:embed="rId1"/>
-          <a:stretch>
-            <a:fillRect/>
-          </a:stretch>
-        </p:blipFill>
-        <p:spPr>
-          <a:xfrm>
-            <a:off x="1326515" y="4254500"/>
-            <a:ext cx="2459990" cy="2604135"/>
-          </a:xfrm>
-          <a:prstGeom prst="rect">
-            <a:avLst/>
-          </a:prstGeom>
-        </p:spPr>
-      </p:pic>
+              <a:rPr lang="en-US" altLang="uk-UA" b="1" dirty="0"/>
+              <a:t>Advantages and disadvantages</a:t>
+            </a:r>
+          </a:p>
+        </p:txBody>
+      </p:sp>
+      <p:sp>
+        <p:nvSpPr>
+          <p:cNvPr id="3" name="Замещающее содержимое 2"/>
+          <p:cNvSpPr>
+            <a:spLocks noGrp="1"/>
+          </p:cNvSpPr>
+          <p:nvPr>
+            <p:ph idx="1"/>
+          </p:nvPr>
+        </p:nvSpPr>
+        <p:spPr/>
+        <p:txBody>
+          <a:bodyPr/>
+          <a:lstStyle/>
+          <a:p>
+            <a:endParaRPr lang="ru-RU" altLang="en-US"/>
+          </a:p>
+        </p:txBody>
+      </p:sp>
     </p:spTree>
   </p:cSld>
   <p:clrMapOvr>
@@ -3146,48 +3224,81 @@
         <p:cNvGrpSpPr/>
         <p:nvPr/>
       </p:nvGrpSpPr>
-      <p:grpSpPr/>
-      <p:sp>
-        <p:nvSpPr>
-          <p:cNvPr id="2" name="Заголовок 1"/>
-          <p:cNvSpPr>
-            <a:spLocks noGrp="1"/>
-          </p:cNvSpPr>
-          <p:nvPr>
-            <p:ph type="title"/>
-          </p:nvPr>
-        </p:nvSpPr>
-        <p:spPr/>
-        <p:txBody>
-          <a:bodyPr/>
-          <a:p>
-            <a:pPr algn="ctr"/>
-            <a:r>
-              <a:rPr lang="en-US" altLang="uk-UA" b="1"/>
-              <a:t>Advantages and disadvantages</a:t>
-            </a:r>
-            <a:endParaRPr lang="en-US" altLang="uk-UA" b="1"/>
-          </a:p>
-        </p:txBody>
-      </p:sp>
-      <p:sp>
-        <p:nvSpPr>
-          <p:cNvPr id="3" name="Замещающее содержимое 2"/>
-          <p:cNvSpPr>
-            <a:spLocks noGrp="1"/>
-          </p:cNvSpPr>
+      <p:grpSpPr>
+        <a:xfrm>
+          <a:off x="0" y="0"/>
+          <a:ext cx="0" cy="0"/>
+          <a:chOff x="0" y="0"/>
+          <a:chExt cx="0" cy="0"/>
+        </a:xfrm>
+      </p:grpSpPr>
+      <p:pic>
+        <p:nvPicPr>
+          <p:cNvPr id="5" name="Picture 2"/>
+          <p:cNvPicPr>
+            <a:picLocks noGrp="1" noChangeAspect="1"/>
+          </p:cNvPicPr>
           <p:nvPr>
             <p:ph idx="1"/>
           </p:nvPr>
-        </p:nvSpPr>
-        <p:spPr/>
-        <p:txBody>
-          <a:bodyPr/>
-          <a:p>
-            <a:endParaRPr lang="ru-RU" altLang="en-US"/>
-          </a:p>
-        </p:txBody>
-      </p:sp>
+        </p:nvPicPr>
+        <p:blipFill>
+          <a:blip r:embed="rId2"/>
+          <a:stretch>
+            <a:fillRect/>
+          </a:stretch>
+        </p:blipFill>
+        <p:spPr>
+          <a:xfrm>
+            <a:off x="1404620" y="1924685"/>
+            <a:ext cx="9382125" cy="4152900"/>
+          </a:xfrm>
+          <a:prstGeom prst="rect">
+            <a:avLst/>
+          </a:prstGeom>
+        </p:spPr>
+      </p:pic>
+      <p:pic>
+        <p:nvPicPr>
+          <p:cNvPr id="5122" name="Picture 2" descr="Ð ÐµÐ·ÑÐ»ÑÑÐ°Ñ Ð¿Ð¾ÑÑÐºÑ Ð·Ð¾Ð±ÑÐ°Ð¶ÐµÐ½Ñ Ð·Ð° Ð·Ð°Ð¿Ð¸ÑÐ¾Ð¼ &quot;git logo&quot;"/>
+          <p:cNvPicPr>
+            <a:picLocks noChangeAspect="1" noChangeArrowheads="1"/>
+          </p:cNvPicPr>
+          <p:nvPr/>
+        </p:nvPicPr>
+        <p:blipFill>
+          <a:blip r:embed="rId3" cstate="print">
+            <a:extLst>
+              <a:ext uri="{28A0092B-C50C-407E-A947-70E740481C1C}">
+                <a14:useLocalDpi xmlns:a14="http://schemas.microsoft.com/office/drawing/2010/main" val="0"/>
+              </a:ext>
+            </a:extLst>
+          </a:blip>
+          <a:srcRect/>
+          <a:stretch>
+            <a:fillRect/>
+          </a:stretch>
+        </p:blipFill>
+        <p:spPr bwMode="auto">
+          <a:xfrm>
+            <a:off x="3714750" y="431813"/>
+            <a:ext cx="3573145" cy="1188071"/>
+          </a:xfrm>
+          <a:prstGeom prst="rect">
+            <a:avLst/>
+          </a:prstGeom>
+          <a:noFill/>
+          <a:extLst>
+            <a:ext uri="{909E8E84-426E-40DD-AFC4-6F175D3DCCD1}">
+              <a14:hiddenFill xmlns:a14="http://schemas.microsoft.com/office/drawing/2010/main">
+                <a:solidFill>
+                  <a:srgbClr val="FFFFFF"/>
+                </a:solidFill>
+              </a14:hiddenFill>
+            </a:ext>
+          </a:extLst>
+        </p:spPr>
+      </p:pic>
     </p:spTree>
   </p:cSld>
   <p:clrMapOvr>
@@ -3205,7 +3316,14 @@
         <p:cNvGrpSpPr/>
         <p:nvPr/>
       </p:nvGrpSpPr>
-      <p:grpSpPr/>
+      <p:grpSpPr>
+        <a:xfrm>
+          <a:off x="0" y="0"/>
+          <a:ext cx="0" cy="0"/>
+          <a:chOff x="0" y="0"/>
+          <a:chExt cx="0" cy="0"/>
+        </a:xfrm>
+      </p:grpSpPr>
       <p:sp>
         <p:nvSpPr>
           <p:cNvPr id="2" name="Title 1"/>
@@ -3219,40 +3337,77 @@
         <p:spPr/>
         <p:txBody>
           <a:bodyPr/>
+          <a:lstStyle/>
           <a:p>
             <a:pPr algn="ctr"/>
             <a:r>
-              <a:rPr lang="en-US" b="1"/>
-              <a:t>GitHub</a:t>
-            </a:r>
-            <a:endParaRPr lang="en-US" b="1"/>
+              <a:rPr lang="en-US" altLang="uk-UA" b="1"/>
+              <a:t>Team progress</a:t>
+            </a:r>
           </a:p>
         </p:txBody>
       </p:sp>
       <p:pic>
         <p:nvPicPr>
-          <p:cNvPr id="5" name="Picture 2"/>
+          <p:cNvPr id="5" name="Рисунок 4"/>
           <p:cNvPicPr>
             <a:picLocks noChangeAspect="1"/>
           </p:cNvPicPr>
-          <p:nvPr>
-            <p:ph idx="1"/>
-          </p:nvPr>
+          <p:nvPr/>
         </p:nvPicPr>
         <p:blipFill>
-          <a:blip r:embed="rId1"/>
+          <a:blip r:embed="rId2"/>
           <a:stretch>
             <a:fillRect/>
           </a:stretch>
         </p:blipFill>
         <p:spPr>
           <a:xfrm>
-            <a:off x="1404620" y="1924685"/>
-            <a:ext cx="9382125" cy="4152900"/>
+            <a:off x="3409242" y="1893955"/>
+            <a:ext cx="5373515" cy="4441457"/>
           </a:xfrm>
           <a:prstGeom prst="rect">
             <a:avLst/>
           </a:prstGeom>
+        </p:spPr>
+      </p:pic>
+      <p:pic>
+        <p:nvPicPr>
+          <p:cNvPr id="4098" name="Picture 2" descr="Ð ÐµÐ·ÑÐ»ÑÑÐ°Ñ Ð¿Ð¾ÑÑÐºÑ Ð·Ð¾Ð±ÑÐ°Ð¶ÐµÐ½Ñ Ð·Ð° Ð·Ð°Ð¿Ð¸ÑÐ¾Ð¼ &quot;git logo&quot;"/>
+          <p:cNvPicPr>
+            <a:picLocks noChangeAspect="1" noChangeArrowheads="1"/>
+          </p:cNvPicPr>
+          <p:nvPr/>
+        </p:nvPicPr>
+        <p:blipFill rotWithShape="1">
+          <a:blip r:embed="rId3" cstate="print">
+            <a:extLst>
+              <a:ext uri="{28A0092B-C50C-407E-A947-70E740481C1C}">
+                <a14:useLocalDpi xmlns:a14="http://schemas.microsoft.com/office/drawing/2010/main" val="0"/>
+              </a:ext>
+            </a:extLst>
+          </a:blip>
+          <a:srcRect r="61169"/>
+          <a:stretch/>
+        </p:blipFill>
+        <p:spPr bwMode="auto">
+          <a:xfrm>
+            <a:off x="838200" y="1690688"/>
+            <a:ext cx="1635125" cy="1400108"/>
+          </a:xfrm>
+          <a:prstGeom prst="rect">
+            <a:avLst/>
+          </a:prstGeom>
+          <a:noFill/>
+          <a:extLst>
+            <a:ext uri="{909E8E84-426E-40DD-AFC4-6F175D3DCCD1}">
+              <a14:hiddenFill xmlns:a14="http://schemas.microsoft.com/office/drawing/2010/main">
+                <a:solidFill>
+                  <a:srgbClr val="FFFFFF"/>
+                </a:solidFill>
+              </a14:hiddenFill>
+            </a:ext>
+          </a:extLst>
         </p:spPr>
       </p:pic>
     </p:spTree>
@@ -3272,7 +3427,14 @@
         <p:cNvGrpSpPr/>
         <p:nvPr/>
       </p:nvGrpSpPr>
-      <p:grpSpPr/>
+      <p:grpSpPr>
+        <a:xfrm>
+          <a:off x="0" y="0"/>
+          <a:ext cx="0" cy="0"/>
+          <a:chOff x="0" y="0"/>
+          <a:chExt cx="0" cy="0"/>
+        </a:xfrm>
+      </p:grpSpPr>
       <p:sp>
         <p:nvSpPr>
           <p:cNvPr id="2" name="Title 1"/>
@@ -3286,36 +3448,36 @@
         <p:spPr/>
         <p:txBody>
           <a:bodyPr/>
+          <a:lstStyle/>
           <a:p>
             <a:pPr algn="ctr"/>
             <a:r>
-              <a:rPr lang="en-US" altLang="uk-UA" b="1"/>
-              <a:t>Team progress</a:t>
-            </a:r>
-            <a:endParaRPr lang="en-US" altLang="uk-UA" b="1"/>
+              <a:rPr lang="en-US" b="1"/>
+              <a:t>Trello</a:t>
+            </a:r>
           </a:p>
         </p:txBody>
       </p:sp>
       <p:pic>
         <p:nvPicPr>
-          <p:cNvPr id="4" name="Content Placeholder 3"/>
+          <p:cNvPr id="5" name="Замещающее содержимое 4"/>
           <p:cNvPicPr>
-            <a:picLocks noChangeAspect="1"/>
+            <a:picLocks noGrp="1" noChangeAspect="1"/>
           </p:cNvPicPr>
           <p:nvPr>
             <p:ph idx="1"/>
           </p:nvPr>
         </p:nvPicPr>
         <p:blipFill>
-          <a:blip r:embed="rId1"/>
+          <a:blip r:embed="rId2"/>
           <a:stretch>
             <a:fillRect/>
           </a:stretch>
         </p:blipFill>
         <p:spPr>
           <a:xfrm>
-            <a:off x="2966720" y="1691005"/>
-            <a:ext cx="6258560" cy="4351655"/>
+            <a:off x="1402080" y="1429385"/>
+            <a:ext cx="9823450" cy="4747895"/>
           </a:xfrm>
           <a:prstGeom prst="rect">
             <a:avLst/>
@@ -3339,10 +3501,17 @@
         <p:cNvGrpSpPr/>
         <p:nvPr/>
       </p:nvGrpSpPr>
-      <p:grpSpPr/>
-      <p:sp>
-        <p:nvSpPr>
-          <p:cNvPr id="2" name="Title 1"/>
+      <p:grpSpPr>
+        <a:xfrm>
+          <a:off x="0" y="0"/>
+          <a:ext cx="0" cy="0"/>
+          <a:chOff x="0" y="0"/>
+          <a:chExt cx="0" cy="0"/>
+        </a:xfrm>
+      </p:grpSpPr>
+      <p:sp>
+        <p:nvSpPr>
+          <p:cNvPr id="2" name="Заголовок 1"/>
           <p:cNvSpPr>
             <a:spLocks noGrp="1"/>
           </p:cNvSpPr>
@@ -3353,40 +3522,276 @@
         <p:spPr/>
         <p:txBody>
           <a:bodyPr/>
+          <a:lstStyle/>
           <a:p>
             <a:pPr algn="ctr"/>
             <a:r>
-              <a:rPr lang="en-US" b="1"/>
-              <a:t>Trello</a:t>
-            </a:r>
-            <a:endParaRPr lang="en-US" b="1"/>
+              <a:rPr lang="en-US" altLang="ru-RU"/>
+              <a:t>Technologies</a:t>
+            </a:r>
+          </a:p>
+        </p:txBody>
+      </p:sp>
+      <p:sp>
+        <p:nvSpPr>
+          <p:cNvPr id="3" name="Замещающее содержимое 2"/>
+          <p:cNvSpPr>
+            <a:spLocks noGrp="1"/>
+          </p:cNvSpPr>
+          <p:nvPr>
+            <p:ph sz="half" idx="1"/>
+          </p:nvPr>
+        </p:nvSpPr>
+        <p:spPr/>
+        <p:txBody>
+          <a:bodyPr/>
+          <a:lstStyle/>
+          <a:p>
+            <a:r>
+              <a:rPr lang="en-US" altLang="ru-RU"/>
+              <a:t>MySQL</a:t>
+            </a:r>
+          </a:p>
+          <a:p>
+            <a:r>
+              <a:rPr lang="en-US" altLang="ru-RU"/>
+              <a:t>Android Studio</a:t>
+            </a:r>
+          </a:p>
+          <a:p>
+            <a:r>
+              <a:rPr lang="en-US" altLang="ru-RU"/>
+              <a:t>Flask</a:t>
+            </a:r>
+          </a:p>
+          <a:p>
+            <a:r>
+              <a:rPr lang="en-US" altLang="ru-RU"/>
+              <a:t>PyTest</a:t>
+            </a:r>
+          </a:p>
+          <a:p>
+            <a:r>
+              <a:rPr lang="en-US" altLang="ru-RU"/>
+              <a:t>RabbitMQ</a:t>
+            </a:r>
+          </a:p>
+          <a:p>
+            <a:r>
+              <a:rPr lang="en-US" altLang="ru-RU"/>
+              <a:t>Python</a:t>
+            </a:r>
+          </a:p>
+          <a:p>
+            <a:r>
+              <a:rPr lang="en-US" altLang="ru-RU"/>
+              <a:t>ArduinoIDE</a:t>
+            </a:r>
           </a:p>
         </p:txBody>
       </p:sp>
       <p:pic>
         <p:nvPicPr>
-          <p:cNvPr id="5" name="Замещающее содержимое 4"/>
+          <p:cNvPr id="4" name="Замещающее содержимое 3"/>
           <p:cNvPicPr>
-            <a:picLocks noChangeAspect="1"/>
+            <a:picLocks noGrp="1" noChangeAspect="1"/>
           </p:cNvPicPr>
           <p:nvPr>
-            <p:ph idx="1"/>
+            <p:ph sz="half" idx="2"/>
           </p:nvPr>
         </p:nvPicPr>
         <p:blipFill>
-          <a:blip r:embed="rId1"/>
+          <a:blip r:embed="rId2"/>
           <a:stretch>
             <a:fillRect/>
           </a:stretch>
         </p:blipFill>
         <p:spPr>
           <a:xfrm>
-            <a:off x="1402080" y="1429385"/>
-            <a:ext cx="9823450" cy="4747895"/>
+            <a:off x="7061135" y="1746092"/>
+            <a:ext cx="1523365" cy="1523365"/>
           </a:xfrm>
           <a:prstGeom prst="rect">
             <a:avLst/>
           </a:prstGeom>
+        </p:spPr>
+      </p:pic>
+      <p:pic>
+        <p:nvPicPr>
+          <p:cNvPr id="5" name="Изображение 4" descr="sticker,375x360-bg,ffffff"/>
+          <p:cNvPicPr>
+            <a:picLocks noChangeAspect="1"/>
+          </p:cNvPicPr>
+          <p:nvPr/>
+        </p:nvPicPr>
+        <p:blipFill>
+          <a:blip r:embed="rId3"/>
+          <a:stretch>
+            <a:fillRect/>
+          </a:stretch>
+        </p:blipFill>
+        <p:spPr>
+          <a:xfrm>
+            <a:off x="9566910" y="1801497"/>
+            <a:ext cx="1666875" cy="1523365"/>
+          </a:xfrm>
+          <a:prstGeom prst="rect">
+            <a:avLst/>
+          </a:prstGeom>
+        </p:spPr>
+      </p:pic>
+      <p:pic>
+        <p:nvPicPr>
+          <p:cNvPr id="7" name="Изображение 6" descr="MySQL-logo-F6FF285A58-seeklogo.com"/>
+          <p:cNvPicPr>
+            <a:picLocks noChangeAspect="1"/>
+          </p:cNvPicPr>
+          <p:nvPr/>
+        </p:nvPicPr>
+        <p:blipFill>
+          <a:blip r:embed="rId4"/>
+          <a:stretch>
+            <a:fillRect/>
+          </a:stretch>
+        </p:blipFill>
+        <p:spPr>
+          <a:xfrm>
+            <a:off x="4078038" y="4882249"/>
+            <a:ext cx="2512060" cy="1485900"/>
+          </a:xfrm>
+          <a:prstGeom prst="rect">
+            <a:avLst/>
+          </a:prstGeom>
+        </p:spPr>
+      </p:pic>
+      <p:pic>
+        <p:nvPicPr>
+          <p:cNvPr id="9" name="Изображение 8" descr="1_qmz2bNVJ64273TA4TbFxZw"/>
+          <p:cNvPicPr>
+            <a:picLocks noChangeAspect="1"/>
+          </p:cNvPicPr>
+          <p:nvPr/>
+        </p:nvPicPr>
+        <p:blipFill>
+          <a:blip r:embed="rId5"/>
+          <a:stretch>
+            <a:fillRect/>
+          </a:stretch>
+        </p:blipFill>
+        <p:spPr>
+          <a:xfrm>
+            <a:off x="8677389" y="5119790"/>
+            <a:ext cx="2556396" cy="1436551"/>
+          </a:xfrm>
+          <a:prstGeom prst="rect">
+            <a:avLst/>
+          </a:prstGeom>
+        </p:spPr>
+      </p:pic>
+      <p:pic>
+        <p:nvPicPr>
+          <p:cNvPr id="10" name="Изображение 9" descr="Android_Studio_icon.svg"/>
+          <p:cNvPicPr>
+            <a:picLocks noChangeAspect="1"/>
+          </p:cNvPicPr>
+          <p:nvPr/>
+        </p:nvPicPr>
+        <p:blipFill>
+          <a:blip r:embed="rId6"/>
+          <a:stretch>
+            <a:fillRect/>
+          </a:stretch>
+        </p:blipFill>
+        <p:spPr>
+          <a:xfrm>
+            <a:off x="4326701" y="1690688"/>
+            <a:ext cx="1634174" cy="1634174"/>
+          </a:xfrm>
+          <a:prstGeom prst="rect">
+            <a:avLst/>
+          </a:prstGeom>
+        </p:spPr>
+      </p:pic>
+      <p:pic>
+        <p:nvPicPr>
+          <p:cNvPr id="3074" name="Picture 2" descr="Ð ÐµÐ·ÑÐ»ÑÑÐ°Ñ Ð¿Ð¾ÑÑÐºÑ Ð·Ð¾Ð±ÑÐ°Ð¶ÐµÐ½Ñ Ð·Ð° Ð·Ð°Ð¿Ð¸ÑÐ¾Ð¼ &quot;rabbitmq&quot;"/>
+          <p:cNvPicPr>
+            <a:picLocks noChangeAspect="1" noChangeArrowheads="1"/>
+          </p:cNvPicPr>
+          <p:nvPr/>
+        </p:nvPicPr>
+        <p:blipFill>
+          <a:blip r:embed="rId7" cstate="print">
+            <a:extLst>
+              <a:ext uri="{28A0092B-C50C-407E-A947-70E740481C1C}">
+                <a14:useLocalDpi xmlns:a14="http://schemas.microsoft.com/office/drawing/2010/main" val="0"/>
+              </a:ext>
+            </a:extLst>
+          </a:blip>
+          <a:srcRect/>
+          <a:stretch>
+            <a:fillRect/>
+          </a:stretch>
+        </p:blipFill>
+        <p:spPr bwMode="auto">
+          <a:xfrm>
+            <a:off x="4078038" y="3907169"/>
+            <a:ext cx="2674113" cy="995877"/>
+          </a:xfrm>
+          <a:prstGeom prst="rect">
+            <a:avLst/>
+          </a:prstGeom>
+          <a:noFill/>
+          <a:extLst>
+            <a:ext uri="{909E8E84-426E-40DD-AFC4-6F175D3DCCD1}">
+              <a14:hiddenFill xmlns:a14="http://schemas.microsoft.com/office/drawing/2010/main">
+                <a:solidFill>
+                  <a:srgbClr val="FFFFFF"/>
+                </a:solidFill>
+              </a14:hiddenFill>
+            </a:ext>
+          </a:extLst>
+        </p:spPr>
+      </p:pic>
+      <p:pic>
+        <p:nvPicPr>
+          <p:cNvPr id="3076" name="Picture 4" descr="Ð ÐµÐ·ÑÐ»ÑÑÐ°Ñ Ð¿Ð¾ÑÑÐºÑ Ð·Ð¾Ð±ÑÐ°Ð¶ÐµÐ½Ñ Ð·Ð° Ð·Ð°Ð¿Ð¸ÑÐ¾Ð¼ &quot;python&quot;"/>
+          <p:cNvPicPr>
+            <a:picLocks noChangeAspect="1" noChangeArrowheads="1"/>
+          </p:cNvPicPr>
+          <p:nvPr/>
+        </p:nvPicPr>
+        <p:blipFill>
+          <a:blip r:embed="rId8">
+            <a:extLst>
+              <a:ext uri="{28A0092B-C50C-407E-A947-70E740481C1C}">
+                <a14:useLocalDpi xmlns:a14="http://schemas.microsoft.com/office/drawing/2010/main" val="0"/>
+              </a:ext>
+            </a:extLst>
+          </a:blip>
+          <a:srcRect/>
+          <a:stretch>
+            <a:fillRect/>
+          </a:stretch>
+        </p:blipFill>
+        <p:spPr bwMode="auto">
+          <a:xfrm>
+            <a:off x="8170991" y="3788363"/>
+            <a:ext cx="3517724" cy="1233488"/>
+          </a:xfrm>
+          <a:prstGeom prst="rect">
+            <a:avLst/>
+          </a:prstGeom>
+          <a:noFill/>
+          <a:extLst>
+            <a:ext uri="{909E8E84-426E-40DD-AFC4-6F175D3DCCD1}">
+              <a14:hiddenFill xmlns:a14="http://schemas.microsoft.com/office/drawing/2010/main">
+                <a:solidFill>
+                  <a:srgbClr val="FFFFFF"/>
+                </a:solidFill>
+              </a14:hiddenFill>
+            </a:ext>
+          </a:extLst>
         </p:spPr>
       </p:pic>
     </p:spTree>
@@ -3406,302 +3811,34 @@
         <p:cNvGrpSpPr/>
         <p:nvPr/>
       </p:nvGrpSpPr>
-      <p:grpSpPr/>
-      <p:sp>
-        <p:nvSpPr>
-          <p:cNvPr id="2" name="Заголовок 1"/>
-          <p:cNvSpPr>
-            <a:spLocks noGrp="1"/>
-          </p:cNvSpPr>
-          <p:nvPr>
-            <p:ph type="title"/>
-          </p:nvPr>
-        </p:nvSpPr>
-        <p:spPr/>
-        <p:txBody>
-          <a:bodyPr/>
-          <a:p>
-            <a:pPr algn="ctr"/>
-            <a:r>
-              <a:rPr lang="en-US" altLang="ru-RU"/>
-              <a:t>Technologies</a:t>
-            </a:r>
-            <a:endParaRPr lang="en-US" altLang="ru-RU"/>
-          </a:p>
-        </p:txBody>
-      </p:sp>
-      <p:sp>
-        <p:nvSpPr>
-          <p:cNvPr id="3" name="Замещающее содержимое 2"/>
-          <p:cNvSpPr>
-            <a:spLocks noGrp="1"/>
-          </p:cNvSpPr>
-          <p:nvPr>
-            <p:ph sz="half" idx="1"/>
-          </p:nvPr>
-        </p:nvSpPr>
-        <p:spPr/>
-        <p:txBody>
-          <a:bodyPr/>
-          <a:p>
-            <a:r>
-              <a:rPr lang="en-US" altLang="ru-RU"/>
-              <a:t>MySQL</a:t>
-            </a:r>
-            <a:endParaRPr lang="en-US" altLang="ru-RU"/>
-          </a:p>
-          <a:p>
-            <a:r>
-              <a:rPr lang="en-US" altLang="ru-RU"/>
-              <a:t>Android Studio</a:t>
-            </a:r>
-            <a:endParaRPr lang="en-US" altLang="ru-RU"/>
-          </a:p>
-          <a:p>
-            <a:r>
-              <a:rPr lang="en-US" altLang="ru-RU"/>
-              <a:t>Flask</a:t>
-            </a:r>
-            <a:endParaRPr lang="en-US" altLang="ru-RU"/>
-          </a:p>
-          <a:p>
-            <a:r>
-              <a:rPr lang="en-US" altLang="ru-RU"/>
-              <a:t>PyTest</a:t>
-            </a:r>
-            <a:endParaRPr lang="en-US" altLang="ru-RU"/>
-          </a:p>
-          <a:p>
-            <a:r>
-              <a:rPr lang="en-US" altLang="ru-RU"/>
-              <a:t>RabbitMQ</a:t>
-            </a:r>
-            <a:endParaRPr lang="en-US" altLang="ru-RU"/>
-          </a:p>
-          <a:p>
-            <a:r>
-              <a:rPr lang="en-US" altLang="ru-RU"/>
-              <a:t>Python</a:t>
-            </a:r>
-            <a:endParaRPr lang="en-US" altLang="ru-RU"/>
-          </a:p>
-          <a:p>
-            <a:r>
-              <a:rPr lang="en-US" altLang="ru-RU"/>
-              <a:t>ArduinoIDE</a:t>
-            </a:r>
-            <a:endParaRPr lang="en-US" altLang="ru-RU"/>
-          </a:p>
-        </p:txBody>
-      </p:sp>
-      <p:pic>
-        <p:nvPicPr>
-          <p:cNvPr id="4" name="Замещающее содержимое 3"/>
-          <p:cNvPicPr>
-            <a:picLocks noChangeAspect="1"/>
-          </p:cNvPicPr>
-          <p:nvPr>
-            <p:ph sz="half" idx="2"/>
-          </p:nvPr>
-        </p:nvPicPr>
-        <p:blipFill>
-          <a:blip r:embed="rId1"/>
-          <a:stretch>
-            <a:fillRect/>
-          </a:stretch>
-        </p:blipFill>
-        <p:spPr>
-          <a:xfrm>
-            <a:off x="6090920" y="1825625"/>
-            <a:ext cx="1523365" cy="1523365"/>
-          </a:xfrm>
-          <a:prstGeom prst="rect">
-            <a:avLst/>
-          </a:prstGeom>
-        </p:spPr>
-      </p:pic>
-      <p:pic>
-        <p:nvPicPr>
-          <p:cNvPr id="5" name="Изображение 4" descr="sticker,375x360-bg,ffffff"/>
-          <p:cNvPicPr>
-            <a:picLocks noChangeAspect="1"/>
-          </p:cNvPicPr>
-          <p:nvPr/>
-        </p:nvPicPr>
-        <p:blipFill>
-          <a:blip r:embed="rId2"/>
-          <a:stretch>
-            <a:fillRect/>
-          </a:stretch>
-        </p:blipFill>
-        <p:spPr>
-          <a:xfrm>
-            <a:off x="7842250" y="1825625"/>
-            <a:ext cx="1666875" cy="1523365"/>
-          </a:xfrm>
-          <a:prstGeom prst="rect">
-            <a:avLst/>
-          </a:prstGeom>
-        </p:spPr>
-      </p:pic>
-      <p:pic>
-        <p:nvPicPr>
-          <p:cNvPr id="6" name="Изображение 5" descr="IMG_0406.png.pagespeed.ce.k529Ei0W07"/>
-          <p:cNvPicPr>
-            <a:picLocks noChangeAspect="1"/>
-          </p:cNvPicPr>
-          <p:nvPr/>
-        </p:nvPicPr>
-        <p:blipFill>
-          <a:blip r:embed="rId3"/>
-          <a:stretch>
-            <a:fillRect/>
-          </a:stretch>
-        </p:blipFill>
-        <p:spPr>
-          <a:xfrm>
-            <a:off x="9579610" y="1825625"/>
-            <a:ext cx="2345690" cy="1223645"/>
-          </a:xfrm>
-          <a:prstGeom prst="rect">
-            <a:avLst/>
-          </a:prstGeom>
-        </p:spPr>
-      </p:pic>
-      <p:pic>
-        <p:nvPicPr>
-          <p:cNvPr id="7" name="Изображение 6" descr="MySQL-logo-F6FF285A58-seeklogo.com"/>
-          <p:cNvPicPr>
-            <a:picLocks noChangeAspect="1"/>
-          </p:cNvPicPr>
-          <p:nvPr/>
-        </p:nvPicPr>
-        <p:blipFill>
-          <a:blip r:embed="rId4"/>
-          <a:stretch>
-            <a:fillRect/>
-          </a:stretch>
-        </p:blipFill>
-        <p:spPr>
-          <a:xfrm>
-            <a:off x="5423535" y="3794760"/>
-            <a:ext cx="2512060" cy="1485900"/>
-          </a:xfrm>
-          <a:prstGeom prst="rect">
-            <a:avLst/>
-          </a:prstGeom>
-        </p:spPr>
-      </p:pic>
-      <p:pic>
-        <p:nvPicPr>
-          <p:cNvPr id="8" name="Изображение 7" descr="python-logo-master-v3-TM"/>
-          <p:cNvPicPr>
-            <a:picLocks noChangeAspect="1"/>
-          </p:cNvPicPr>
-          <p:nvPr/>
-        </p:nvPicPr>
-        <p:blipFill>
-          <a:blip r:embed="rId5"/>
-          <a:stretch>
-            <a:fillRect/>
-          </a:stretch>
-        </p:blipFill>
-        <p:spPr>
-          <a:xfrm>
-            <a:off x="8823325" y="3895725"/>
-            <a:ext cx="2530475" cy="1384935"/>
-          </a:xfrm>
-          <a:prstGeom prst="rect">
-            <a:avLst/>
-          </a:prstGeom>
-        </p:spPr>
-      </p:pic>
-      <p:pic>
-        <p:nvPicPr>
-          <p:cNvPr id="9" name="Изображение 8" descr="1_qmz2bNVJ64273TA4TbFxZw"/>
-          <p:cNvPicPr>
-            <a:picLocks noChangeAspect="1"/>
-          </p:cNvPicPr>
-          <p:nvPr/>
-        </p:nvPicPr>
-        <p:blipFill>
-          <a:blip r:embed="rId6"/>
-          <a:stretch>
-            <a:fillRect/>
-          </a:stretch>
-        </p:blipFill>
-        <p:spPr>
-          <a:xfrm>
-            <a:off x="8450580" y="5280660"/>
-            <a:ext cx="2783205" cy="1564005"/>
-          </a:xfrm>
-          <a:prstGeom prst="rect">
-            <a:avLst/>
-          </a:prstGeom>
-        </p:spPr>
-      </p:pic>
-      <p:pic>
-        <p:nvPicPr>
-          <p:cNvPr id="10" name="Изображение 9" descr="Android_Studio_icon.svg"/>
-          <p:cNvPicPr>
-            <a:picLocks noChangeAspect="1"/>
-          </p:cNvPicPr>
-          <p:nvPr/>
-        </p:nvPicPr>
-        <p:blipFill>
-          <a:blip r:embed="rId7"/>
-          <a:stretch>
-            <a:fillRect/>
-          </a:stretch>
-        </p:blipFill>
-        <p:spPr>
-          <a:xfrm>
-            <a:off x="3931285" y="2476500"/>
-            <a:ext cx="1905000" cy="1905000"/>
-          </a:xfrm>
-          <a:prstGeom prst="rect">
-            <a:avLst/>
-          </a:prstGeom>
-        </p:spPr>
-      </p:pic>
-    </p:spTree>
-  </p:cSld>
-  <p:clrMapOvr>
-    <a:masterClrMapping/>
-  </p:clrMapOvr>
-</p:sld>
-</file>
-
-<file path=ppt/slides/slide19.xml><?xml version="1.0" encoding="utf-8"?>
-<p:sld xmlns:a="http://schemas.openxmlformats.org/drawingml/2006/main" xmlns:r="http://schemas.openxmlformats.org/officeDocument/2006/relationships" xmlns:p="http://schemas.openxmlformats.org/presentationml/2006/main">
-  <p:cSld>
-    <p:spTree>
-      <p:nvGrpSpPr>
-        <p:cNvPr id="1" name=""/>
-        <p:cNvGrpSpPr/>
-        <p:nvPr/>
-      </p:nvGrpSpPr>
-      <p:grpSpPr/>
+      <p:grpSpPr>
+        <a:xfrm>
+          <a:off x="0" y="0"/>
+          <a:ext cx="0" cy="0"/>
+          <a:chOff x="0" y="0"/>
+          <a:chExt cx="0" cy="0"/>
+        </a:xfrm>
+      </p:grpSpPr>
       <p:pic>
         <p:nvPicPr>
           <p:cNvPr id="3" name="VID_20180527_202625_2">
             <a:hlinkClick r:id="" action="ppaction://media"/>
           </p:cNvPr>
           <p:cNvPicPr>
-            <a:picLocks noChangeAspect="1"/>
+            <a:picLocks noGrp="1" noChangeAspect="1"/>
           </p:cNvPicPr>
           <p:nvPr>
             <p:ph/>
-            <a:videoFile r:link="rId1"/>
+            <a:videoFile r:link="rId2"/>
             <p:extLst>
               <p:ext uri="{DAA4B4D4-6D71-4841-9C94-3DE7FCFB9230}">
-                <p14:media xmlns:p14="http://schemas.microsoft.com/office/powerpoint/2010/main" r:link="rId2"/>
+                <p14:media xmlns:p14="http://schemas.microsoft.com/office/powerpoint/2010/main" r:link="rId1"/>
               </p:ext>
             </p:extLst>
           </p:nvPr>
         </p:nvPicPr>
         <p:blipFill>
-          <a:blip r:embed="rId3"/>
+          <a:blip r:embed="rId4"/>
           <a:stretch>
             <a:fillRect/>
           </a:stretch>
@@ -3726,19 +3863,19 @@
       <p:par>
         <p:cTn id="1" dur="indefinite" restart="never" nodeType="tmRoot">
           <p:childTnLst>
-            <p:video fullScrn="0">
+            <p:video>
               <p:cMediaNode>
                 <p:cTn id="2" fill="hold" display="1">
                   <p:stCondLst>
                     <p:cond delay="indefinite"/>
                   </p:stCondLst>
                   <p:endCondLst>
-                    <p:cond evt="onNext">
+                    <p:cond evt="onNext" delay="0">
                       <p:tgtEl>
                         <p:sldTgt/>
                       </p:tgtEl>
                     </p:cond>
-                    <p:cond evt="onPrev">
+                    <p:cond evt="onPrev" delay="0">
                       <p:tgtEl>
                         <p:sldTgt/>
                       </p:tgtEl>
@@ -3816,6 +3953,89 @@
 </p:sld>
 </file>
 
+<file path=ppt/slides/slide19.xml><?xml version="1.0" encoding="utf-8"?>
+<p:sld xmlns:a="http://schemas.openxmlformats.org/drawingml/2006/main" xmlns:r="http://schemas.openxmlformats.org/officeDocument/2006/relationships" xmlns:p="http://schemas.openxmlformats.org/presentationml/2006/main">
+  <p:cSld>
+    <p:spTree>
+      <p:nvGrpSpPr>
+        <p:cNvPr id="1" name=""/>
+        <p:cNvGrpSpPr/>
+        <p:nvPr/>
+      </p:nvGrpSpPr>
+      <p:grpSpPr>
+        <a:xfrm>
+          <a:off x="0" y="0"/>
+          <a:ext cx="0" cy="0"/>
+          <a:chOff x="0" y="0"/>
+          <a:chExt cx="0" cy="0"/>
+        </a:xfrm>
+      </p:grpSpPr>
+      <p:sp>
+        <p:nvSpPr>
+          <p:cNvPr id="2" name="Замещающее содержимое 1"/>
+          <p:cNvSpPr>
+            <a:spLocks noGrp="1"/>
+          </p:cNvSpPr>
+          <p:nvPr>
+            <p:ph/>
+          </p:nvPr>
+        </p:nvSpPr>
+        <p:spPr/>
+        <p:txBody>
+          <a:bodyPr/>
+          <a:lstStyle/>
+          <a:p>
+            <a:pPr marL="0" indent="0" algn="ctr">
+              <a:buNone/>
+            </a:pPr>
+            <a:endParaRPr lang="en-US" altLang="ru-RU"/>
+          </a:p>
+          <a:p>
+            <a:pPr marL="0" indent="0" algn="ctr">
+              <a:buNone/>
+            </a:pPr>
+            <a:endParaRPr lang="en-US" altLang="ru-RU"/>
+          </a:p>
+          <a:p>
+            <a:pPr marL="0" indent="0" algn="ctr">
+              <a:buNone/>
+            </a:pPr>
+            <a:endParaRPr lang="en-US" altLang="ru-RU"/>
+          </a:p>
+          <a:p>
+            <a:pPr marL="0" indent="0" algn="ctr">
+              <a:buNone/>
+            </a:pPr>
+            <a:endParaRPr lang="en-US" altLang="ru-RU"/>
+          </a:p>
+          <a:p>
+            <a:pPr marL="0" indent="0" algn="ctr">
+              <a:buNone/>
+            </a:pPr>
+            <a:r>
+              <a:rPr lang="en-US" altLang="ru-RU"/>
+              <a:t>                                           Thanks for attention</a:t>
+            </a:r>
+          </a:p>
+          <a:p>
+            <a:pPr marL="0" indent="0" algn="ctr">
+              <a:buNone/>
+            </a:pPr>
+            <a:r>
+              <a:rPr lang="en-US" altLang="ru-RU"/>
+              <a:t>Any questions?</a:t>
+            </a:r>
+          </a:p>
+        </p:txBody>
+      </p:sp>
+    </p:spTree>
+  </p:cSld>
+  <p:clrMapOvr>
+    <a:masterClrMapping/>
+  </p:clrMapOvr>
+</p:sld>
+</file>
+
 <file path=ppt/slides/slide2.xml><?xml version="1.0" encoding="utf-8"?>
 <p:sld xmlns:a="http://schemas.openxmlformats.org/drawingml/2006/main" xmlns:r="http://schemas.openxmlformats.org/officeDocument/2006/relationships" xmlns:p="http://schemas.openxmlformats.org/presentationml/2006/main">
   <p:cSld>
@@ -3825,7 +4045,14 @@
         <p:cNvGrpSpPr/>
         <p:nvPr/>
       </p:nvGrpSpPr>
-      <p:grpSpPr/>
+      <p:grpSpPr>
+        <a:xfrm>
+          <a:off x="0" y="0"/>
+          <a:ext cx="0" cy="0"/>
+          <a:chOff x="0" y="0"/>
+          <a:chExt cx="0" cy="0"/>
+        </a:xfrm>
+      </p:grpSpPr>
       <p:sp>
         <p:nvSpPr>
           <p:cNvPr id="2" name="Title 1"/>
@@ -3839,13 +4066,13 @@
         <p:spPr/>
         <p:txBody>
           <a:bodyPr/>
+          <a:lstStyle/>
           <a:p>
             <a:pPr algn="ctr"/>
             <a:r>
               <a:rPr lang="en-US" b="1"/>
               <a:t>Team</a:t>
             </a:r>
-            <a:endParaRPr lang="en-US" b="1"/>
           </a:p>
         </p:txBody>
       </p:sp>
@@ -3867,15 +4094,15 @@
         </p:spPr>
         <p:txBody>
           <a:bodyPr>
-            <a:normAutofit lnSpcReduction="10000"/>
+            <a:normAutofit/>
           </a:bodyPr>
+          <a:lstStyle/>
           <a:p>
             <a:pPr algn="ctr"/>
             <a:r>
               <a:rPr lang="en-US"/>
               <a:t>Vsevolod Pus'</a:t>
             </a:r>
-            <a:endParaRPr lang="en-US"/>
           </a:p>
           <a:p>
             <a:pPr algn="ctr"/>
@@ -3887,7 +4114,6 @@
               <a:rPr lang="en-US"/>
               <a:t>Stanislav Melnik</a:t>
             </a:r>
-            <a:endParaRPr lang="en-US"/>
           </a:p>
           <a:p>
             <a:pPr algn="ctr"/>
@@ -3899,7 +4125,6 @@
               <a:rPr lang="en-US"/>
               <a:t>Roman Veselyak</a:t>
             </a:r>
-            <a:endParaRPr lang="en-US"/>
           </a:p>
           <a:p>
             <a:endParaRPr lang="en-US"/>
@@ -3921,1283 +4146,6 @@
           <a:xfrm>
             <a:off x="6065520" y="1478280"/>
             <a:ext cx="5227320" cy="5061585"/>
-          </a:xfrm>
-          <a:prstGeom prst="rect">
-            <a:avLst/>
-          </a:prstGeom>
-        </p:spPr>
-        <p:txBody>
-          <a:bodyPr vert="horz" lIns="91440" tIns="45720" rIns="91440" bIns="45720" rtlCol="0">
-            <a:normAutofit lnSpcReduction="20000"/>
-          </a:bodyPr>
-          <a:lstStyle>
-            <a:lvl1pPr marL="228600" indent="-228600" algn="l" defTabSz="914400" rtl="0" eaLnBrk="1" latinLnBrk="0" hangingPunct="1">
-              <a:lnSpc>
-                <a:spcPct val="90000"/>
-              </a:lnSpc>
-              <a:spcBef>
-                <a:spcPts val="1000"/>
-              </a:spcBef>
-              <a:buFont typeface="Arial" panose="020B0604020202020204" pitchFamily="34" charset="0"/>
-              <a:buChar char="•"/>
-              <a:defRPr sz="2800" kern="1200">
-                <a:solidFill>
-                  <a:schemeClr val="tx1"/>
-                </a:solidFill>
-                <a:latin typeface="+mn-lt"/>
-                <a:ea typeface="+mn-ea"/>
-                <a:cs typeface="+mn-cs"/>
-              </a:defRPr>
-            </a:lvl1pPr>
-            <a:lvl2pPr marL="685800" indent="-228600" algn="l" defTabSz="914400" rtl="0" eaLnBrk="1" latinLnBrk="0" hangingPunct="1">
-              <a:lnSpc>
-                <a:spcPct val="90000"/>
-              </a:lnSpc>
-              <a:spcBef>
-                <a:spcPts val="500"/>
-              </a:spcBef>
-              <a:buFont typeface="Arial" panose="020B0604020202020204" pitchFamily="34" charset="0"/>
-              <a:buChar char="•"/>
-              <a:defRPr sz="2400" kern="1200">
-                <a:solidFill>
-                  <a:schemeClr val="tx1"/>
-                </a:solidFill>
-                <a:latin typeface="+mn-lt"/>
-                <a:ea typeface="+mn-ea"/>
-                <a:cs typeface="+mn-cs"/>
-              </a:defRPr>
-            </a:lvl2pPr>
-            <a:lvl3pPr marL="1143000" indent="-228600" algn="l" defTabSz="914400" rtl="0" eaLnBrk="1" latinLnBrk="0" hangingPunct="1">
-              <a:lnSpc>
-                <a:spcPct val="90000"/>
-              </a:lnSpc>
-              <a:spcBef>
-                <a:spcPts val="500"/>
-              </a:spcBef>
-              <a:buFont typeface="Arial" panose="020B0604020202020204" pitchFamily="34" charset="0"/>
-              <a:buChar char="•"/>
-              <a:defRPr sz="2000" kern="1200">
-                <a:solidFill>
-                  <a:schemeClr val="tx1"/>
-                </a:solidFill>
-                <a:latin typeface="+mn-lt"/>
-                <a:ea typeface="+mn-ea"/>
-                <a:cs typeface="+mn-cs"/>
-              </a:defRPr>
-            </a:lvl3pPr>
-            <a:lvl4pPr marL="1600200" indent="-228600" algn="l" defTabSz="914400" rtl="0" eaLnBrk="1" latinLnBrk="0" hangingPunct="1">
-              <a:lnSpc>
-                <a:spcPct val="90000"/>
-              </a:lnSpc>
-              <a:spcBef>
-                <a:spcPts val="500"/>
-              </a:spcBef>
-              <a:buFont typeface="Arial" panose="020B0604020202020204" pitchFamily="34" charset="0"/>
-              <a:buChar char="•"/>
-              <a:defRPr sz="1800" kern="1200">
-                <a:solidFill>
-                  <a:schemeClr val="tx1"/>
-                </a:solidFill>
-                <a:latin typeface="+mn-lt"/>
-                <a:ea typeface="+mn-ea"/>
-                <a:cs typeface="+mn-cs"/>
-              </a:defRPr>
-            </a:lvl4pPr>
-            <a:lvl5pPr marL="2057400" indent="-228600" algn="l" defTabSz="914400" rtl="0" eaLnBrk="1" latinLnBrk="0" hangingPunct="1">
-              <a:lnSpc>
-                <a:spcPct val="90000"/>
-              </a:lnSpc>
-              <a:spcBef>
-                <a:spcPts val="500"/>
-              </a:spcBef>
-              <a:buFont typeface="Arial" panose="020B0604020202020204" pitchFamily="34" charset="0"/>
-              <a:buChar char="•"/>
-              <a:defRPr sz="1800" kern="1200">
-                <a:solidFill>
-                  <a:schemeClr val="tx1"/>
-                </a:solidFill>
-                <a:latin typeface="+mn-lt"/>
-                <a:ea typeface="+mn-ea"/>
-                <a:cs typeface="+mn-cs"/>
-              </a:defRPr>
-            </a:lvl5pPr>
-            <a:lvl6pPr marL="2514600" indent="-228600" algn="l" defTabSz="914400" rtl="0" eaLnBrk="1" latinLnBrk="0" hangingPunct="1">
-              <a:lnSpc>
-                <a:spcPct val="90000"/>
-              </a:lnSpc>
-              <a:spcBef>
-                <a:spcPts val="500"/>
-              </a:spcBef>
-              <a:buFont typeface="Arial" panose="020B0604020202020204" pitchFamily="34" charset="0"/>
-              <a:buChar char="•"/>
-              <a:defRPr sz="1800" kern="1200">
-                <a:solidFill>
-                  <a:schemeClr val="tx1"/>
-                </a:solidFill>
-                <a:latin typeface="+mn-lt"/>
-                <a:ea typeface="+mn-ea"/>
-                <a:cs typeface="+mn-cs"/>
-              </a:defRPr>
-            </a:lvl6pPr>
-            <a:lvl7pPr marL="2971800" indent="-228600" algn="l" defTabSz="914400" rtl="0" eaLnBrk="1" latinLnBrk="0" hangingPunct="1">
-              <a:lnSpc>
-                <a:spcPct val="90000"/>
-              </a:lnSpc>
-              <a:spcBef>
-                <a:spcPts val="500"/>
-              </a:spcBef>
-              <a:buFont typeface="Arial" panose="020B0604020202020204" pitchFamily="34" charset="0"/>
-              <a:buChar char="•"/>
-              <a:defRPr sz="1800" kern="1200">
-                <a:solidFill>
-                  <a:schemeClr val="tx1"/>
-                </a:solidFill>
-                <a:latin typeface="+mn-lt"/>
-                <a:ea typeface="+mn-ea"/>
-                <a:cs typeface="+mn-cs"/>
-              </a:defRPr>
-            </a:lvl7pPr>
-            <a:lvl8pPr marL="3429000" indent="-228600" algn="l" defTabSz="914400" rtl="0" eaLnBrk="1" latinLnBrk="0" hangingPunct="1">
-              <a:lnSpc>
-                <a:spcPct val="90000"/>
-              </a:lnSpc>
-              <a:spcBef>
-                <a:spcPts val="500"/>
-              </a:spcBef>
-              <a:buFont typeface="Arial" panose="020B0604020202020204" pitchFamily="34" charset="0"/>
-              <a:buChar char="•"/>
-              <a:defRPr sz="1800" kern="1200">
-                <a:solidFill>
-                  <a:schemeClr val="tx1"/>
-                </a:solidFill>
-                <a:latin typeface="+mn-lt"/>
-                <a:ea typeface="+mn-ea"/>
-                <a:cs typeface="+mn-cs"/>
-              </a:defRPr>
-            </a:lvl8pPr>
-            <a:lvl9pPr marL="3886200" indent="-228600" algn="l" defTabSz="914400" rtl="0" eaLnBrk="1" latinLnBrk="0" hangingPunct="1">
-              <a:lnSpc>
-                <a:spcPct val="90000"/>
-              </a:lnSpc>
-              <a:spcBef>
-                <a:spcPts val="500"/>
-              </a:spcBef>
-              <a:buFont typeface="Arial" panose="020B0604020202020204" pitchFamily="34" charset="0"/>
-              <a:buChar char="•"/>
-              <a:defRPr sz="1800" kern="1200">
-                <a:solidFill>
-                  <a:schemeClr val="tx1"/>
-                </a:solidFill>
-                <a:latin typeface="+mn-lt"/>
-                <a:ea typeface="+mn-ea"/>
-                <a:cs typeface="+mn-cs"/>
-              </a:defRPr>
-            </a:lvl9pPr>
-          </a:lstStyle>
-          <a:p>
-            <a:endParaRPr lang="en-US"/>
-          </a:p>
-          <a:p>
-            <a:endParaRPr lang="en-US"/>
-          </a:p>
-        </p:txBody>
-      </p:sp>
-      <p:sp>
-        <p:nvSpPr>
-          <p:cNvPr id="6" name="Content Placeholder 2"/>
-          <p:cNvSpPr>
-            <a:spLocks noGrp="1"/>
-          </p:cNvSpPr>
-          <p:nvPr/>
-        </p:nvSpPr>
-        <p:spPr>
-          <a:xfrm>
-            <a:off x="6313170" y="1478280"/>
-            <a:ext cx="5227320" cy="5332730"/>
-          </a:xfrm>
-          <a:prstGeom prst="rect">
-            <a:avLst/>
-          </a:prstGeom>
-        </p:spPr>
-        <p:txBody>
-          <a:bodyPr vert="horz" lIns="91440" tIns="45720" rIns="91440" bIns="45720" rtlCol="0">
-            <a:normAutofit lnSpcReduction="10000"/>
-          </a:bodyPr>
-          <a:lstStyle>
-            <a:lvl1pPr marL="228600" indent="-228600" algn="l" defTabSz="914400" rtl="0" eaLnBrk="1" latinLnBrk="0" hangingPunct="1">
-              <a:lnSpc>
-                <a:spcPct val="90000"/>
-              </a:lnSpc>
-              <a:spcBef>
-                <a:spcPts val="1000"/>
-              </a:spcBef>
-              <a:buFont typeface="Arial" panose="020B0604020202020204" pitchFamily="34" charset="0"/>
-              <a:buChar char="•"/>
-              <a:defRPr sz="2800" kern="1200">
-                <a:solidFill>
-                  <a:schemeClr val="tx1"/>
-                </a:solidFill>
-                <a:latin typeface="+mn-lt"/>
-                <a:ea typeface="+mn-ea"/>
-                <a:cs typeface="+mn-cs"/>
-              </a:defRPr>
-            </a:lvl1pPr>
-            <a:lvl2pPr marL="685800" indent="-228600" algn="l" defTabSz="914400" rtl="0" eaLnBrk="1" latinLnBrk="0" hangingPunct="1">
-              <a:lnSpc>
-                <a:spcPct val="90000"/>
-              </a:lnSpc>
-              <a:spcBef>
-                <a:spcPts val="500"/>
-              </a:spcBef>
-              <a:buFont typeface="Arial" panose="020B0604020202020204" pitchFamily="34" charset="0"/>
-              <a:buChar char="•"/>
-              <a:defRPr sz="2400" kern="1200">
-                <a:solidFill>
-                  <a:schemeClr val="tx1"/>
-                </a:solidFill>
-                <a:latin typeface="+mn-lt"/>
-                <a:ea typeface="+mn-ea"/>
-                <a:cs typeface="+mn-cs"/>
-              </a:defRPr>
-            </a:lvl2pPr>
-            <a:lvl3pPr marL="1143000" indent="-228600" algn="l" defTabSz="914400" rtl="0" eaLnBrk="1" latinLnBrk="0" hangingPunct="1">
-              <a:lnSpc>
-                <a:spcPct val="90000"/>
-              </a:lnSpc>
-              <a:spcBef>
-                <a:spcPts val="500"/>
-              </a:spcBef>
-              <a:buFont typeface="Arial" panose="020B0604020202020204" pitchFamily="34" charset="0"/>
-              <a:buChar char="•"/>
-              <a:defRPr sz="2000" kern="1200">
-                <a:solidFill>
-                  <a:schemeClr val="tx1"/>
-                </a:solidFill>
-                <a:latin typeface="+mn-lt"/>
-                <a:ea typeface="+mn-ea"/>
-                <a:cs typeface="+mn-cs"/>
-              </a:defRPr>
-            </a:lvl3pPr>
-            <a:lvl4pPr marL="1600200" indent="-228600" algn="l" defTabSz="914400" rtl="0" eaLnBrk="1" latinLnBrk="0" hangingPunct="1">
-              <a:lnSpc>
-                <a:spcPct val="90000"/>
-              </a:lnSpc>
-              <a:spcBef>
-                <a:spcPts val="500"/>
-              </a:spcBef>
-              <a:buFont typeface="Arial" panose="020B0604020202020204" pitchFamily="34" charset="0"/>
-              <a:buChar char="•"/>
-              <a:defRPr sz="1800" kern="1200">
-                <a:solidFill>
-                  <a:schemeClr val="tx1"/>
-                </a:solidFill>
-                <a:latin typeface="+mn-lt"/>
-                <a:ea typeface="+mn-ea"/>
-                <a:cs typeface="+mn-cs"/>
-              </a:defRPr>
-            </a:lvl4pPr>
-            <a:lvl5pPr marL="2057400" indent="-228600" algn="l" defTabSz="914400" rtl="0" eaLnBrk="1" latinLnBrk="0" hangingPunct="1">
-              <a:lnSpc>
-                <a:spcPct val="90000"/>
-              </a:lnSpc>
-              <a:spcBef>
-                <a:spcPts val="500"/>
-              </a:spcBef>
-              <a:buFont typeface="Arial" panose="020B0604020202020204" pitchFamily="34" charset="0"/>
-              <a:buChar char="•"/>
-              <a:defRPr sz="1800" kern="1200">
-                <a:solidFill>
-                  <a:schemeClr val="tx1"/>
-                </a:solidFill>
-                <a:latin typeface="+mn-lt"/>
-                <a:ea typeface="+mn-ea"/>
-                <a:cs typeface="+mn-cs"/>
-              </a:defRPr>
-            </a:lvl5pPr>
-            <a:lvl6pPr marL="2514600" indent="-228600" algn="l" defTabSz="914400" rtl="0" eaLnBrk="1" latinLnBrk="0" hangingPunct="1">
-              <a:lnSpc>
-                <a:spcPct val="90000"/>
-              </a:lnSpc>
-              <a:spcBef>
-                <a:spcPts val="500"/>
-              </a:spcBef>
-              <a:buFont typeface="Arial" panose="020B0604020202020204" pitchFamily="34" charset="0"/>
-              <a:buChar char="•"/>
-              <a:defRPr sz="1800" kern="1200">
-                <a:solidFill>
-                  <a:schemeClr val="tx1"/>
-                </a:solidFill>
-                <a:latin typeface="+mn-lt"/>
-                <a:ea typeface="+mn-ea"/>
-                <a:cs typeface="+mn-cs"/>
-              </a:defRPr>
-            </a:lvl6pPr>
-            <a:lvl7pPr marL="2971800" indent="-228600" algn="l" defTabSz="914400" rtl="0" eaLnBrk="1" latinLnBrk="0" hangingPunct="1">
-              <a:lnSpc>
-                <a:spcPct val="90000"/>
-              </a:lnSpc>
-              <a:spcBef>
-                <a:spcPts val="500"/>
-              </a:spcBef>
-              <a:buFont typeface="Arial" panose="020B0604020202020204" pitchFamily="34" charset="0"/>
-              <a:buChar char="•"/>
-              <a:defRPr sz="1800" kern="1200">
-                <a:solidFill>
-                  <a:schemeClr val="tx1"/>
-                </a:solidFill>
-                <a:latin typeface="+mn-lt"/>
-                <a:ea typeface="+mn-ea"/>
-                <a:cs typeface="+mn-cs"/>
-              </a:defRPr>
-            </a:lvl7pPr>
-            <a:lvl8pPr marL="3429000" indent="-228600" algn="l" defTabSz="914400" rtl="0" eaLnBrk="1" latinLnBrk="0" hangingPunct="1">
-              <a:lnSpc>
-                <a:spcPct val="90000"/>
-              </a:lnSpc>
-              <a:spcBef>
-                <a:spcPts val="500"/>
-              </a:spcBef>
-              <a:buFont typeface="Arial" panose="020B0604020202020204" pitchFamily="34" charset="0"/>
-              <a:buChar char="•"/>
-              <a:defRPr sz="1800" kern="1200">
-                <a:solidFill>
-                  <a:schemeClr val="tx1"/>
-                </a:solidFill>
-                <a:latin typeface="+mn-lt"/>
-                <a:ea typeface="+mn-ea"/>
-                <a:cs typeface="+mn-cs"/>
-              </a:defRPr>
-            </a:lvl8pPr>
-            <a:lvl9pPr marL="3886200" indent="-228600" algn="l" defTabSz="914400" rtl="0" eaLnBrk="1" latinLnBrk="0" hangingPunct="1">
-              <a:lnSpc>
-                <a:spcPct val="90000"/>
-              </a:lnSpc>
-              <a:spcBef>
-                <a:spcPts val="500"/>
-              </a:spcBef>
-              <a:buFont typeface="Arial" panose="020B0604020202020204" pitchFamily="34" charset="0"/>
-              <a:buChar char="•"/>
-              <a:defRPr sz="1800" kern="1200">
-                <a:solidFill>
-                  <a:schemeClr val="tx1"/>
-                </a:solidFill>
-                <a:latin typeface="+mn-lt"/>
-                <a:ea typeface="+mn-ea"/>
-                <a:cs typeface="+mn-cs"/>
-              </a:defRPr>
-            </a:lvl9pPr>
-          </a:lstStyle>
-          <a:p>
-            <a:pPr algn="ctr"/>
-            <a:r>
-              <a:rPr lang="en-US">
-                <a:sym typeface="+mn-ea"/>
-              </a:rPr>
-              <a:t>Bogdan Nazar</a:t>
-            </a:r>
-            <a:endParaRPr lang="en-US"/>
-          </a:p>
-          <a:p>
-            <a:pPr algn="ctr"/>
-            <a:endParaRPr lang="en-US"/>
-          </a:p>
-          <a:p>
-            <a:pPr algn="ctr"/>
-            <a:r>
-              <a:rPr lang="en-US">
-                <a:sym typeface="+mn-ea"/>
-              </a:rPr>
-              <a:t>Volodimir Popovich</a:t>
-            </a:r>
-            <a:endParaRPr lang="en-US"/>
-          </a:p>
-          <a:p>
-            <a:pPr algn="ctr"/>
-            <a:endParaRPr lang="en-US"/>
-          </a:p>
-          <a:p>
-            <a:pPr algn="ctr"/>
-            <a:r>
-              <a:rPr lang="en-US">
-                <a:sym typeface="+mn-ea"/>
-              </a:rPr>
-              <a:t>Ivan Sapiga</a:t>
-            </a:r>
-            <a:endParaRPr lang="en-US"/>
-          </a:p>
-          <a:p>
-            <a:endParaRPr lang="en-US"/>
-          </a:p>
-        </p:txBody>
-      </p:sp>
-      <p:sp>
-        <p:nvSpPr>
-          <p:cNvPr id="7" name="Title 1"/>
-          <p:cNvSpPr>
-            <a:spLocks noGrp="1"/>
-          </p:cNvSpPr>
-          <p:nvPr/>
-        </p:nvSpPr>
-        <p:spPr>
-          <a:xfrm>
-            <a:off x="838200" y="4087495"/>
-            <a:ext cx="10515600" cy="1325563"/>
-          </a:xfrm>
-          <a:prstGeom prst="rect">
-            <a:avLst/>
-          </a:prstGeom>
-        </p:spPr>
-        <p:txBody>
-          <a:bodyPr vert="horz" lIns="91440" tIns="45720" rIns="91440" bIns="45720" rtlCol="0" anchor="ctr">
-            <a:normAutofit/>
-          </a:bodyPr>
-          <a:lstStyle>
-            <a:lvl1pPr algn="l" defTabSz="914400" rtl="0" eaLnBrk="1" latinLnBrk="0" hangingPunct="1">
-              <a:lnSpc>
-                <a:spcPct val="90000"/>
-              </a:lnSpc>
-              <a:spcBef>
-                <a:spcPct val="0"/>
-              </a:spcBef>
-              <a:buNone/>
-              <a:defRPr sz="4400" kern="1200">
-                <a:solidFill>
-                  <a:schemeClr val="tx1"/>
-                </a:solidFill>
-                <a:latin typeface="+mj-lt"/>
-                <a:ea typeface="+mj-ea"/>
-                <a:cs typeface="+mj-cs"/>
-              </a:defRPr>
-            </a:lvl1pPr>
-          </a:lstStyle>
-          <a:p>
-            <a:pPr algn="ctr"/>
-            <a:r>
-              <a:rPr lang="en-US" b="1"/>
-              <a:t>Mentor</a:t>
-            </a:r>
-            <a:endParaRPr lang="en-US" b="1"/>
-          </a:p>
-        </p:txBody>
-      </p:sp>
-      <p:sp>
-        <p:nvSpPr>
-          <p:cNvPr id="8" name="Content Placeholder 2"/>
-          <p:cNvSpPr>
-            <a:spLocks noGrp="1"/>
-          </p:cNvSpPr>
-          <p:nvPr/>
-        </p:nvSpPr>
-        <p:spPr>
-          <a:xfrm>
-            <a:off x="3482340" y="5413375"/>
-            <a:ext cx="5227320" cy="1397000"/>
-          </a:xfrm>
-          <a:prstGeom prst="rect">
-            <a:avLst/>
-          </a:prstGeom>
-        </p:spPr>
-        <p:txBody>
-          <a:bodyPr vert="horz" lIns="91440" tIns="45720" rIns="91440" bIns="45720" rtlCol="0">
-            <a:normAutofit lnSpcReduction="10000"/>
-          </a:bodyPr>
-          <a:lstStyle>
-            <a:lvl1pPr marL="228600" indent="-228600" algn="l" defTabSz="914400" rtl="0" eaLnBrk="1" latinLnBrk="0" hangingPunct="1">
-              <a:lnSpc>
-                <a:spcPct val="90000"/>
-              </a:lnSpc>
-              <a:spcBef>
-                <a:spcPts val="1000"/>
-              </a:spcBef>
-              <a:buFont typeface="Arial" panose="020B0604020202020204" pitchFamily="34" charset="0"/>
-              <a:buChar char="•"/>
-              <a:defRPr sz="2800" kern="1200">
-                <a:solidFill>
-                  <a:schemeClr val="tx1"/>
-                </a:solidFill>
-                <a:latin typeface="+mn-lt"/>
-                <a:ea typeface="+mn-ea"/>
-                <a:cs typeface="+mn-cs"/>
-              </a:defRPr>
-            </a:lvl1pPr>
-            <a:lvl2pPr marL="685800" indent="-228600" algn="l" defTabSz="914400" rtl="0" eaLnBrk="1" latinLnBrk="0" hangingPunct="1">
-              <a:lnSpc>
-                <a:spcPct val="90000"/>
-              </a:lnSpc>
-              <a:spcBef>
-                <a:spcPts val="500"/>
-              </a:spcBef>
-              <a:buFont typeface="Arial" panose="020B0604020202020204" pitchFamily="34" charset="0"/>
-              <a:buChar char="•"/>
-              <a:defRPr sz="2400" kern="1200">
-                <a:solidFill>
-                  <a:schemeClr val="tx1"/>
-                </a:solidFill>
-                <a:latin typeface="+mn-lt"/>
-                <a:ea typeface="+mn-ea"/>
-                <a:cs typeface="+mn-cs"/>
-              </a:defRPr>
-            </a:lvl2pPr>
-            <a:lvl3pPr marL="1143000" indent="-228600" algn="l" defTabSz="914400" rtl="0" eaLnBrk="1" latinLnBrk="0" hangingPunct="1">
-              <a:lnSpc>
-                <a:spcPct val="90000"/>
-              </a:lnSpc>
-              <a:spcBef>
-                <a:spcPts val="500"/>
-              </a:spcBef>
-              <a:buFont typeface="Arial" panose="020B0604020202020204" pitchFamily="34" charset="0"/>
-              <a:buChar char="•"/>
-              <a:defRPr sz="2000" kern="1200">
-                <a:solidFill>
-                  <a:schemeClr val="tx1"/>
-                </a:solidFill>
-                <a:latin typeface="+mn-lt"/>
-                <a:ea typeface="+mn-ea"/>
-                <a:cs typeface="+mn-cs"/>
-              </a:defRPr>
-            </a:lvl3pPr>
-            <a:lvl4pPr marL="1600200" indent="-228600" algn="l" defTabSz="914400" rtl="0" eaLnBrk="1" latinLnBrk="0" hangingPunct="1">
-              <a:lnSpc>
-                <a:spcPct val="90000"/>
-              </a:lnSpc>
-              <a:spcBef>
-                <a:spcPts val="500"/>
-              </a:spcBef>
-              <a:buFont typeface="Arial" panose="020B0604020202020204" pitchFamily="34" charset="0"/>
-              <a:buChar char="•"/>
-              <a:defRPr sz="1800" kern="1200">
-                <a:solidFill>
-                  <a:schemeClr val="tx1"/>
-                </a:solidFill>
-                <a:latin typeface="+mn-lt"/>
-                <a:ea typeface="+mn-ea"/>
-                <a:cs typeface="+mn-cs"/>
-              </a:defRPr>
-            </a:lvl4pPr>
-            <a:lvl5pPr marL="2057400" indent="-228600" algn="l" defTabSz="914400" rtl="0" eaLnBrk="1" latinLnBrk="0" hangingPunct="1">
-              <a:lnSpc>
-                <a:spcPct val="90000"/>
-              </a:lnSpc>
-              <a:spcBef>
-                <a:spcPts val="500"/>
-              </a:spcBef>
-              <a:buFont typeface="Arial" panose="020B0604020202020204" pitchFamily="34" charset="0"/>
-              <a:buChar char="•"/>
-              <a:defRPr sz="1800" kern="1200">
-                <a:solidFill>
-                  <a:schemeClr val="tx1"/>
-                </a:solidFill>
-                <a:latin typeface="+mn-lt"/>
-                <a:ea typeface="+mn-ea"/>
-                <a:cs typeface="+mn-cs"/>
-              </a:defRPr>
-            </a:lvl5pPr>
-            <a:lvl6pPr marL="2514600" indent="-228600" algn="l" defTabSz="914400" rtl="0" eaLnBrk="1" latinLnBrk="0" hangingPunct="1">
-              <a:lnSpc>
-                <a:spcPct val="90000"/>
-              </a:lnSpc>
-              <a:spcBef>
-                <a:spcPts val="500"/>
-              </a:spcBef>
-              <a:buFont typeface="Arial" panose="020B0604020202020204" pitchFamily="34" charset="0"/>
-              <a:buChar char="•"/>
-              <a:defRPr sz="1800" kern="1200">
-                <a:solidFill>
-                  <a:schemeClr val="tx1"/>
-                </a:solidFill>
-                <a:latin typeface="+mn-lt"/>
-                <a:ea typeface="+mn-ea"/>
-                <a:cs typeface="+mn-cs"/>
-              </a:defRPr>
-            </a:lvl6pPr>
-            <a:lvl7pPr marL="2971800" indent="-228600" algn="l" defTabSz="914400" rtl="0" eaLnBrk="1" latinLnBrk="0" hangingPunct="1">
-              <a:lnSpc>
-                <a:spcPct val="90000"/>
-              </a:lnSpc>
-              <a:spcBef>
-                <a:spcPts val="500"/>
-              </a:spcBef>
-              <a:buFont typeface="Arial" panose="020B0604020202020204" pitchFamily="34" charset="0"/>
-              <a:buChar char="•"/>
-              <a:defRPr sz="1800" kern="1200">
-                <a:solidFill>
-                  <a:schemeClr val="tx1"/>
-                </a:solidFill>
-                <a:latin typeface="+mn-lt"/>
-                <a:ea typeface="+mn-ea"/>
-                <a:cs typeface="+mn-cs"/>
-              </a:defRPr>
-            </a:lvl7pPr>
-            <a:lvl8pPr marL="3429000" indent="-228600" algn="l" defTabSz="914400" rtl="0" eaLnBrk="1" latinLnBrk="0" hangingPunct="1">
-              <a:lnSpc>
-                <a:spcPct val="90000"/>
-              </a:lnSpc>
-              <a:spcBef>
-                <a:spcPts val="500"/>
-              </a:spcBef>
-              <a:buFont typeface="Arial" panose="020B0604020202020204" pitchFamily="34" charset="0"/>
-              <a:buChar char="•"/>
-              <a:defRPr sz="1800" kern="1200">
-                <a:solidFill>
-                  <a:schemeClr val="tx1"/>
-                </a:solidFill>
-                <a:latin typeface="+mn-lt"/>
-                <a:ea typeface="+mn-ea"/>
-                <a:cs typeface="+mn-cs"/>
-              </a:defRPr>
-            </a:lvl8pPr>
-            <a:lvl9pPr marL="3886200" indent="-228600" algn="l" defTabSz="914400" rtl="0" eaLnBrk="1" latinLnBrk="0" hangingPunct="1">
-              <a:lnSpc>
-                <a:spcPct val="90000"/>
-              </a:lnSpc>
-              <a:spcBef>
-                <a:spcPts val="500"/>
-              </a:spcBef>
-              <a:buFont typeface="Arial" panose="020B0604020202020204" pitchFamily="34" charset="0"/>
-              <a:buChar char="•"/>
-              <a:defRPr sz="1800" kern="1200">
-                <a:solidFill>
-                  <a:schemeClr val="tx1"/>
-                </a:solidFill>
-                <a:latin typeface="+mn-lt"/>
-                <a:ea typeface="+mn-ea"/>
-                <a:cs typeface="+mn-cs"/>
-              </a:defRPr>
-            </a:lvl9pPr>
-          </a:lstStyle>
-          <a:p>
-            <a:pPr algn="ctr"/>
-            <a:r>
-              <a:rPr lang="en-US" altLang="uk-UA">
-                <a:sym typeface="+mn-ea"/>
-              </a:rPr>
-              <a:t>Mykhailo Struchinskyi</a:t>
-            </a:r>
-            <a:endParaRPr lang="en-US" altLang="uk-UA">
-              <a:sym typeface="+mn-ea"/>
-            </a:endParaRPr>
-          </a:p>
-        </p:txBody>
-      </p:sp>
-    </p:spTree>
-  </p:cSld>
-  <p:clrMapOvr>
-    <a:masterClrMapping/>
-  </p:clrMapOvr>
-</p:sld>
-</file>
-
-<file path=ppt/slides/slide20.xml><?xml version="1.0" encoding="utf-8"?>
-<p:sld xmlns:a="http://schemas.openxmlformats.org/drawingml/2006/main" xmlns:r="http://schemas.openxmlformats.org/officeDocument/2006/relationships" xmlns:p="http://schemas.openxmlformats.org/presentationml/2006/main">
-  <p:cSld>
-    <p:spTree>
-      <p:nvGrpSpPr>
-        <p:cNvPr id="1" name=""/>
-        <p:cNvGrpSpPr/>
-        <p:nvPr/>
-      </p:nvGrpSpPr>
-      <p:grpSpPr/>
-      <p:sp>
-        <p:nvSpPr>
-          <p:cNvPr id="2" name="Замещающее содержимое 1"/>
-          <p:cNvSpPr>
-            <a:spLocks noGrp="1"/>
-          </p:cNvSpPr>
-          <p:nvPr>
-            <p:ph/>
-          </p:nvPr>
-        </p:nvSpPr>
-        <p:spPr/>
-        <p:txBody>
-          <a:bodyPr/>
-          <a:p>
-            <a:pPr marL="0" indent="0" algn="ctr">
-              <a:buNone/>
-            </a:pPr>
-            <a:endParaRPr lang="en-US" altLang="ru-RU"/>
-          </a:p>
-          <a:p>
-            <a:pPr marL="0" indent="0" algn="ctr">
-              <a:buNone/>
-            </a:pPr>
-            <a:endParaRPr lang="en-US" altLang="ru-RU"/>
-          </a:p>
-          <a:p>
-            <a:pPr marL="0" indent="0" algn="ctr">
-              <a:buNone/>
-            </a:pPr>
-            <a:endParaRPr lang="en-US" altLang="ru-RU"/>
-          </a:p>
-          <a:p>
-            <a:pPr marL="0" indent="0" algn="ctr">
-              <a:buNone/>
-            </a:pPr>
-            <a:endParaRPr lang="en-US" altLang="ru-RU"/>
-          </a:p>
-          <a:p>
-            <a:pPr marL="0" indent="0" algn="ctr">
-              <a:buNone/>
-            </a:pPr>
-            <a:r>
-              <a:rPr lang="en-US" altLang="ru-RU"/>
-              <a:t>                                           Thanks for attention</a:t>
-            </a:r>
-            <a:endParaRPr lang="en-US" altLang="ru-RU"/>
-          </a:p>
-          <a:p>
-            <a:pPr marL="0" indent="0" algn="ctr">
-              <a:buNone/>
-            </a:pPr>
-            <a:r>
-              <a:rPr lang="en-US" altLang="ru-RU"/>
-              <a:t>Any questions?</a:t>
-            </a:r>
-            <a:endParaRPr lang="en-US" altLang="ru-RU"/>
-          </a:p>
-        </p:txBody>
-      </p:sp>
-    </p:spTree>
-  </p:cSld>
-  <p:clrMapOvr>
-    <a:masterClrMapping/>
-  </p:clrMapOvr>
-</p:sld>
-</file>
-
-<file path=ppt/slides/slide3.xml><?xml version="1.0" encoding="utf-8"?>
-<p:sld xmlns:a="http://schemas.openxmlformats.org/drawingml/2006/main" xmlns:r="http://schemas.openxmlformats.org/officeDocument/2006/relationships" xmlns:p="http://schemas.openxmlformats.org/presentationml/2006/main">
-  <p:cSld>
-    <p:spTree>
-      <p:nvGrpSpPr>
-        <p:cNvPr id="1" name=""/>
-        <p:cNvGrpSpPr/>
-        <p:nvPr/>
-      </p:nvGrpSpPr>
-      <p:grpSpPr/>
-      <p:sp>
-        <p:nvSpPr>
-          <p:cNvPr id="2" name="Заголовок 1"/>
-          <p:cNvSpPr>
-            <a:spLocks noGrp="1"/>
-          </p:cNvSpPr>
-          <p:nvPr>
-            <p:ph type="title"/>
-          </p:nvPr>
-        </p:nvSpPr>
-        <p:spPr/>
-        <p:txBody>
-          <a:bodyPr/>
-          <a:p>
-            <a:pPr algn="ctr"/>
-            <a:r>
-              <a:rPr lang="en-US" altLang="ru-RU" b="1"/>
-              <a:t>Project overview</a:t>
-            </a:r>
-            <a:endParaRPr lang="en-US" altLang="ru-RU" b="1"/>
-          </a:p>
-        </p:txBody>
-      </p:sp>
-      <p:pic>
-        <p:nvPicPr>
-          <p:cNvPr id="9" name="Замещающее содержимое 8" descr="noun_368125_cc"/>
-          <p:cNvPicPr>
-            <a:picLocks noChangeAspect="1"/>
-          </p:cNvPicPr>
-          <p:nvPr>
-            <p:ph idx="1"/>
-          </p:nvPr>
-        </p:nvPicPr>
-        <p:blipFill>
-          <a:blip r:embed="rId1"/>
-          <a:stretch>
-            <a:fillRect/>
-          </a:stretch>
-        </p:blipFill>
-        <p:spPr>
-          <a:xfrm>
-            <a:off x="5715" y="2968625"/>
-            <a:ext cx="3890010" cy="3890010"/>
-          </a:xfrm>
-          <a:prstGeom prst="rect">
-            <a:avLst/>
-          </a:prstGeom>
-        </p:spPr>
-      </p:pic>
-      <p:pic>
-        <p:nvPicPr>
-          <p:cNvPr id="12" name="Замещающее содержимое 11" descr="noun_368126_cc"/>
-          <p:cNvPicPr>
-            <a:picLocks noChangeAspect="1"/>
-          </p:cNvPicPr>
-          <p:nvPr>
-            <p:ph sz="half" idx="2"/>
-          </p:nvPr>
-        </p:nvPicPr>
-        <p:blipFill>
-          <a:blip r:embed="rId2"/>
-          <a:stretch>
-            <a:fillRect/>
-          </a:stretch>
-        </p:blipFill>
-        <p:spPr>
-          <a:xfrm>
-            <a:off x="3618230" y="2966720"/>
-            <a:ext cx="3891629" cy="3891629"/>
-          </a:xfrm>
-          <a:prstGeom prst="rect">
-            <a:avLst/>
-          </a:prstGeom>
-        </p:spPr>
-      </p:pic>
-      <p:pic>
-        <p:nvPicPr>
-          <p:cNvPr id="13" name="Изображение 12" descr="noun_368127_cc"/>
-          <p:cNvPicPr>
-            <a:picLocks noChangeAspect="1"/>
-          </p:cNvPicPr>
-          <p:nvPr/>
-        </p:nvPicPr>
-        <p:blipFill>
-          <a:blip r:embed="rId3"/>
-          <a:stretch>
-            <a:fillRect/>
-          </a:stretch>
-        </p:blipFill>
-        <p:spPr>
-          <a:xfrm>
-            <a:off x="7757160" y="2966720"/>
-            <a:ext cx="3891629" cy="3891629"/>
-          </a:xfrm>
-          <a:prstGeom prst="rect">
-            <a:avLst/>
-          </a:prstGeom>
-        </p:spPr>
-      </p:pic>
-      <p:sp>
-        <p:nvSpPr>
-          <p:cNvPr id="4" name="Текстовое поле 3"/>
-          <p:cNvSpPr txBox="1"/>
-          <p:nvPr/>
-        </p:nvSpPr>
-        <p:spPr>
-          <a:xfrm>
-            <a:off x="721360" y="1605280"/>
-            <a:ext cx="10749280" cy="368300"/>
-          </a:xfrm>
-          <a:prstGeom prst="rect">
-            <a:avLst/>
-          </a:prstGeom>
-          <a:noFill/>
-        </p:spPr>
-        <p:txBody>
-          <a:bodyPr wrap="square" rtlCol="0">
-            <a:spAutoFit/>
-          </a:bodyPr>
-          <a:p>
-            <a:r>
-              <a:rPr lang="en-US" altLang="ru-RU"/>
-              <a:t>Our service is created to control water level in your bottle within android app</a:t>
-            </a:r>
-            <a:endParaRPr lang="en-US" altLang="ru-RU"/>
-          </a:p>
-        </p:txBody>
-      </p:sp>
-    </p:spTree>
-  </p:cSld>
-  <p:clrMapOvr>
-    <a:masterClrMapping/>
-  </p:clrMapOvr>
-</p:sld>
-</file>
-
-<file path=ppt/slides/slide4.xml><?xml version="1.0" encoding="utf-8"?>
-<p:sld xmlns:a="http://schemas.openxmlformats.org/drawingml/2006/main" xmlns:r="http://schemas.openxmlformats.org/officeDocument/2006/relationships" xmlns:p="http://schemas.openxmlformats.org/presentationml/2006/main">
-  <p:cSld>
-    <p:spTree>
-      <p:nvGrpSpPr>
-        <p:cNvPr id="1" name=""/>
-        <p:cNvGrpSpPr/>
-        <p:nvPr/>
-      </p:nvGrpSpPr>
-      <p:grpSpPr/>
-      <p:sp>
-        <p:nvSpPr>
-          <p:cNvPr id="2" name="Заголовок 1"/>
-          <p:cNvSpPr>
-            <a:spLocks noGrp="1"/>
-          </p:cNvSpPr>
-          <p:nvPr>
-            <p:ph type="title"/>
-          </p:nvPr>
-        </p:nvSpPr>
-        <p:spPr/>
-        <p:txBody>
-          <a:bodyPr/>
-          <a:p>
-            <a:pPr algn="ctr"/>
-            <a:r>
-              <a:rPr lang="en-US" altLang="ru-RU" b="1"/>
-              <a:t>Dataflow</a:t>
-            </a:r>
-            <a:endParaRPr lang="en-US" altLang="ru-RU" b="1"/>
-          </a:p>
-        </p:txBody>
-      </p:sp>
-      <p:graphicFrame>
-        <p:nvGraphicFramePr>
-          <p:cNvPr id="7" name="Замещающее содержимое 6"/>
-          <p:cNvGraphicFramePr>
-            <a:graphicFrameLocks noChangeAspect="1"/>
-          </p:cNvGraphicFramePr>
-          <p:nvPr>
-            <p:ph idx="1"/>
-          </p:nvPr>
-        </p:nvGraphicFramePr>
-        <p:xfrm>
-          <a:off x="1646555" y="1691005"/>
-          <a:ext cx="8782685" cy="4646930"/>
-        </p:xfrm>
-        <a:graphic>
-          <a:graphicData uri="http://schemas.openxmlformats.org/presentationml/2006/ole">
-            <mc:AlternateContent xmlns:mc="http://schemas.openxmlformats.org/markup-compatibility/2006">
-              <mc:Choice xmlns:v="urn:schemas-microsoft-com:vml" Requires="v">
-                <p:oleObj spid="_x0000_s8" name="" r:id="rId1" imgW="8778240" imgH="5364480" progId="Paint.Picture">
-                  <p:embed/>
-                </p:oleObj>
-              </mc:Choice>
-              <mc:Fallback>
-                <p:oleObj name="" r:id="rId1" imgW="8778240" imgH="5364480" progId="Paint.Picture">
-                  <p:embed/>
-                  <p:pic>
-                    <p:nvPicPr>
-                      <p:cNvPr id="0" name="Изображение 7"/>
-                      <p:cNvPicPr/>
-                      <p:nvPr/>
-                    </p:nvPicPr>
-                    <p:blipFill>
-                      <a:blip r:embed="rId2"/>
-                      <a:stretch>
-                        <a:fillRect/>
-                      </a:stretch>
-                    </p:blipFill>
-                    <p:spPr>
-                      <a:xfrm>
-                        <a:off x="1646555" y="1691005"/>
-                        <a:ext cx="8782685" cy="4646930"/>
-                      </a:xfrm>
-                      <a:prstGeom prst="rect">
-                        <a:avLst/>
-                      </a:prstGeom>
-                    </p:spPr>
-                  </p:pic>
-                </p:oleObj>
-              </mc:Fallback>
-            </mc:AlternateContent>
-          </a:graphicData>
-        </a:graphic>
-      </p:graphicFrame>
-    </p:spTree>
-  </p:cSld>
-  <p:clrMapOvr>
-    <a:masterClrMapping/>
-  </p:clrMapOvr>
-</p:sld>
-</file>
-
-<file path=ppt/slides/slide5.xml><?xml version="1.0" encoding="utf-8"?>
-<p:sld xmlns:a="http://schemas.openxmlformats.org/drawingml/2006/main" xmlns:r="http://schemas.openxmlformats.org/officeDocument/2006/relationships" xmlns:p="http://schemas.openxmlformats.org/presentationml/2006/main">
-  <p:cSld>
-    <p:spTree>
-      <p:nvGrpSpPr>
-        <p:cNvPr id="1" name=""/>
-        <p:cNvGrpSpPr/>
-        <p:nvPr/>
-      </p:nvGrpSpPr>
-      <p:grpSpPr/>
-      <p:sp>
-        <p:nvSpPr>
-          <p:cNvPr id="2" name="Заголовок 1"/>
-          <p:cNvSpPr>
-            <a:spLocks noGrp="1"/>
-          </p:cNvSpPr>
-          <p:nvPr>
-            <p:ph type="title"/>
-          </p:nvPr>
-        </p:nvSpPr>
-        <p:spPr/>
-        <p:txBody>
-          <a:bodyPr/>
-          <a:p>
-            <a:pPr algn="ctr"/>
-            <a:r>
-              <a:rPr lang="en-US" altLang="ru-RU" b="1"/>
-              <a:t>Dataflow</a:t>
-            </a:r>
-            <a:endParaRPr lang="en-US" altLang="ru-RU" b="1"/>
-          </a:p>
-        </p:txBody>
-      </p:sp>
-      <p:graphicFrame>
-        <p:nvGraphicFramePr>
-          <p:cNvPr id="7" name="Замещающее содержимое 6"/>
-          <p:cNvGraphicFramePr>
-            <a:graphicFrameLocks noChangeAspect="1"/>
-          </p:cNvGraphicFramePr>
-          <p:nvPr>
-            <p:ph idx="1"/>
-          </p:nvPr>
-        </p:nvGraphicFramePr>
-        <p:xfrm>
-          <a:off x="1462405" y="1607185"/>
-          <a:ext cx="9243695" cy="4570095"/>
-        </p:xfrm>
-        <a:graphic>
-          <a:graphicData uri="http://schemas.openxmlformats.org/presentationml/2006/ole">
-            <mc:AlternateContent xmlns:mc="http://schemas.openxmlformats.org/markup-compatibility/2006">
-              <mc:Choice xmlns:v="urn:schemas-microsoft-com:vml" Requires="v">
-                <p:oleObj spid="_x0000_s8" name="" r:id="rId1" imgW="8778240" imgH="5364480" progId="Paint.Picture">
-                  <p:embed/>
-                </p:oleObj>
-              </mc:Choice>
-              <mc:Fallback>
-                <p:oleObj name="" r:id="rId1" imgW="8778240" imgH="5364480" progId="Paint.Picture">
-                  <p:embed/>
-                  <p:pic>
-                    <p:nvPicPr>
-                      <p:cNvPr id="0" name="Изображение 7"/>
-                      <p:cNvPicPr/>
-                      <p:nvPr/>
-                    </p:nvPicPr>
-                    <p:blipFill>
-                      <a:blip r:embed="rId2"/>
-                      <a:stretch>
-                        <a:fillRect/>
-                      </a:stretch>
-                    </p:blipFill>
-                    <p:spPr>
-                      <a:xfrm>
-                        <a:off x="1462405" y="1607185"/>
-                        <a:ext cx="9243695" cy="4570095"/>
-                      </a:xfrm>
-                      <a:prstGeom prst="rect">
-                        <a:avLst/>
-                      </a:prstGeom>
-                    </p:spPr>
-                  </p:pic>
-                </p:oleObj>
-              </mc:Fallback>
-            </mc:AlternateContent>
-          </a:graphicData>
-        </a:graphic>
-      </p:graphicFrame>
-    </p:spTree>
-  </p:cSld>
-  <p:clrMapOvr>
-    <a:masterClrMapping/>
-  </p:clrMapOvr>
-</p:sld>
-</file>
-
-<file path=ppt/slides/slide6.xml><?xml version="1.0" encoding="utf-8"?>
-<p:sld xmlns:a="http://schemas.openxmlformats.org/drawingml/2006/main" xmlns:r="http://schemas.openxmlformats.org/officeDocument/2006/relationships" xmlns:p="http://schemas.openxmlformats.org/presentationml/2006/main">
-  <p:cSld>
-    <p:spTree>
-      <p:nvGrpSpPr>
-        <p:cNvPr id="1" name=""/>
-        <p:cNvGrpSpPr/>
-        <p:nvPr/>
-      </p:nvGrpSpPr>
-      <p:grpSpPr/>
-      <p:sp>
-        <p:nvSpPr>
-          <p:cNvPr id="2" name="Заголовок 1"/>
-          <p:cNvSpPr>
-            <a:spLocks noGrp="1"/>
-          </p:cNvSpPr>
-          <p:nvPr>
-            <p:ph type="title"/>
-          </p:nvPr>
-        </p:nvSpPr>
-        <p:spPr/>
-        <p:txBody>
-          <a:bodyPr/>
-          <a:p>
-            <a:pPr algn="ctr"/>
-            <a:r>
-              <a:rPr lang="en-US" altLang="en-US" b="1"/>
-              <a:t>How does it work</a:t>
-            </a:r>
-            <a:endParaRPr lang="en-US" altLang="en-US" b="1"/>
-          </a:p>
-        </p:txBody>
-      </p:sp>
-      <p:sp>
-        <p:nvSpPr>
-          <p:cNvPr id="3" name="Замещающее содержимое 2"/>
-          <p:cNvSpPr>
-            <a:spLocks noGrp="1"/>
-          </p:cNvSpPr>
-          <p:nvPr>
-            <p:ph idx="1"/>
-          </p:nvPr>
-        </p:nvSpPr>
-        <p:spPr/>
-        <p:txBody>
-          <a:bodyPr/>
-          <a:p>
-            <a:pPr marL="0" indent="0">
-              <a:buNone/>
-            </a:pPr>
-            <a:endParaRPr lang="ru-RU" altLang="en-US"/>
-          </a:p>
-        </p:txBody>
-      </p:sp>
-    </p:spTree>
-  </p:cSld>
-  <p:clrMapOvr>
-    <a:masterClrMapping/>
-  </p:clrMapOvr>
-</p:sld>
-</file>
-
-<file path=ppt/slides/slide7.xml><?xml version="1.0" encoding="utf-8"?>
-<p:sld xmlns:a="http://schemas.openxmlformats.org/drawingml/2006/main" xmlns:r="http://schemas.openxmlformats.org/officeDocument/2006/relationships" xmlns:p="http://schemas.openxmlformats.org/presentationml/2006/main">
-  <p:cSld>
-    <p:spTree>
-      <p:nvGrpSpPr>
-        <p:cNvPr id="1" name=""/>
-        <p:cNvGrpSpPr/>
-        <p:nvPr/>
-      </p:nvGrpSpPr>
-      <p:grpSpPr/>
-      <p:sp>
-        <p:nvSpPr>
-          <p:cNvPr id="2" name="Заголовок 1"/>
-          <p:cNvSpPr>
-            <a:spLocks noGrp="1"/>
-          </p:cNvSpPr>
-          <p:nvPr>
-            <p:ph type="title"/>
-          </p:nvPr>
-        </p:nvSpPr>
-        <p:spPr/>
-        <p:txBody>
-          <a:bodyPr/>
-          <a:p>
-            <a:pPr algn="ctr"/>
-            <a:r>
-              <a:rPr lang="en-US" altLang="uk-UA" b="1"/>
-              <a:t>Features</a:t>
-            </a:r>
-            <a:endParaRPr lang="en-US" altLang="uk-UA" b="1"/>
-          </a:p>
-        </p:txBody>
-      </p:sp>
-      <p:sp>
-        <p:nvSpPr>
-          <p:cNvPr id="3" name="Замещающее содержимое 2"/>
-          <p:cNvSpPr>
-            <a:spLocks noGrp="1"/>
-          </p:cNvSpPr>
-          <p:nvPr>
-            <p:ph idx="1"/>
-          </p:nvPr>
-        </p:nvSpPr>
-        <p:spPr>
-          <a:xfrm>
-            <a:off x="838200" y="1825625"/>
-            <a:ext cx="10515600" cy="1506855"/>
-          </a:xfrm>
-        </p:spPr>
-        <p:txBody>
-          <a:bodyPr>
-            <a:normAutofit lnSpcReduction="10000"/>
-          </a:bodyPr>
-          <a:p>
-            <a:r>
-              <a:rPr lang="en-US" altLang="ru-RU"/>
-              <a:t>Refresh level in android app</a:t>
-            </a:r>
-            <a:endParaRPr lang="en-US" altLang="ru-RU"/>
-          </a:p>
-          <a:p>
-            <a:r>
-              <a:rPr lang="en-US" altLang="ru-RU"/>
-              <a:t>Level change prediction</a:t>
-            </a:r>
-            <a:endParaRPr lang="en-US" altLang="ru-RU"/>
-          </a:p>
-          <a:p>
-            <a:r>
-              <a:rPr lang="en-US" altLang="ru-RU"/>
-              <a:t>Encrypted communication channel</a:t>
-            </a:r>
-            <a:endParaRPr lang="en-US" altLang="ru-RU"/>
-          </a:p>
-        </p:txBody>
-      </p:sp>
-      <p:sp>
-        <p:nvSpPr>
-          <p:cNvPr id="4" name="Заголовок 1"/>
-          <p:cNvSpPr>
-            <a:spLocks noGrp="1"/>
-          </p:cNvSpPr>
-          <p:nvPr/>
-        </p:nvSpPr>
-        <p:spPr>
-          <a:xfrm>
-            <a:off x="838200" y="3082925"/>
-            <a:ext cx="10515600" cy="1325563"/>
-          </a:xfrm>
-          <a:prstGeom prst="rect">
-            <a:avLst/>
-          </a:prstGeom>
-        </p:spPr>
-        <p:txBody>
-          <a:bodyPr vert="horz" lIns="91440" tIns="45720" rIns="91440" bIns="45720" rtlCol="0" anchor="ctr">
-            <a:normAutofit/>
-          </a:bodyPr>
-          <a:lstStyle>
-            <a:lvl1pPr algn="l" defTabSz="914400" rtl="0" eaLnBrk="1" latinLnBrk="0" hangingPunct="1">
-              <a:lnSpc>
-                <a:spcPct val="90000"/>
-              </a:lnSpc>
-              <a:spcBef>
-                <a:spcPct val="0"/>
-              </a:spcBef>
-              <a:buNone/>
-              <a:defRPr sz="4400" kern="1200">
-                <a:solidFill>
-                  <a:schemeClr val="tx1"/>
-                </a:solidFill>
-                <a:latin typeface="+mj-lt"/>
-                <a:ea typeface="+mj-ea"/>
-                <a:cs typeface="+mj-cs"/>
-              </a:defRPr>
-            </a:lvl1pPr>
-          </a:lstStyle>
-          <a:p>
-            <a:pPr algn="ctr"/>
-            <a:r>
-              <a:rPr lang="en-US" altLang="uk-UA" b="1"/>
-              <a:t>Future Features</a:t>
-            </a:r>
-            <a:endParaRPr lang="en-US" altLang="uk-UA" b="1"/>
-          </a:p>
-        </p:txBody>
-      </p:sp>
-      <p:sp>
-        <p:nvSpPr>
-          <p:cNvPr id="5" name="Замещающее содержимое 2"/>
-          <p:cNvSpPr>
-            <a:spLocks noGrp="1"/>
-          </p:cNvSpPr>
-          <p:nvPr/>
-        </p:nvSpPr>
-        <p:spPr>
-          <a:xfrm>
-            <a:off x="838200" y="4408805"/>
-            <a:ext cx="10515600" cy="1506855"/>
           </a:xfrm>
           <a:prstGeom prst="rect">
             <a:avLst/>
@@ -5372,21 +4320,1389 @@
             </a:lvl9pPr>
           </a:lstStyle>
           <a:p>
-            <a:r>
-              <a:rPr lang="en-US" altLang="ru-RU"/>
+            <a:endParaRPr lang="en-US"/>
+          </a:p>
+          <a:p>
+            <a:endParaRPr lang="en-US"/>
+          </a:p>
+        </p:txBody>
+      </p:sp>
+      <p:sp>
+        <p:nvSpPr>
+          <p:cNvPr id="6" name="Content Placeholder 2"/>
+          <p:cNvSpPr>
+            <a:spLocks noGrp="1"/>
+          </p:cNvSpPr>
+          <p:nvPr/>
+        </p:nvSpPr>
+        <p:spPr>
+          <a:xfrm>
+            <a:off x="6313170" y="1478280"/>
+            <a:ext cx="5227320" cy="5332730"/>
+          </a:xfrm>
+          <a:prstGeom prst="rect">
+            <a:avLst/>
+          </a:prstGeom>
+        </p:spPr>
+        <p:txBody>
+          <a:bodyPr vert="horz" lIns="91440" tIns="45720" rIns="91440" bIns="45720" rtlCol="0">
+            <a:normAutofit/>
+          </a:bodyPr>
+          <a:lstStyle>
+            <a:lvl1pPr marL="228600" indent="-228600" algn="l" defTabSz="914400" rtl="0" eaLnBrk="1" latinLnBrk="0" hangingPunct="1">
+              <a:lnSpc>
+                <a:spcPct val="90000"/>
+              </a:lnSpc>
+              <a:spcBef>
+                <a:spcPts val="1000"/>
+              </a:spcBef>
+              <a:buFont typeface="Arial" panose="020B0604020202020204" pitchFamily="34" charset="0"/>
+              <a:buChar char="•"/>
+              <a:defRPr sz="2800" kern="1200">
+                <a:solidFill>
+                  <a:schemeClr val="tx1"/>
+                </a:solidFill>
+                <a:latin typeface="+mn-lt"/>
+                <a:ea typeface="+mn-ea"/>
+                <a:cs typeface="+mn-cs"/>
+              </a:defRPr>
+            </a:lvl1pPr>
+            <a:lvl2pPr marL="685800" indent="-228600" algn="l" defTabSz="914400" rtl="0" eaLnBrk="1" latinLnBrk="0" hangingPunct="1">
+              <a:lnSpc>
+                <a:spcPct val="90000"/>
+              </a:lnSpc>
+              <a:spcBef>
+                <a:spcPts val="500"/>
+              </a:spcBef>
+              <a:buFont typeface="Arial" panose="020B0604020202020204" pitchFamily="34" charset="0"/>
+              <a:buChar char="•"/>
+              <a:defRPr sz="2400" kern="1200">
+                <a:solidFill>
+                  <a:schemeClr val="tx1"/>
+                </a:solidFill>
+                <a:latin typeface="+mn-lt"/>
+                <a:ea typeface="+mn-ea"/>
+                <a:cs typeface="+mn-cs"/>
+              </a:defRPr>
+            </a:lvl2pPr>
+            <a:lvl3pPr marL="1143000" indent="-228600" algn="l" defTabSz="914400" rtl="0" eaLnBrk="1" latinLnBrk="0" hangingPunct="1">
+              <a:lnSpc>
+                <a:spcPct val="90000"/>
+              </a:lnSpc>
+              <a:spcBef>
+                <a:spcPts val="500"/>
+              </a:spcBef>
+              <a:buFont typeface="Arial" panose="020B0604020202020204" pitchFamily="34" charset="0"/>
+              <a:buChar char="•"/>
+              <a:defRPr sz="2000" kern="1200">
+                <a:solidFill>
+                  <a:schemeClr val="tx1"/>
+                </a:solidFill>
+                <a:latin typeface="+mn-lt"/>
+                <a:ea typeface="+mn-ea"/>
+                <a:cs typeface="+mn-cs"/>
+              </a:defRPr>
+            </a:lvl3pPr>
+            <a:lvl4pPr marL="1600200" indent="-228600" algn="l" defTabSz="914400" rtl="0" eaLnBrk="1" latinLnBrk="0" hangingPunct="1">
+              <a:lnSpc>
+                <a:spcPct val="90000"/>
+              </a:lnSpc>
+              <a:spcBef>
+                <a:spcPts val="500"/>
+              </a:spcBef>
+              <a:buFont typeface="Arial" panose="020B0604020202020204" pitchFamily="34" charset="0"/>
+              <a:buChar char="•"/>
+              <a:defRPr sz="1800" kern="1200">
+                <a:solidFill>
+                  <a:schemeClr val="tx1"/>
+                </a:solidFill>
+                <a:latin typeface="+mn-lt"/>
+                <a:ea typeface="+mn-ea"/>
+                <a:cs typeface="+mn-cs"/>
+              </a:defRPr>
+            </a:lvl4pPr>
+            <a:lvl5pPr marL="2057400" indent="-228600" algn="l" defTabSz="914400" rtl="0" eaLnBrk="1" latinLnBrk="0" hangingPunct="1">
+              <a:lnSpc>
+                <a:spcPct val="90000"/>
+              </a:lnSpc>
+              <a:spcBef>
+                <a:spcPts val="500"/>
+              </a:spcBef>
+              <a:buFont typeface="Arial" panose="020B0604020202020204" pitchFamily="34" charset="0"/>
+              <a:buChar char="•"/>
+              <a:defRPr sz="1800" kern="1200">
+                <a:solidFill>
+                  <a:schemeClr val="tx1"/>
+                </a:solidFill>
+                <a:latin typeface="+mn-lt"/>
+                <a:ea typeface="+mn-ea"/>
+                <a:cs typeface="+mn-cs"/>
+              </a:defRPr>
+            </a:lvl5pPr>
+            <a:lvl6pPr marL="2514600" indent="-228600" algn="l" defTabSz="914400" rtl="0" eaLnBrk="1" latinLnBrk="0" hangingPunct="1">
+              <a:lnSpc>
+                <a:spcPct val="90000"/>
+              </a:lnSpc>
+              <a:spcBef>
+                <a:spcPts val="500"/>
+              </a:spcBef>
+              <a:buFont typeface="Arial" panose="020B0604020202020204" pitchFamily="34" charset="0"/>
+              <a:buChar char="•"/>
+              <a:defRPr sz="1800" kern="1200">
+                <a:solidFill>
+                  <a:schemeClr val="tx1"/>
+                </a:solidFill>
+                <a:latin typeface="+mn-lt"/>
+                <a:ea typeface="+mn-ea"/>
+                <a:cs typeface="+mn-cs"/>
+              </a:defRPr>
+            </a:lvl6pPr>
+            <a:lvl7pPr marL="2971800" indent="-228600" algn="l" defTabSz="914400" rtl="0" eaLnBrk="1" latinLnBrk="0" hangingPunct="1">
+              <a:lnSpc>
+                <a:spcPct val="90000"/>
+              </a:lnSpc>
+              <a:spcBef>
+                <a:spcPts val="500"/>
+              </a:spcBef>
+              <a:buFont typeface="Arial" panose="020B0604020202020204" pitchFamily="34" charset="0"/>
+              <a:buChar char="•"/>
+              <a:defRPr sz="1800" kern="1200">
+                <a:solidFill>
+                  <a:schemeClr val="tx1"/>
+                </a:solidFill>
+                <a:latin typeface="+mn-lt"/>
+                <a:ea typeface="+mn-ea"/>
+                <a:cs typeface="+mn-cs"/>
+              </a:defRPr>
+            </a:lvl7pPr>
+            <a:lvl8pPr marL="3429000" indent="-228600" algn="l" defTabSz="914400" rtl="0" eaLnBrk="1" latinLnBrk="0" hangingPunct="1">
+              <a:lnSpc>
+                <a:spcPct val="90000"/>
+              </a:lnSpc>
+              <a:spcBef>
+                <a:spcPts val="500"/>
+              </a:spcBef>
+              <a:buFont typeface="Arial" panose="020B0604020202020204" pitchFamily="34" charset="0"/>
+              <a:buChar char="•"/>
+              <a:defRPr sz="1800" kern="1200">
+                <a:solidFill>
+                  <a:schemeClr val="tx1"/>
+                </a:solidFill>
+                <a:latin typeface="+mn-lt"/>
+                <a:ea typeface="+mn-ea"/>
+                <a:cs typeface="+mn-cs"/>
+              </a:defRPr>
+            </a:lvl8pPr>
+            <a:lvl9pPr marL="3886200" indent="-228600" algn="l" defTabSz="914400" rtl="0" eaLnBrk="1" latinLnBrk="0" hangingPunct="1">
+              <a:lnSpc>
+                <a:spcPct val="90000"/>
+              </a:lnSpc>
+              <a:spcBef>
+                <a:spcPts val="500"/>
+              </a:spcBef>
+              <a:buFont typeface="Arial" panose="020B0604020202020204" pitchFamily="34" charset="0"/>
+              <a:buChar char="•"/>
+              <a:defRPr sz="1800" kern="1200">
+                <a:solidFill>
+                  <a:schemeClr val="tx1"/>
+                </a:solidFill>
+                <a:latin typeface="+mn-lt"/>
+                <a:ea typeface="+mn-ea"/>
+                <a:cs typeface="+mn-cs"/>
+              </a:defRPr>
+            </a:lvl9pPr>
+          </a:lstStyle>
+          <a:p>
+            <a:pPr algn="ctr"/>
+            <a:r>
+              <a:rPr lang="en-US" dirty="0">
+                <a:sym typeface="+mn-ea"/>
+              </a:rPr>
+              <a:t>Bogdan </a:t>
+            </a:r>
+            <a:r>
+              <a:rPr lang="en-US" dirty="0" err="1">
+                <a:sym typeface="+mn-ea"/>
+              </a:rPr>
+              <a:t>Nazar</a:t>
+            </a:r>
+            <a:endParaRPr lang="en-US" dirty="0"/>
+          </a:p>
+          <a:p>
+            <a:pPr algn="ctr"/>
+            <a:endParaRPr lang="en-US" dirty="0"/>
+          </a:p>
+          <a:p>
+            <a:pPr algn="ctr"/>
+            <a:r>
+              <a:rPr lang="en-US" dirty="0" err="1" smtClean="0">
+                <a:sym typeface="+mn-ea"/>
+              </a:rPr>
+              <a:t>Volodymyr</a:t>
+            </a:r>
+            <a:r>
+              <a:rPr lang="en-US" dirty="0" smtClean="0">
+                <a:sym typeface="+mn-ea"/>
+              </a:rPr>
+              <a:t> </a:t>
+            </a:r>
+            <a:r>
+              <a:rPr lang="en-US" dirty="0" err="1" smtClean="0">
+                <a:sym typeface="+mn-ea"/>
+              </a:rPr>
+              <a:t>Popovych</a:t>
+            </a:r>
+            <a:endParaRPr lang="en-US" dirty="0"/>
+          </a:p>
+          <a:p>
+            <a:pPr algn="ctr"/>
+            <a:endParaRPr lang="en-US" dirty="0"/>
+          </a:p>
+          <a:p>
+            <a:pPr algn="ctr"/>
+            <a:r>
+              <a:rPr lang="en-US" dirty="0">
+                <a:sym typeface="+mn-ea"/>
+              </a:rPr>
+              <a:t>Ivan </a:t>
+            </a:r>
+            <a:r>
+              <a:rPr lang="en-US" dirty="0" err="1">
+                <a:sym typeface="+mn-ea"/>
+              </a:rPr>
+              <a:t>Sapiga</a:t>
+            </a:r>
+            <a:endParaRPr lang="en-US" dirty="0"/>
+          </a:p>
+          <a:p>
+            <a:endParaRPr lang="en-US" dirty="0"/>
+          </a:p>
+        </p:txBody>
+      </p:sp>
+      <p:sp>
+        <p:nvSpPr>
+          <p:cNvPr id="7" name="Title 1"/>
+          <p:cNvSpPr>
+            <a:spLocks noGrp="1"/>
+          </p:cNvSpPr>
+          <p:nvPr/>
+        </p:nvSpPr>
+        <p:spPr>
+          <a:xfrm>
+            <a:off x="838200" y="4087495"/>
+            <a:ext cx="10515600" cy="1325563"/>
+          </a:xfrm>
+          <a:prstGeom prst="rect">
+            <a:avLst/>
+          </a:prstGeom>
+        </p:spPr>
+        <p:txBody>
+          <a:bodyPr vert="horz" lIns="91440" tIns="45720" rIns="91440" bIns="45720" rtlCol="0" anchor="ctr">
+            <a:normAutofit/>
+          </a:bodyPr>
+          <a:lstStyle>
+            <a:lvl1pPr algn="l" defTabSz="914400" rtl="0" eaLnBrk="1" latinLnBrk="0" hangingPunct="1">
+              <a:lnSpc>
+                <a:spcPct val="90000"/>
+              </a:lnSpc>
+              <a:spcBef>
+                <a:spcPct val="0"/>
+              </a:spcBef>
+              <a:buNone/>
+              <a:defRPr sz="4400" kern="1200">
+                <a:solidFill>
+                  <a:schemeClr val="tx1"/>
+                </a:solidFill>
+                <a:latin typeface="+mj-lt"/>
+                <a:ea typeface="+mj-ea"/>
+                <a:cs typeface="+mj-cs"/>
+              </a:defRPr>
+            </a:lvl1pPr>
+          </a:lstStyle>
+          <a:p>
+            <a:pPr algn="ctr"/>
+            <a:r>
+              <a:rPr lang="en-US" b="1"/>
+              <a:t>Mentor</a:t>
+            </a:r>
+          </a:p>
+        </p:txBody>
+      </p:sp>
+      <p:sp>
+        <p:nvSpPr>
+          <p:cNvPr id="8" name="Content Placeholder 2"/>
+          <p:cNvSpPr>
+            <a:spLocks noGrp="1"/>
+          </p:cNvSpPr>
+          <p:nvPr/>
+        </p:nvSpPr>
+        <p:spPr>
+          <a:xfrm>
+            <a:off x="3482340" y="5413375"/>
+            <a:ext cx="5227320" cy="1397000"/>
+          </a:xfrm>
+          <a:prstGeom prst="rect">
+            <a:avLst/>
+          </a:prstGeom>
+        </p:spPr>
+        <p:txBody>
+          <a:bodyPr vert="horz" lIns="91440" tIns="45720" rIns="91440" bIns="45720" rtlCol="0">
+            <a:normAutofit/>
+          </a:bodyPr>
+          <a:lstStyle>
+            <a:lvl1pPr marL="228600" indent="-228600" algn="l" defTabSz="914400" rtl="0" eaLnBrk="1" latinLnBrk="0" hangingPunct="1">
+              <a:lnSpc>
+                <a:spcPct val="90000"/>
+              </a:lnSpc>
+              <a:spcBef>
+                <a:spcPts val="1000"/>
+              </a:spcBef>
+              <a:buFont typeface="Arial" panose="020B0604020202020204" pitchFamily="34" charset="0"/>
+              <a:buChar char="•"/>
+              <a:defRPr sz="2800" kern="1200">
+                <a:solidFill>
+                  <a:schemeClr val="tx1"/>
+                </a:solidFill>
+                <a:latin typeface="+mn-lt"/>
+                <a:ea typeface="+mn-ea"/>
+                <a:cs typeface="+mn-cs"/>
+              </a:defRPr>
+            </a:lvl1pPr>
+            <a:lvl2pPr marL="685800" indent="-228600" algn="l" defTabSz="914400" rtl="0" eaLnBrk="1" latinLnBrk="0" hangingPunct="1">
+              <a:lnSpc>
+                <a:spcPct val="90000"/>
+              </a:lnSpc>
+              <a:spcBef>
+                <a:spcPts val="500"/>
+              </a:spcBef>
+              <a:buFont typeface="Arial" panose="020B0604020202020204" pitchFamily="34" charset="0"/>
+              <a:buChar char="•"/>
+              <a:defRPr sz="2400" kern="1200">
+                <a:solidFill>
+                  <a:schemeClr val="tx1"/>
+                </a:solidFill>
+                <a:latin typeface="+mn-lt"/>
+                <a:ea typeface="+mn-ea"/>
+                <a:cs typeface="+mn-cs"/>
+              </a:defRPr>
+            </a:lvl2pPr>
+            <a:lvl3pPr marL="1143000" indent="-228600" algn="l" defTabSz="914400" rtl="0" eaLnBrk="1" latinLnBrk="0" hangingPunct="1">
+              <a:lnSpc>
+                <a:spcPct val="90000"/>
+              </a:lnSpc>
+              <a:spcBef>
+                <a:spcPts val="500"/>
+              </a:spcBef>
+              <a:buFont typeface="Arial" panose="020B0604020202020204" pitchFamily="34" charset="0"/>
+              <a:buChar char="•"/>
+              <a:defRPr sz="2000" kern="1200">
+                <a:solidFill>
+                  <a:schemeClr val="tx1"/>
+                </a:solidFill>
+                <a:latin typeface="+mn-lt"/>
+                <a:ea typeface="+mn-ea"/>
+                <a:cs typeface="+mn-cs"/>
+              </a:defRPr>
+            </a:lvl3pPr>
+            <a:lvl4pPr marL="1600200" indent="-228600" algn="l" defTabSz="914400" rtl="0" eaLnBrk="1" latinLnBrk="0" hangingPunct="1">
+              <a:lnSpc>
+                <a:spcPct val="90000"/>
+              </a:lnSpc>
+              <a:spcBef>
+                <a:spcPts val="500"/>
+              </a:spcBef>
+              <a:buFont typeface="Arial" panose="020B0604020202020204" pitchFamily="34" charset="0"/>
+              <a:buChar char="•"/>
+              <a:defRPr sz="1800" kern="1200">
+                <a:solidFill>
+                  <a:schemeClr val="tx1"/>
+                </a:solidFill>
+                <a:latin typeface="+mn-lt"/>
+                <a:ea typeface="+mn-ea"/>
+                <a:cs typeface="+mn-cs"/>
+              </a:defRPr>
+            </a:lvl4pPr>
+            <a:lvl5pPr marL="2057400" indent="-228600" algn="l" defTabSz="914400" rtl="0" eaLnBrk="1" latinLnBrk="0" hangingPunct="1">
+              <a:lnSpc>
+                <a:spcPct val="90000"/>
+              </a:lnSpc>
+              <a:spcBef>
+                <a:spcPts val="500"/>
+              </a:spcBef>
+              <a:buFont typeface="Arial" panose="020B0604020202020204" pitchFamily="34" charset="0"/>
+              <a:buChar char="•"/>
+              <a:defRPr sz="1800" kern="1200">
+                <a:solidFill>
+                  <a:schemeClr val="tx1"/>
+                </a:solidFill>
+                <a:latin typeface="+mn-lt"/>
+                <a:ea typeface="+mn-ea"/>
+                <a:cs typeface="+mn-cs"/>
+              </a:defRPr>
+            </a:lvl5pPr>
+            <a:lvl6pPr marL="2514600" indent="-228600" algn="l" defTabSz="914400" rtl="0" eaLnBrk="1" latinLnBrk="0" hangingPunct="1">
+              <a:lnSpc>
+                <a:spcPct val="90000"/>
+              </a:lnSpc>
+              <a:spcBef>
+                <a:spcPts val="500"/>
+              </a:spcBef>
+              <a:buFont typeface="Arial" panose="020B0604020202020204" pitchFamily="34" charset="0"/>
+              <a:buChar char="•"/>
+              <a:defRPr sz="1800" kern="1200">
+                <a:solidFill>
+                  <a:schemeClr val="tx1"/>
+                </a:solidFill>
+                <a:latin typeface="+mn-lt"/>
+                <a:ea typeface="+mn-ea"/>
+                <a:cs typeface="+mn-cs"/>
+              </a:defRPr>
+            </a:lvl6pPr>
+            <a:lvl7pPr marL="2971800" indent="-228600" algn="l" defTabSz="914400" rtl="0" eaLnBrk="1" latinLnBrk="0" hangingPunct="1">
+              <a:lnSpc>
+                <a:spcPct val="90000"/>
+              </a:lnSpc>
+              <a:spcBef>
+                <a:spcPts val="500"/>
+              </a:spcBef>
+              <a:buFont typeface="Arial" panose="020B0604020202020204" pitchFamily="34" charset="0"/>
+              <a:buChar char="•"/>
+              <a:defRPr sz="1800" kern="1200">
+                <a:solidFill>
+                  <a:schemeClr val="tx1"/>
+                </a:solidFill>
+                <a:latin typeface="+mn-lt"/>
+                <a:ea typeface="+mn-ea"/>
+                <a:cs typeface="+mn-cs"/>
+              </a:defRPr>
+            </a:lvl7pPr>
+            <a:lvl8pPr marL="3429000" indent="-228600" algn="l" defTabSz="914400" rtl="0" eaLnBrk="1" latinLnBrk="0" hangingPunct="1">
+              <a:lnSpc>
+                <a:spcPct val="90000"/>
+              </a:lnSpc>
+              <a:spcBef>
+                <a:spcPts val="500"/>
+              </a:spcBef>
+              <a:buFont typeface="Arial" panose="020B0604020202020204" pitchFamily="34" charset="0"/>
+              <a:buChar char="•"/>
+              <a:defRPr sz="1800" kern="1200">
+                <a:solidFill>
+                  <a:schemeClr val="tx1"/>
+                </a:solidFill>
+                <a:latin typeface="+mn-lt"/>
+                <a:ea typeface="+mn-ea"/>
+                <a:cs typeface="+mn-cs"/>
+              </a:defRPr>
+            </a:lvl8pPr>
+            <a:lvl9pPr marL="3886200" indent="-228600" algn="l" defTabSz="914400" rtl="0" eaLnBrk="1" latinLnBrk="0" hangingPunct="1">
+              <a:lnSpc>
+                <a:spcPct val="90000"/>
+              </a:lnSpc>
+              <a:spcBef>
+                <a:spcPts val="500"/>
+              </a:spcBef>
+              <a:buFont typeface="Arial" panose="020B0604020202020204" pitchFamily="34" charset="0"/>
+              <a:buChar char="•"/>
+              <a:defRPr sz="1800" kern="1200">
+                <a:solidFill>
+                  <a:schemeClr val="tx1"/>
+                </a:solidFill>
+                <a:latin typeface="+mn-lt"/>
+                <a:ea typeface="+mn-ea"/>
+                <a:cs typeface="+mn-cs"/>
+              </a:defRPr>
+            </a:lvl9pPr>
+          </a:lstStyle>
+          <a:p>
+            <a:pPr algn="ctr"/>
+            <a:r>
+              <a:rPr lang="en-US" altLang="uk-UA">
+                <a:sym typeface="+mn-ea"/>
+              </a:rPr>
+              <a:t>Mykhailo Struchinskyi</a:t>
+            </a:r>
+          </a:p>
+        </p:txBody>
+      </p:sp>
+    </p:spTree>
+  </p:cSld>
+  <p:clrMapOvr>
+    <a:masterClrMapping/>
+  </p:clrMapOvr>
+</p:sld>
+</file>
+
+<file path=ppt/slides/slide3.xml><?xml version="1.0" encoding="utf-8"?>
+<p:sld xmlns:a="http://schemas.openxmlformats.org/drawingml/2006/main" xmlns:r="http://schemas.openxmlformats.org/officeDocument/2006/relationships" xmlns:p="http://schemas.openxmlformats.org/presentationml/2006/main">
+  <p:cSld>
+    <p:spTree>
+      <p:nvGrpSpPr>
+        <p:cNvPr id="1" name=""/>
+        <p:cNvGrpSpPr/>
+        <p:nvPr/>
+      </p:nvGrpSpPr>
+      <p:grpSpPr>
+        <a:xfrm>
+          <a:off x="0" y="0"/>
+          <a:ext cx="0" cy="0"/>
+          <a:chOff x="0" y="0"/>
+          <a:chExt cx="0" cy="0"/>
+        </a:xfrm>
+      </p:grpSpPr>
+      <p:sp>
+        <p:nvSpPr>
+          <p:cNvPr id="2" name="Заголовок 1"/>
+          <p:cNvSpPr>
+            <a:spLocks noGrp="1"/>
+          </p:cNvSpPr>
+          <p:nvPr>
+            <p:ph type="title"/>
+          </p:nvPr>
+        </p:nvSpPr>
+        <p:spPr/>
+        <p:txBody>
+          <a:bodyPr/>
+          <a:lstStyle/>
+          <a:p>
+            <a:pPr algn="ctr"/>
+            <a:r>
+              <a:rPr lang="en-US" altLang="ru-RU" b="1"/>
+              <a:t>Project overview</a:t>
+            </a:r>
+          </a:p>
+        </p:txBody>
+      </p:sp>
+      <p:pic>
+        <p:nvPicPr>
+          <p:cNvPr id="9" name="Замещающее содержимое 8" descr="noun_368125_cc"/>
+          <p:cNvPicPr>
+            <a:picLocks noGrp="1" noChangeAspect="1"/>
+          </p:cNvPicPr>
+          <p:nvPr>
+            <p:ph idx="1"/>
+          </p:nvPr>
+        </p:nvPicPr>
+        <p:blipFill>
+          <a:blip r:embed="rId2"/>
+          <a:stretch>
+            <a:fillRect/>
+          </a:stretch>
+        </p:blipFill>
+        <p:spPr>
+          <a:xfrm>
+            <a:off x="5715" y="2968625"/>
+            <a:ext cx="3890010" cy="3890010"/>
+          </a:xfrm>
+          <a:prstGeom prst="rect">
+            <a:avLst/>
+          </a:prstGeom>
+        </p:spPr>
+      </p:pic>
+      <p:pic>
+        <p:nvPicPr>
+          <p:cNvPr id="12" name="Замещающее содержимое 11" descr="noun_368126_cc"/>
+          <p:cNvPicPr>
+            <a:picLocks noGrp="1" noChangeAspect="1"/>
+          </p:cNvPicPr>
+          <p:nvPr>
+            <p:ph sz="half" idx="2"/>
+          </p:nvPr>
+        </p:nvPicPr>
+        <p:blipFill>
+          <a:blip r:embed="rId3"/>
+          <a:stretch>
+            <a:fillRect/>
+          </a:stretch>
+        </p:blipFill>
+        <p:spPr>
+          <a:xfrm>
+            <a:off x="3618230" y="2966720"/>
+            <a:ext cx="3891629" cy="3891629"/>
+          </a:xfrm>
+          <a:prstGeom prst="rect">
+            <a:avLst/>
+          </a:prstGeom>
+        </p:spPr>
+      </p:pic>
+      <p:pic>
+        <p:nvPicPr>
+          <p:cNvPr id="13" name="Изображение 12" descr="noun_368127_cc"/>
+          <p:cNvPicPr>
+            <a:picLocks noChangeAspect="1"/>
+          </p:cNvPicPr>
+          <p:nvPr/>
+        </p:nvPicPr>
+        <p:blipFill>
+          <a:blip r:embed="rId4"/>
+          <a:stretch>
+            <a:fillRect/>
+          </a:stretch>
+        </p:blipFill>
+        <p:spPr>
+          <a:xfrm>
+            <a:off x="7757160" y="2966720"/>
+            <a:ext cx="3891629" cy="3891629"/>
+          </a:xfrm>
+          <a:prstGeom prst="rect">
+            <a:avLst/>
+          </a:prstGeom>
+        </p:spPr>
+      </p:pic>
+      <p:sp>
+        <p:nvSpPr>
+          <p:cNvPr id="4" name="Текстовое поле 3"/>
+          <p:cNvSpPr txBox="1"/>
+          <p:nvPr/>
+        </p:nvSpPr>
+        <p:spPr>
+          <a:xfrm>
+            <a:off x="721360" y="1605280"/>
+            <a:ext cx="10749280" cy="368300"/>
+          </a:xfrm>
+          <a:prstGeom prst="rect">
+            <a:avLst/>
+          </a:prstGeom>
+          <a:noFill/>
+        </p:spPr>
+        <p:txBody>
+          <a:bodyPr wrap="square" rtlCol="0">
+            <a:spAutoFit/>
+          </a:bodyPr>
+          <a:lstStyle/>
+          <a:p>
+            <a:r>
+              <a:rPr lang="en-US" altLang="ru-RU" dirty="0"/>
+              <a:t>Our service is created to control water level in your bottle within android app</a:t>
+            </a:r>
+          </a:p>
+        </p:txBody>
+      </p:sp>
+    </p:spTree>
+  </p:cSld>
+  <p:clrMapOvr>
+    <a:masterClrMapping/>
+  </p:clrMapOvr>
+</p:sld>
+</file>
+
+<file path=ppt/slides/slide4.xml><?xml version="1.0" encoding="utf-8"?>
+<p:sld xmlns:a="http://schemas.openxmlformats.org/drawingml/2006/main" xmlns:r="http://schemas.openxmlformats.org/officeDocument/2006/relationships" xmlns:p="http://schemas.openxmlformats.org/presentationml/2006/main">
+  <p:cSld>
+    <p:spTree>
+      <p:nvGrpSpPr>
+        <p:cNvPr id="1" name=""/>
+        <p:cNvGrpSpPr/>
+        <p:nvPr/>
+      </p:nvGrpSpPr>
+      <p:grpSpPr>
+        <a:xfrm>
+          <a:off x="0" y="0"/>
+          <a:ext cx="0" cy="0"/>
+          <a:chOff x="0" y="0"/>
+          <a:chExt cx="0" cy="0"/>
+        </a:xfrm>
+      </p:grpSpPr>
+      <p:sp>
+        <p:nvSpPr>
+          <p:cNvPr id="2" name="Заголовок 1"/>
+          <p:cNvSpPr>
+            <a:spLocks noGrp="1"/>
+          </p:cNvSpPr>
+          <p:nvPr>
+            <p:ph type="title"/>
+          </p:nvPr>
+        </p:nvSpPr>
+        <p:spPr/>
+        <p:txBody>
+          <a:bodyPr/>
+          <a:lstStyle/>
+          <a:p>
+            <a:pPr algn="ctr"/>
+            <a:r>
+              <a:rPr lang="en-US" altLang="ru-RU" b="1"/>
+              <a:t>Dataflow</a:t>
+            </a:r>
+          </a:p>
+        </p:txBody>
+      </p:sp>
+      <p:pic>
+        <p:nvPicPr>
+          <p:cNvPr id="3" name="Рисунок 2"/>
+          <p:cNvPicPr>
+            <a:picLocks noChangeAspect="1"/>
+          </p:cNvPicPr>
+          <p:nvPr/>
+        </p:nvPicPr>
+        <p:blipFill>
+          <a:blip r:embed="rId2"/>
+          <a:stretch>
+            <a:fillRect/>
+          </a:stretch>
+        </p:blipFill>
+        <p:spPr>
+          <a:xfrm>
+            <a:off x="8782293" y="1027906"/>
+            <a:ext cx="2770262" cy="4994275"/>
+          </a:xfrm>
+          <a:prstGeom prst="rect">
+            <a:avLst/>
+          </a:prstGeom>
+        </p:spPr>
+      </p:pic>
+      <p:pic>
+        <p:nvPicPr>
+          <p:cNvPr id="6" name="Рисунок 5"/>
+          <p:cNvPicPr>
+            <a:picLocks noChangeAspect="1"/>
+          </p:cNvPicPr>
+          <p:nvPr/>
+        </p:nvPicPr>
+        <p:blipFill>
+          <a:blip r:embed="rId3"/>
+          <a:stretch>
+            <a:fillRect/>
+          </a:stretch>
+        </p:blipFill>
+        <p:spPr>
+          <a:xfrm>
+            <a:off x="709119" y="1690688"/>
+            <a:ext cx="7874419" cy="3991372"/>
+          </a:xfrm>
+          <a:prstGeom prst="rect">
+            <a:avLst/>
+          </a:prstGeom>
+        </p:spPr>
+      </p:pic>
+    </p:spTree>
+  </p:cSld>
+  <p:clrMapOvr>
+    <a:masterClrMapping/>
+  </p:clrMapOvr>
+</p:sld>
+</file>
+
+<file path=ppt/slides/slide5.xml><?xml version="1.0" encoding="utf-8"?>
+<p:sld xmlns:a="http://schemas.openxmlformats.org/drawingml/2006/main" xmlns:r="http://schemas.openxmlformats.org/officeDocument/2006/relationships" xmlns:p="http://schemas.openxmlformats.org/presentationml/2006/main">
+  <p:cSld>
+    <p:spTree>
+      <p:nvGrpSpPr>
+        <p:cNvPr id="1" name=""/>
+        <p:cNvGrpSpPr/>
+        <p:nvPr/>
+      </p:nvGrpSpPr>
+      <p:grpSpPr>
+        <a:xfrm>
+          <a:off x="0" y="0"/>
+          <a:ext cx="0" cy="0"/>
+          <a:chOff x="0" y="0"/>
+          <a:chExt cx="0" cy="0"/>
+        </a:xfrm>
+      </p:grpSpPr>
+      <p:sp>
+        <p:nvSpPr>
+          <p:cNvPr id="2" name="Заголовок 1"/>
+          <p:cNvSpPr>
+            <a:spLocks noGrp="1"/>
+          </p:cNvSpPr>
+          <p:nvPr>
+            <p:ph type="title"/>
+          </p:nvPr>
+        </p:nvSpPr>
+        <p:spPr/>
+        <p:txBody>
+          <a:bodyPr/>
+          <a:lstStyle/>
+          <a:p>
+            <a:pPr algn="ctr"/>
+            <a:r>
+              <a:rPr lang="en-US" altLang="en-US" b="1"/>
+              <a:t>How does it work</a:t>
+            </a:r>
+          </a:p>
+        </p:txBody>
+      </p:sp>
+      <p:sp>
+        <p:nvSpPr>
+          <p:cNvPr id="3" name="Замещающее содержимое 2"/>
+          <p:cNvSpPr>
+            <a:spLocks noGrp="1"/>
+          </p:cNvSpPr>
+          <p:nvPr>
+            <p:ph idx="1"/>
+          </p:nvPr>
+        </p:nvSpPr>
+        <p:spPr/>
+        <p:txBody>
+          <a:bodyPr/>
+          <a:lstStyle/>
+          <a:p>
+            <a:pPr marL="0" indent="0">
+              <a:buNone/>
+            </a:pPr>
+            <a:endParaRPr lang="ru-RU" altLang="en-US"/>
+          </a:p>
+        </p:txBody>
+      </p:sp>
+    </p:spTree>
+  </p:cSld>
+  <p:clrMapOvr>
+    <a:masterClrMapping/>
+  </p:clrMapOvr>
+</p:sld>
+</file>
+
+<file path=ppt/slides/slide6.xml><?xml version="1.0" encoding="utf-8"?>
+<p:sld xmlns:a="http://schemas.openxmlformats.org/drawingml/2006/main" xmlns:r="http://schemas.openxmlformats.org/officeDocument/2006/relationships" xmlns:p="http://schemas.openxmlformats.org/presentationml/2006/main">
+  <p:cSld>
+    <p:spTree>
+      <p:nvGrpSpPr>
+        <p:cNvPr id="1" name=""/>
+        <p:cNvGrpSpPr/>
+        <p:nvPr/>
+      </p:nvGrpSpPr>
+      <p:grpSpPr>
+        <a:xfrm>
+          <a:off x="0" y="0"/>
+          <a:ext cx="0" cy="0"/>
+          <a:chOff x="0" y="0"/>
+          <a:chExt cx="0" cy="0"/>
+        </a:xfrm>
+      </p:grpSpPr>
+      <p:sp>
+        <p:nvSpPr>
+          <p:cNvPr id="2" name="Заголовок 1"/>
+          <p:cNvSpPr>
+            <a:spLocks noGrp="1"/>
+          </p:cNvSpPr>
+          <p:nvPr>
+            <p:ph type="title"/>
+          </p:nvPr>
+        </p:nvSpPr>
+        <p:spPr/>
+        <p:txBody>
+          <a:bodyPr/>
+          <a:lstStyle/>
+          <a:p>
+            <a:pPr algn="ctr"/>
+            <a:r>
+              <a:rPr lang="en-US" altLang="uk-UA" b="1"/>
+              <a:t>Features</a:t>
+            </a:r>
+          </a:p>
+        </p:txBody>
+      </p:sp>
+      <p:sp>
+        <p:nvSpPr>
+          <p:cNvPr id="3" name="Замещающее содержимое 2"/>
+          <p:cNvSpPr>
+            <a:spLocks noGrp="1"/>
+          </p:cNvSpPr>
+          <p:nvPr>
+            <p:ph idx="1"/>
+          </p:nvPr>
+        </p:nvSpPr>
+        <p:spPr>
+          <a:xfrm>
+            <a:off x="838200" y="1825625"/>
+            <a:ext cx="10515600" cy="1506855"/>
+          </a:xfrm>
+        </p:spPr>
+        <p:txBody>
+          <a:bodyPr>
+            <a:normAutofit/>
+          </a:bodyPr>
+          <a:lstStyle/>
+          <a:p>
+            <a:r>
+              <a:rPr lang="en-US" altLang="ru-RU" dirty="0"/>
+              <a:t>Refresh </a:t>
+            </a:r>
+            <a:r>
+              <a:rPr lang="en-US" altLang="ru-RU" dirty="0" smtClean="0"/>
+              <a:t>level’s all your devices </a:t>
+            </a:r>
+            <a:r>
+              <a:rPr lang="en-US" altLang="ru-RU" dirty="0"/>
+              <a:t>in android app</a:t>
+            </a:r>
+          </a:p>
+          <a:p>
+            <a:r>
+              <a:rPr lang="en-US" altLang="ru-RU" dirty="0"/>
+              <a:t>Level change prediction</a:t>
+            </a:r>
+          </a:p>
+          <a:p>
+            <a:r>
+              <a:rPr lang="en-US" altLang="ru-RU" dirty="0"/>
+              <a:t>Encrypted communication channel</a:t>
+            </a:r>
+          </a:p>
+        </p:txBody>
+      </p:sp>
+      <p:sp>
+        <p:nvSpPr>
+          <p:cNvPr id="4" name="Заголовок 1"/>
+          <p:cNvSpPr>
+            <a:spLocks noGrp="1"/>
+          </p:cNvSpPr>
+          <p:nvPr/>
+        </p:nvSpPr>
+        <p:spPr>
+          <a:xfrm>
+            <a:off x="838200" y="3082925"/>
+            <a:ext cx="10515600" cy="1325563"/>
+          </a:xfrm>
+          <a:prstGeom prst="rect">
+            <a:avLst/>
+          </a:prstGeom>
+        </p:spPr>
+        <p:txBody>
+          <a:bodyPr vert="horz" lIns="91440" tIns="45720" rIns="91440" bIns="45720" rtlCol="0" anchor="ctr">
+            <a:normAutofit/>
+          </a:bodyPr>
+          <a:lstStyle>
+            <a:lvl1pPr algn="l" defTabSz="914400" rtl="0" eaLnBrk="1" latinLnBrk="0" hangingPunct="1">
+              <a:lnSpc>
+                <a:spcPct val="90000"/>
+              </a:lnSpc>
+              <a:spcBef>
+                <a:spcPct val="0"/>
+              </a:spcBef>
+              <a:buNone/>
+              <a:defRPr sz="4400" kern="1200">
+                <a:solidFill>
+                  <a:schemeClr val="tx1"/>
+                </a:solidFill>
+                <a:latin typeface="+mj-lt"/>
+                <a:ea typeface="+mj-ea"/>
+                <a:cs typeface="+mj-cs"/>
+              </a:defRPr>
+            </a:lvl1pPr>
+          </a:lstStyle>
+          <a:p>
+            <a:pPr algn="ctr"/>
+            <a:r>
+              <a:rPr lang="en-US" altLang="uk-UA" b="1" dirty="0"/>
+              <a:t>Future Features</a:t>
+            </a:r>
+          </a:p>
+        </p:txBody>
+      </p:sp>
+      <p:sp>
+        <p:nvSpPr>
+          <p:cNvPr id="5" name="Замещающее содержимое 2"/>
+          <p:cNvSpPr>
+            <a:spLocks noGrp="1"/>
+          </p:cNvSpPr>
+          <p:nvPr/>
+        </p:nvSpPr>
+        <p:spPr>
+          <a:xfrm>
+            <a:off x="838200" y="4408805"/>
+            <a:ext cx="10515600" cy="1506855"/>
+          </a:xfrm>
+          <a:prstGeom prst="rect">
+            <a:avLst/>
+          </a:prstGeom>
+        </p:spPr>
+        <p:txBody>
+          <a:bodyPr vert="horz" lIns="91440" tIns="45720" rIns="91440" bIns="45720" rtlCol="0">
+            <a:normAutofit/>
+          </a:bodyPr>
+          <a:lstStyle>
+            <a:lvl1pPr marL="228600" indent="-228600" algn="l" defTabSz="914400" rtl="0" eaLnBrk="1" latinLnBrk="0" hangingPunct="1">
+              <a:lnSpc>
+                <a:spcPct val="90000"/>
+              </a:lnSpc>
+              <a:spcBef>
+                <a:spcPts val="1000"/>
+              </a:spcBef>
+              <a:buFont typeface="Arial" panose="020B0604020202020204" pitchFamily="34" charset="0"/>
+              <a:buChar char="•"/>
+              <a:defRPr sz="2800" kern="1200">
+                <a:solidFill>
+                  <a:schemeClr val="tx1"/>
+                </a:solidFill>
+                <a:latin typeface="+mn-lt"/>
+                <a:ea typeface="+mn-ea"/>
+                <a:cs typeface="+mn-cs"/>
+              </a:defRPr>
+            </a:lvl1pPr>
+            <a:lvl2pPr marL="685800" indent="-228600" algn="l" defTabSz="914400" rtl="0" eaLnBrk="1" latinLnBrk="0" hangingPunct="1">
+              <a:lnSpc>
+                <a:spcPct val="90000"/>
+              </a:lnSpc>
+              <a:spcBef>
+                <a:spcPts val="500"/>
+              </a:spcBef>
+              <a:buFont typeface="Arial" panose="020B0604020202020204" pitchFamily="34" charset="0"/>
+              <a:buChar char="•"/>
+              <a:defRPr sz="2400" kern="1200">
+                <a:solidFill>
+                  <a:schemeClr val="tx1"/>
+                </a:solidFill>
+                <a:latin typeface="+mn-lt"/>
+                <a:ea typeface="+mn-ea"/>
+                <a:cs typeface="+mn-cs"/>
+              </a:defRPr>
+            </a:lvl2pPr>
+            <a:lvl3pPr marL="1143000" indent="-228600" algn="l" defTabSz="914400" rtl="0" eaLnBrk="1" latinLnBrk="0" hangingPunct="1">
+              <a:lnSpc>
+                <a:spcPct val="90000"/>
+              </a:lnSpc>
+              <a:spcBef>
+                <a:spcPts val="500"/>
+              </a:spcBef>
+              <a:buFont typeface="Arial" panose="020B0604020202020204" pitchFamily="34" charset="0"/>
+              <a:buChar char="•"/>
+              <a:defRPr sz="2000" kern="1200">
+                <a:solidFill>
+                  <a:schemeClr val="tx1"/>
+                </a:solidFill>
+                <a:latin typeface="+mn-lt"/>
+                <a:ea typeface="+mn-ea"/>
+                <a:cs typeface="+mn-cs"/>
+              </a:defRPr>
+            </a:lvl3pPr>
+            <a:lvl4pPr marL="1600200" indent="-228600" algn="l" defTabSz="914400" rtl="0" eaLnBrk="1" latinLnBrk="0" hangingPunct="1">
+              <a:lnSpc>
+                <a:spcPct val="90000"/>
+              </a:lnSpc>
+              <a:spcBef>
+                <a:spcPts val="500"/>
+              </a:spcBef>
+              <a:buFont typeface="Arial" panose="020B0604020202020204" pitchFamily="34" charset="0"/>
+              <a:buChar char="•"/>
+              <a:defRPr sz="1800" kern="1200">
+                <a:solidFill>
+                  <a:schemeClr val="tx1"/>
+                </a:solidFill>
+                <a:latin typeface="+mn-lt"/>
+                <a:ea typeface="+mn-ea"/>
+                <a:cs typeface="+mn-cs"/>
+              </a:defRPr>
+            </a:lvl4pPr>
+            <a:lvl5pPr marL="2057400" indent="-228600" algn="l" defTabSz="914400" rtl="0" eaLnBrk="1" latinLnBrk="0" hangingPunct="1">
+              <a:lnSpc>
+                <a:spcPct val="90000"/>
+              </a:lnSpc>
+              <a:spcBef>
+                <a:spcPts val="500"/>
+              </a:spcBef>
+              <a:buFont typeface="Arial" panose="020B0604020202020204" pitchFamily="34" charset="0"/>
+              <a:buChar char="•"/>
+              <a:defRPr sz="1800" kern="1200">
+                <a:solidFill>
+                  <a:schemeClr val="tx1"/>
+                </a:solidFill>
+                <a:latin typeface="+mn-lt"/>
+                <a:ea typeface="+mn-ea"/>
+                <a:cs typeface="+mn-cs"/>
+              </a:defRPr>
+            </a:lvl5pPr>
+            <a:lvl6pPr marL="2514600" indent="-228600" algn="l" defTabSz="914400" rtl="0" eaLnBrk="1" latinLnBrk="0" hangingPunct="1">
+              <a:lnSpc>
+                <a:spcPct val="90000"/>
+              </a:lnSpc>
+              <a:spcBef>
+                <a:spcPts val="500"/>
+              </a:spcBef>
+              <a:buFont typeface="Arial" panose="020B0604020202020204" pitchFamily="34" charset="0"/>
+              <a:buChar char="•"/>
+              <a:defRPr sz="1800" kern="1200">
+                <a:solidFill>
+                  <a:schemeClr val="tx1"/>
+                </a:solidFill>
+                <a:latin typeface="+mn-lt"/>
+                <a:ea typeface="+mn-ea"/>
+                <a:cs typeface="+mn-cs"/>
+              </a:defRPr>
+            </a:lvl6pPr>
+            <a:lvl7pPr marL="2971800" indent="-228600" algn="l" defTabSz="914400" rtl="0" eaLnBrk="1" latinLnBrk="0" hangingPunct="1">
+              <a:lnSpc>
+                <a:spcPct val="90000"/>
+              </a:lnSpc>
+              <a:spcBef>
+                <a:spcPts val="500"/>
+              </a:spcBef>
+              <a:buFont typeface="Arial" panose="020B0604020202020204" pitchFamily="34" charset="0"/>
+              <a:buChar char="•"/>
+              <a:defRPr sz="1800" kern="1200">
+                <a:solidFill>
+                  <a:schemeClr val="tx1"/>
+                </a:solidFill>
+                <a:latin typeface="+mn-lt"/>
+                <a:ea typeface="+mn-ea"/>
+                <a:cs typeface="+mn-cs"/>
+              </a:defRPr>
+            </a:lvl7pPr>
+            <a:lvl8pPr marL="3429000" indent="-228600" algn="l" defTabSz="914400" rtl="0" eaLnBrk="1" latinLnBrk="0" hangingPunct="1">
+              <a:lnSpc>
+                <a:spcPct val="90000"/>
+              </a:lnSpc>
+              <a:spcBef>
+                <a:spcPts val="500"/>
+              </a:spcBef>
+              <a:buFont typeface="Arial" panose="020B0604020202020204" pitchFamily="34" charset="0"/>
+              <a:buChar char="•"/>
+              <a:defRPr sz="1800" kern="1200">
+                <a:solidFill>
+                  <a:schemeClr val="tx1"/>
+                </a:solidFill>
+                <a:latin typeface="+mn-lt"/>
+                <a:ea typeface="+mn-ea"/>
+                <a:cs typeface="+mn-cs"/>
+              </a:defRPr>
+            </a:lvl8pPr>
+            <a:lvl9pPr marL="3886200" indent="-228600" algn="l" defTabSz="914400" rtl="0" eaLnBrk="1" latinLnBrk="0" hangingPunct="1">
+              <a:lnSpc>
+                <a:spcPct val="90000"/>
+              </a:lnSpc>
+              <a:spcBef>
+                <a:spcPts val="500"/>
+              </a:spcBef>
+              <a:buFont typeface="Arial" panose="020B0604020202020204" pitchFamily="34" charset="0"/>
+              <a:buChar char="•"/>
+              <a:defRPr sz="1800" kern="1200">
+                <a:solidFill>
+                  <a:schemeClr val="tx1"/>
+                </a:solidFill>
+                <a:latin typeface="+mn-lt"/>
+                <a:ea typeface="+mn-ea"/>
+                <a:cs typeface="+mn-cs"/>
+              </a:defRPr>
+            </a:lvl9pPr>
+          </a:lstStyle>
+          <a:p>
+            <a:r>
+              <a:rPr lang="en-US" altLang="ru-RU" dirty="0"/>
               <a:t>Binding user and bottle id via QR code</a:t>
             </a:r>
-            <a:endParaRPr lang="en-US" altLang="ru-RU"/>
-          </a:p>
-          <a:p>
-            <a:r>
-              <a:rPr lang="en-US" altLang="uk-UA"/>
+          </a:p>
+          <a:p>
+            <a:r>
+              <a:rPr lang="en-US" altLang="uk-UA" dirty="0"/>
               <a:t>Increase test coverage</a:t>
             </a:r>
-            <a:endParaRPr lang="en-US" altLang="uk-UA"/>
-          </a:p>
-        </p:txBody>
-      </p:sp>
+          </a:p>
+        </p:txBody>
+      </p:sp>
+    </p:spTree>
+  </p:cSld>
+  <p:clrMapOvr>
+    <a:masterClrMapping/>
+  </p:clrMapOvr>
+</p:sld>
+</file>
+
+<file path=ppt/slides/slide7.xml><?xml version="1.0" encoding="utf-8"?>
+<p:sld xmlns:a="http://schemas.openxmlformats.org/drawingml/2006/main" xmlns:r="http://schemas.openxmlformats.org/officeDocument/2006/relationships" xmlns:p="http://schemas.openxmlformats.org/presentationml/2006/main">
+  <p:cSld>
+    <p:spTree>
+      <p:nvGrpSpPr>
+        <p:cNvPr id="1" name=""/>
+        <p:cNvGrpSpPr/>
+        <p:nvPr/>
+      </p:nvGrpSpPr>
+      <p:grpSpPr>
+        <a:xfrm>
+          <a:off x="0" y="0"/>
+          <a:ext cx="0" cy="0"/>
+          <a:chOff x="0" y="0"/>
+          <a:chExt cx="0" cy="0"/>
+        </a:xfrm>
+      </p:grpSpPr>
+      <p:sp>
+        <p:nvSpPr>
+          <p:cNvPr id="2" name="Заголовок 1"/>
+          <p:cNvSpPr>
+            <a:spLocks noGrp="1"/>
+          </p:cNvSpPr>
+          <p:nvPr>
+            <p:ph type="title"/>
+          </p:nvPr>
+        </p:nvSpPr>
+        <p:spPr/>
+        <p:txBody>
+          <a:bodyPr/>
+          <a:lstStyle/>
+          <a:p>
+            <a:pPr algn="ctr"/>
+            <a:r>
+              <a:rPr lang="en-US" altLang="uk-UA" b="1"/>
+              <a:t>idea</a:t>
+            </a:r>
+          </a:p>
+        </p:txBody>
+      </p:sp>
+      <p:sp>
+        <p:nvSpPr>
+          <p:cNvPr id="3" name="Замещающее содержимое 2"/>
+          <p:cNvSpPr>
+            <a:spLocks noGrp="1"/>
+          </p:cNvSpPr>
+          <p:nvPr>
+            <p:ph sz="half" idx="1"/>
+          </p:nvPr>
+        </p:nvSpPr>
+        <p:spPr/>
+        <p:txBody>
+          <a:bodyPr/>
+          <a:lstStyle/>
+          <a:p>
+            <a:pPr marL="0" indent="0" algn="ctr">
+              <a:buNone/>
+            </a:pPr>
+            <a:r>
+              <a:rPr lang="en-US" altLang="ru-RU" dirty="0" err="1"/>
+              <a:t>Posibility</a:t>
+            </a:r>
+            <a:r>
+              <a:rPr lang="en-US" altLang="ru-RU" dirty="0"/>
+              <a:t> to refresh current level in android app</a:t>
+            </a:r>
+          </a:p>
+        </p:txBody>
+      </p:sp>
+      <p:sp>
+        <p:nvSpPr>
+          <p:cNvPr id="4" name="Заголовок 1"/>
+          <p:cNvSpPr>
+            <a:spLocks noGrp="1"/>
+          </p:cNvSpPr>
+          <p:nvPr/>
+        </p:nvSpPr>
+        <p:spPr>
+          <a:xfrm>
+            <a:off x="838200" y="3101340"/>
+            <a:ext cx="10515600" cy="1325563"/>
+          </a:xfrm>
+          <a:prstGeom prst="rect">
+            <a:avLst/>
+          </a:prstGeom>
+        </p:spPr>
+        <p:txBody>
+          <a:bodyPr vert="horz" lIns="91440" tIns="45720" rIns="91440" bIns="45720" rtlCol="0" anchor="ctr">
+            <a:normAutofit/>
+          </a:bodyPr>
+          <a:lstStyle>
+            <a:lvl1pPr algn="l" defTabSz="914400" rtl="0" eaLnBrk="1" latinLnBrk="0" hangingPunct="1">
+              <a:lnSpc>
+                <a:spcPct val="90000"/>
+              </a:lnSpc>
+              <a:spcBef>
+                <a:spcPct val="0"/>
+              </a:spcBef>
+              <a:buNone/>
+              <a:defRPr sz="4400" kern="1200">
+                <a:solidFill>
+                  <a:schemeClr val="tx1"/>
+                </a:solidFill>
+                <a:latin typeface="+mj-lt"/>
+                <a:ea typeface="+mj-ea"/>
+                <a:cs typeface="+mj-cs"/>
+              </a:defRPr>
+            </a:lvl1pPr>
+          </a:lstStyle>
+          <a:p>
+            <a:pPr algn="ctr"/>
+            <a:r>
+              <a:rPr lang="en-US" altLang="uk-UA" b="1"/>
+              <a:t>Technologies</a:t>
+            </a:r>
+          </a:p>
+        </p:txBody>
+      </p:sp>
+      <p:pic>
+        <p:nvPicPr>
+          <p:cNvPr id="8" name="Изображение 6" descr="MySQL-logo-F6FF285A58-seeklogo.com"/>
+          <p:cNvPicPr>
+            <a:picLocks noChangeAspect="1"/>
+          </p:cNvPicPr>
+          <p:nvPr/>
+        </p:nvPicPr>
+        <p:blipFill>
+          <a:blip r:embed="rId2"/>
+          <a:stretch>
+            <a:fillRect/>
+          </a:stretch>
+        </p:blipFill>
+        <p:spPr>
+          <a:xfrm>
+            <a:off x="685799" y="4533900"/>
+            <a:ext cx="3231863" cy="1911668"/>
+          </a:xfrm>
+          <a:prstGeom prst="rect">
+            <a:avLst/>
+          </a:prstGeom>
+        </p:spPr>
+      </p:pic>
+      <p:pic>
+        <p:nvPicPr>
+          <p:cNvPr id="9" name="Изображение 9" descr="Android_Studio_icon.svg"/>
+          <p:cNvPicPr>
+            <a:picLocks noChangeAspect="1"/>
+          </p:cNvPicPr>
+          <p:nvPr/>
+        </p:nvPicPr>
+        <p:blipFill>
+          <a:blip r:embed="rId3"/>
+          <a:stretch>
+            <a:fillRect/>
+          </a:stretch>
+        </p:blipFill>
+        <p:spPr>
+          <a:xfrm>
+            <a:off x="4875544" y="4811394"/>
+            <a:ext cx="1634174" cy="1634174"/>
+          </a:xfrm>
+          <a:prstGeom prst="rect">
+            <a:avLst/>
+          </a:prstGeom>
+        </p:spPr>
+      </p:pic>
+      <p:pic>
+        <p:nvPicPr>
+          <p:cNvPr id="8194" name="Picture 2" descr="ÐÐ¾Ð²âÑÐ·Ð°Ð½Ðµ Ð·Ð¾Ð±ÑÐ°Ð¶ÐµÐ½Ð½Ñ"/>
+          <p:cNvPicPr>
+            <a:picLocks noChangeAspect="1" noChangeArrowheads="1"/>
+          </p:cNvPicPr>
+          <p:nvPr/>
+        </p:nvPicPr>
+        <p:blipFill>
+          <a:blip r:embed="rId4" cstate="print">
+            <a:extLst>
+              <a:ext uri="{28A0092B-C50C-407E-A947-70E740481C1C}">
+                <a14:useLocalDpi xmlns:a14="http://schemas.microsoft.com/office/drawing/2010/main" val="0"/>
+              </a:ext>
+            </a:extLst>
+          </a:blip>
+          <a:srcRect/>
+          <a:stretch>
+            <a:fillRect/>
+          </a:stretch>
+        </p:blipFill>
+        <p:spPr bwMode="auto">
+          <a:xfrm>
+            <a:off x="7467600" y="4885531"/>
+            <a:ext cx="4251324" cy="1485900"/>
+          </a:xfrm>
+          <a:prstGeom prst="rect">
+            <a:avLst/>
+          </a:prstGeom>
+          <a:noFill/>
+          <a:extLst>
+            <a:ext uri="{909E8E84-426E-40DD-AFC4-6F175D3DCCD1}">
+              <a14:hiddenFill xmlns:a14="http://schemas.microsoft.com/office/drawing/2010/main">
+                <a:solidFill>
+                  <a:srgbClr val="FFFFFF"/>
+                </a:solidFill>
+              </a14:hiddenFill>
+            </a:ext>
+          </a:extLst>
+        </p:spPr>
+      </p:pic>
     </p:spTree>
   </p:cSld>
   <p:clrMapOvr>
@@ -5404,10 +5720,17 @@
         <p:cNvGrpSpPr/>
         <p:nvPr/>
       </p:nvGrpSpPr>
-      <p:grpSpPr/>
-      <p:sp>
-        <p:nvSpPr>
-          <p:cNvPr id="2" name="Заголовок 1"/>
+      <p:grpSpPr>
+        <a:xfrm>
+          <a:off x="0" y="0"/>
+          <a:ext cx="0" cy="0"/>
+          <a:chOff x="0" y="0"/>
+          <a:chExt cx="0" cy="0"/>
+        </a:xfrm>
+      </p:grpSpPr>
+      <p:sp>
+        <p:nvSpPr>
+          <p:cNvPr id="2" name="Title 1"/>
           <p:cNvSpPr>
             <a:spLocks noGrp="1"/>
           </p:cNvSpPr>
@@ -5415,55 +5738,87 @@
             <p:ph type="title"/>
           </p:nvPr>
         </p:nvSpPr>
-        <p:spPr/>
-        <p:txBody>
-          <a:bodyPr/>
+        <p:spPr>
+          <a:xfrm>
+            <a:off x="838200" y="3577590"/>
+            <a:ext cx="10515600" cy="1325563"/>
+          </a:xfrm>
+        </p:spPr>
+        <p:txBody>
+          <a:bodyPr>
+            <a:normAutofit/>
+          </a:bodyPr>
+          <a:lstStyle/>
           <a:p>
             <a:pPr algn="ctr"/>
             <a:r>
-              <a:rPr lang="en-US" altLang="uk-UA" b="1"/>
-              <a:t>idea</a:t>
-            </a:r>
-            <a:endParaRPr lang="en-US" altLang="uk-UA" b="1"/>
-          </a:p>
-        </p:txBody>
-      </p:sp>
-      <p:sp>
-        <p:nvSpPr>
-          <p:cNvPr id="3" name="Замещающее содержимое 2"/>
-          <p:cNvSpPr>
-            <a:spLocks noGrp="1"/>
-          </p:cNvSpPr>
-          <p:nvPr>
-            <p:ph sz="half" idx="1"/>
-          </p:nvPr>
-        </p:nvSpPr>
-        <p:spPr/>
-        <p:txBody>
-          <a:bodyPr/>
-          <a:p>
-            <a:pPr marL="0" indent="0" algn="ctr">
-              <a:buNone/>
-            </a:pPr>
-            <a:r>
-              <a:rPr lang="en-US" altLang="ru-RU"/>
-              <a:t>Posibility to refresh current level in android app</a:t>
-            </a:r>
-            <a:endParaRPr lang="en-US" altLang="ru-RU"/>
-          </a:p>
-        </p:txBody>
-      </p:sp>
-      <p:sp>
-        <p:nvSpPr>
-          <p:cNvPr id="4" name="Заголовок 1"/>
-          <p:cNvSpPr>
-            <a:spLocks noGrp="1"/>
-          </p:cNvSpPr>
+              <a:rPr lang="en-US" b="1"/>
+              <a:t>Technologies</a:t>
+            </a:r>
+          </a:p>
+        </p:txBody>
+      </p:sp>
+      <p:pic>
+        <p:nvPicPr>
+          <p:cNvPr id="5" name="Content Placeholder 4"/>
+          <p:cNvPicPr>
+            <a:picLocks noGrp="1" noChangeAspect="1"/>
+          </p:cNvPicPr>
+          <p:nvPr>
+            <p:ph sz="half" idx="2"/>
+          </p:nvPr>
+        </p:nvPicPr>
+        <p:blipFill>
+          <a:blip r:embed="rId2"/>
+          <a:stretch>
+            <a:fillRect/>
+          </a:stretch>
+        </p:blipFill>
+        <p:spPr>
+          <a:xfrm>
+            <a:off x="6904355" y="5140960"/>
+            <a:ext cx="5181600" cy="1438910"/>
+          </a:xfrm>
+          <a:prstGeom prst="rect">
+            <a:avLst/>
+          </a:prstGeom>
+        </p:spPr>
+      </p:pic>
+      <p:pic>
+        <p:nvPicPr>
+          <p:cNvPr id="6" name="Picture 5"/>
+          <p:cNvPicPr>
+            <a:picLocks noChangeAspect="1"/>
+          </p:cNvPicPr>
           <p:nvPr/>
-        </p:nvSpPr>
+        </p:nvPicPr>
+        <p:blipFill>
+          <a:blip r:embed="rId3"/>
+          <a:stretch>
+            <a:fillRect/>
+          </a:stretch>
+        </p:blipFill>
         <p:spPr>
           <a:xfrm>
-            <a:off x="838200" y="3101340"/>
+            <a:off x="838200" y="5264785"/>
+            <a:ext cx="5714365" cy="1190625"/>
+          </a:xfrm>
+          <a:prstGeom prst="rect">
+            <a:avLst/>
+          </a:prstGeom>
+        </p:spPr>
+      </p:pic>
+      <p:sp>
+        <p:nvSpPr>
+          <p:cNvPr id="8" name="Title 1"/>
+          <p:cNvSpPr>
+            <a:spLocks noGrp="1"/>
+          </p:cNvSpPr>
+          <p:nvPr/>
+        </p:nvSpPr>
+        <p:spPr>
+          <a:xfrm>
+            <a:off x="838200" y="128905"/>
             <a:ext cx="10515600" cy="1325563"/>
           </a:xfrm>
           <a:prstGeom prst="rect">
@@ -5496,63 +5851,44 @@
           <a:p>
             <a:pPr algn="ctr"/>
             <a:r>
-              <a:rPr lang="en-US" altLang="uk-UA" b="1"/>
-              <a:t>Technologies</a:t>
-            </a:r>
-            <a:endParaRPr lang="en-US" altLang="uk-UA" b="1"/>
-          </a:p>
-        </p:txBody>
-      </p:sp>
-      <p:pic>
-        <p:nvPicPr>
-          <p:cNvPr id="6" name="Замещающее содержимое 5"/>
-          <p:cNvPicPr>
-            <a:picLocks noChangeAspect="1"/>
-          </p:cNvPicPr>
-          <p:nvPr>
-            <p:ph sz="half" idx="2"/>
-          </p:nvPr>
-        </p:nvPicPr>
-        <p:blipFill>
-          <a:blip r:embed="rId1"/>
-          <a:stretch>
-            <a:fillRect/>
-          </a:stretch>
-        </p:blipFill>
+              <a:rPr lang="en-US" b="1"/>
+              <a:t>Idea</a:t>
+            </a:r>
+          </a:p>
+        </p:txBody>
+      </p:sp>
+      <p:sp>
+        <p:nvSpPr>
+          <p:cNvPr id="9" name="Content Placeholder 8"/>
+          <p:cNvSpPr>
+            <a:spLocks noGrp="1"/>
+          </p:cNvSpPr>
+          <p:nvPr>
+            <p:ph sz="half" idx="1"/>
+          </p:nvPr>
+        </p:nvSpPr>
         <p:spPr>
           <a:xfrm>
-            <a:off x="147320" y="4104640"/>
-            <a:ext cx="4216400" cy="2677795"/>
-          </a:xfrm>
-          <a:prstGeom prst="rect">
-            <a:avLst/>
-          </a:prstGeom>
-        </p:spPr>
-      </p:pic>
-      <p:pic>
-        <p:nvPicPr>
-          <p:cNvPr id="7" name="Изображение 6"/>
-          <p:cNvPicPr>
-            <a:picLocks noChangeAspect="1"/>
-          </p:cNvPicPr>
-          <p:nvPr/>
-        </p:nvPicPr>
-        <p:blipFill>
-          <a:blip r:embed="rId2"/>
-          <a:stretch>
-            <a:fillRect/>
-          </a:stretch>
-        </p:blipFill>
-        <p:spPr>
-          <a:xfrm>
-            <a:off x="7294880" y="4104640"/>
-            <a:ext cx="2785110" cy="2785110"/>
-          </a:xfrm>
-          <a:prstGeom prst="rect">
-            <a:avLst/>
-          </a:prstGeom>
-        </p:spPr>
-      </p:pic>
+            <a:off x="838200" y="1971675"/>
+            <a:ext cx="10514330" cy="1089660"/>
+          </a:xfrm>
+        </p:spPr>
+        <p:txBody>
+          <a:bodyPr>
+            <a:noAutofit/>
+          </a:bodyPr>
+          <a:lstStyle/>
+          <a:p>
+            <a:pPr marL="0" indent="0" algn="ctr">
+              <a:buNone/>
+            </a:pPr>
+            <a:r>
+              <a:rPr lang="en-US" altLang="en-US" sz="3600"/>
+              <a:t>To predict level change using previous data stored in Data Base</a:t>
+            </a:r>
+          </a:p>
+        </p:txBody>
+      </p:sp>
     </p:spTree>
   </p:cSld>
   <p:clrMapOvr>
@@ -5570,10 +5906,17 @@
         <p:cNvGrpSpPr/>
         <p:nvPr/>
       </p:nvGrpSpPr>
-      <p:grpSpPr/>
-      <p:sp>
-        <p:nvSpPr>
-          <p:cNvPr id="2" name="Title 1"/>
+      <p:grpSpPr>
+        <a:xfrm>
+          <a:off x="0" y="0"/>
+          <a:ext cx="0" cy="0"/>
+          <a:chOff x="0" y="0"/>
+          <a:chExt cx="0" cy="0"/>
+        </a:xfrm>
+      </p:grpSpPr>
+      <p:sp>
+        <p:nvSpPr>
+          <p:cNvPr id="2" name="Заголовок 1"/>
           <p:cNvSpPr>
             <a:spLocks noGrp="1"/>
           </p:cNvSpPr>
@@ -5581,87 +5924,67 @@
             <p:ph type="title"/>
           </p:nvPr>
         </p:nvSpPr>
+        <p:spPr/>
+        <p:txBody>
+          <a:bodyPr/>
+          <a:lstStyle/>
+          <a:p>
+            <a:pPr algn="ctr"/>
+            <a:r>
+              <a:rPr lang="en-US" altLang="ru-RU" b="1"/>
+              <a:t>idea</a:t>
+            </a:r>
+          </a:p>
+        </p:txBody>
+      </p:sp>
+      <p:sp>
+        <p:nvSpPr>
+          <p:cNvPr id="9" name="Content Placeholder 8"/>
+          <p:cNvSpPr>
+            <a:spLocks noGrp="1"/>
+          </p:cNvSpPr>
+          <p:nvPr>
+            <p:ph sz="half" idx="1"/>
+          </p:nvPr>
+        </p:nvSpPr>
         <p:spPr>
           <a:xfrm>
-            <a:off x="838200" y="3577590"/>
-            <a:ext cx="10515600" cy="1325563"/>
+            <a:off x="838200" y="1825625"/>
+            <a:ext cx="10515600" cy="1234440"/>
           </a:xfrm>
         </p:spPr>
         <p:txBody>
           <a:bodyPr>
-            <a:normAutofit/>
+            <a:noAutofit/>
           </a:bodyPr>
-          <a:p>
-            <a:pPr algn="ctr"/>
-            <a:r>
-              <a:rPr lang="en-US" b="1"/>
-              <a:t>Technologies</a:t>
-            </a:r>
-            <a:endParaRPr lang="en-US" b="1"/>
-          </a:p>
-        </p:txBody>
-      </p:sp>
-      <p:pic>
-        <p:nvPicPr>
-          <p:cNvPr id="5" name="Content Placeholder 4"/>
-          <p:cNvPicPr>
-            <a:picLocks noChangeAspect="1"/>
-          </p:cNvPicPr>
-          <p:nvPr>
-            <p:ph sz="half" idx="2"/>
-          </p:nvPr>
-        </p:nvPicPr>
-        <p:blipFill>
-          <a:blip r:embed="rId1"/>
-          <a:stretch>
-            <a:fillRect/>
-          </a:stretch>
-        </p:blipFill>
+          <a:lstStyle/>
+          <a:p>
+            <a:pPr marL="0" indent="0" algn="ctr">
+              <a:buNone/>
+            </a:pPr>
+            <a:r>
+              <a:rPr lang="en-US" altLang="en-US" sz="3600" dirty="0"/>
+              <a:t>Encrypt communication </a:t>
+            </a:r>
+            <a:r>
+              <a:rPr lang="en-US" altLang="en-US" sz="3600" dirty="0" err="1"/>
+              <a:t>chanel</a:t>
+            </a:r>
+            <a:endParaRPr lang="en-US" altLang="en-US" sz="3600" dirty="0"/>
+          </a:p>
+        </p:txBody>
+      </p:sp>
+      <p:sp>
+        <p:nvSpPr>
+          <p:cNvPr id="6" name="Title 1"/>
+          <p:cNvSpPr>
+            <a:spLocks noGrp="1"/>
+          </p:cNvSpPr>
+          <p:nvPr/>
+        </p:nvSpPr>
         <p:spPr>
           <a:xfrm>
-            <a:off x="6904355" y="5140960"/>
-            <a:ext cx="5181600" cy="1438910"/>
-          </a:xfrm>
-          <a:prstGeom prst="rect">
-            <a:avLst/>
-          </a:prstGeom>
-        </p:spPr>
-      </p:pic>
-      <p:pic>
-        <p:nvPicPr>
-          <p:cNvPr id="6" name="Picture 5"/>
-          <p:cNvPicPr>
-            <a:picLocks noChangeAspect="1"/>
-          </p:cNvPicPr>
-          <p:nvPr/>
-        </p:nvPicPr>
-        <p:blipFill>
-          <a:blip r:embed="rId2"/>
-          <a:stretch>
-            <a:fillRect/>
-          </a:stretch>
-        </p:blipFill>
-        <p:spPr>
-          <a:xfrm>
-            <a:off x="838200" y="5264785"/>
-            <a:ext cx="5714365" cy="1190625"/>
-          </a:xfrm>
-          <a:prstGeom prst="rect">
-            <a:avLst/>
-          </a:prstGeom>
-        </p:spPr>
-      </p:pic>
-      <p:sp>
-        <p:nvSpPr>
-          <p:cNvPr id="8" name="Title 1"/>
-          <p:cNvSpPr>
-            <a:spLocks noGrp="1"/>
-          </p:cNvSpPr>
-          <p:nvPr/>
-        </p:nvSpPr>
-        <p:spPr>
-          <a:xfrm>
-            <a:off x="838200" y="128905"/>
+            <a:off x="838200" y="3338830"/>
             <a:ext cx="10515600" cy="1325563"/>
           </a:xfrm>
           <a:prstGeom prst="rect">
@@ -5695,44 +6018,52 @@
             <a:pPr algn="ctr"/>
             <a:r>
               <a:rPr lang="en-US" b="1"/>
-              <a:t>Idea</a:t>
-            </a:r>
-            <a:endParaRPr lang="en-US" b="1"/>
-          </a:p>
-        </p:txBody>
-      </p:sp>
-      <p:sp>
-        <p:nvSpPr>
-          <p:cNvPr id="9" name="Content Placeholder 8"/>
-          <p:cNvSpPr>
-            <a:spLocks noGrp="1"/>
-          </p:cNvSpPr>
-          <p:nvPr>
-            <p:ph sz="half" idx="1"/>
-          </p:nvPr>
-        </p:nvSpPr>
-        <p:spPr>
-          <a:xfrm>
-            <a:off x="838200" y="1971675"/>
-            <a:ext cx="10514330" cy="1089660"/>
-          </a:xfrm>
-        </p:spPr>
-        <p:txBody>
-          <a:bodyPr>
-            <a:noAutofit/>
-          </a:bodyPr>
-          <a:p>
-            <a:pPr marL="0" indent="0" algn="ctr">
-              <a:buNone/>
-            </a:pPr>
-            <a:r>
-              <a:rPr lang="en-US" altLang="en-US" sz="3600"/>
-              <a:t>To predict level change using previous data stored in Data Base</a:t>
-            </a:r>
-            <a:endParaRPr lang="en-US" altLang="en-US" sz="3600"/>
-          </a:p>
-        </p:txBody>
-      </p:sp>
+              <a:t>Technologies</a:t>
+            </a:r>
+          </a:p>
+        </p:txBody>
+      </p:sp>
+      <p:pic>
+        <p:nvPicPr>
+          <p:cNvPr id="9218" name="Picture 2" descr="Ð ÐµÐ·ÑÐ»ÑÑÐ°Ñ Ð¿Ð¾ÑÑÐºÑ Ð·Ð¾Ð±ÑÐ°Ð¶ÐµÐ½Ñ Ð·Ð° Ð·Ð°Ð¿Ð¸ÑÐ¾Ð¼ &quot;rabbitmq&quot;"/>
+          <p:cNvPicPr>
+            <a:picLocks noChangeAspect="1" noChangeArrowheads="1"/>
+          </p:cNvPicPr>
+          <p:nvPr/>
+        </p:nvPicPr>
+        <p:blipFill>
+          <a:blip r:embed="rId2">
+            <a:extLst>
+              <a:ext uri="{28A0092B-C50C-407E-A947-70E740481C1C}">
+                <a14:useLocalDpi xmlns:a14="http://schemas.microsoft.com/office/drawing/2010/main" val="0"/>
+              </a:ext>
+            </a:extLst>
+          </a:blip>
+          <a:srcRect/>
+          <a:stretch>
+            <a:fillRect/>
+          </a:stretch>
+        </p:blipFill>
+        <p:spPr bwMode="auto">
+          <a:xfrm>
+            <a:off x="3524250" y="4664393"/>
+            <a:ext cx="5143500" cy="1905000"/>
+          </a:xfrm>
+          <a:prstGeom prst="rect">
+            <a:avLst/>
+          </a:prstGeom>
+          <a:noFill/>
+          <a:extLst>
+            <a:ext uri="{909E8E84-426E-40DD-AFC4-6F175D3DCCD1}">
+              <a14:hiddenFill xmlns:a14="http://schemas.microsoft.com/office/drawing/2010/main">
+                <a:solidFill>
+                  <a:srgbClr val="FFFFFF"/>
+                </a:solidFill>
+              </a14:hiddenFill>
+            </a:ext>
+          </a:extLst>
+        </p:spPr>
+      </p:pic>
     </p:spTree>
   </p:cSld>
   <p:clrMapOvr>
@@ -5992,6 +6323,8 @@
       </a:bgFillStyleLst>
     </a:fmtScheme>
   </a:themeElements>
+  <a:objectDefaults/>
+  <a:extraClrSchemeLst/>
   <a:extLst>
     <a:ext uri="{05A4C25C-085E-4340-85A3-A5531E510DB2}">
       <thm15:themeFamily xmlns:thm15="http://schemas.microsoft.com/office/thememl/2012/main" name="Office Theme" id="{62F939B6-93AF-4DB8-9C6B-D6C7DFDC589F}" vid="{4A3C46E8-61CC-4603-A589-7422A47A8E4A}"/>
